--- a/Golang_学习笔记/Golang_进阶_学习笔记/ETCD_学习笔记/ETCD-调研.pptx
+++ b/Golang_学习笔记/Golang_进阶_学习笔记/ETCD_学习笔记/ETCD-调研.pptx
@@ -602,6 +602,626 @@
           <a:bodyPr/>
           <a:lstStyle/>
           <a:p>
+            <a:r>
+              <a:rPr lang="zh-CN" altLang="en-US" smtClean="0"/>
+              <a:t>通过</a:t>
+            </a:r>
+            <a:r>
+              <a:rPr lang="en-US" altLang="zh-CN" smtClean="0"/>
+              <a:t>DockerFile</a:t>
+            </a:r>
+            <a:r>
+              <a:rPr lang="zh-CN" altLang="en-US" smtClean="0"/>
+              <a:t>搭建自己的</a:t>
+            </a:r>
+            <a:r>
+              <a:rPr lang="en-US" altLang="zh-CN" smtClean="0"/>
+              <a:t>ETCD</a:t>
+            </a:r>
+            <a:r>
+              <a:rPr lang="zh-CN" altLang="en-US" smtClean="0"/>
+              <a:t>镜像，在</a:t>
+            </a:r>
+            <a:r>
+              <a:rPr lang="en-US" altLang="zh-CN" smtClean="0"/>
+              <a:t>centos</a:t>
+            </a:r>
+            <a:r>
+              <a:rPr lang="zh-CN" altLang="en-US" smtClean="0"/>
+              <a:t>系统中安装</a:t>
+            </a:r>
+            <a:r>
+              <a:rPr lang="en-US" altLang="zh-CN" smtClean="0"/>
+              <a:t>ETCD</a:t>
+            </a:r>
+            <a:r>
+              <a:rPr lang="zh-CN" altLang="en-US" smtClean="0"/>
+              <a:t>，并打包该环境。</a:t>
+            </a:r>
+            <a:endParaRPr lang="zh-CN" altLang="en-US"/>
+          </a:p>
+        </p:txBody>
+      </p:sp>
+      <p:sp>
+        <p:nvSpPr>
+          <p:cNvPr id="4" name="灯片编号占位符 3"/>
+          <p:cNvSpPr>
+            <a:spLocks noGrp="1"/>
+          </p:cNvSpPr>
+          <p:nvPr>
+            <p:ph type="sldNum" sz="quarter" idx="10"/>
+          </p:nvPr>
+        </p:nvSpPr>
+        <p:spPr/>
+        <p:txBody>
+          <a:bodyPr/>
+          <a:lstStyle/>
+          <a:p>
+            <a:fld id="{A6837353-30EB-4A48-80EB-173D804AEFBD}" type="slidenum">
+              <a:rPr lang="zh-CN" altLang="en-US" smtClean="0"/>
+              <a:t>14</a:t>
+            </a:fld>
+            <a:endParaRPr lang="zh-CN" altLang="en-US"/>
+          </a:p>
+        </p:txBody>
+      </p:sp>
+    </p:spTree>
+    <p:extLst>
+      <p:ext uri="{BB962C8B-B14F-4D97-AF65-F5344CB8AC3E}">
+        <p14:creationId xmlns:p14="http://schemas.microsoft.com/office/powerpoint/2010/main" val="1014322190"/>
+      </p:ext>
+    </p:extLst>
+  </p:cSld>
+  <p:clrMapOvr>
+    <a:masterClrMapping/>
+  </p:clrMapOvr>
+</p:notes>
+</file>
+
+<file path=ppt/notesSlides/notesSlide11.xml><?xml version="1.0" encoding="utf-8"?>
+<p:notes xmlns:a="http://schemas.openxmlformats.org/drawingml/2006/main" xmlns:r="http://schemas.openxmlformats.org/officeDocument/2006/relationships" xmlns:p="http://schemas.openxmlformats.org/presentationml/2006/main">
+  <p:cSld>
+    <p:spTree>
+      <p:nvGrpSpPr>
+        <p:cNvPr id="1" name=""/>
+        <p:cNvGrpSpPr/>
+        <p:nvPr/>
+      </p:nvGrpSpPr>
+      <p:grpSpPr>
+        <a:xfrm>
+          <a:off x="0" y="0"/>
+          <a:ext cx="0" cy="0"/>
+          <a:chOff x="0" y="0"/>
+          <a:chExt cx="0" cy="0"/>
+        </a:xfrm>
+      </p:grpSpPr>
+      <p:sp>
+        <p:nvSpPr>
+          <p:cNvPr id="2" name="幻灯片图像占位符 1"/>
+          <p:cNvSpPr>
+            <a:spLocks noGrp="1" noRot="1" noChangeAspect="1"/>
+          </p:cNvSpPr>
+          <p:nvPr>
+            <p:ph type="sldImg"/>
+          </p:nvPr>
+        </p:nvSpPr>
+        <p:spPr/>
+      </p:sp>
+      <p:sp>
+        <p:nvSpPr>
+          <p:cNvPr id="3" name="备注占位符 2"/>
+          <p:cNvSpPr>
+            <a:spLocks noGrp="1"/>
+          </p:cNvSpPr>
+          <p:nvPr>
+            <p:ph type="body" idx="1"/>
+          </p:nvPr>
+        </p:nvSpPr>
+        <p:spPr/>
+        <p:txBody>
+          <a:bodyPr/>
+          <a:lstStyle/>
+          <a:p>
+            <a:r>
+              <a:rPr lang="zh-CN" altLang="en-US" smtClean="0"/>
+              <a:t>将打包好的镜像发布至</a:t>
+            </a:r>
+            <a:r>
+              <a:rPr lang="en-US" altLang="zh-CN" smtClean="0"/>
+              <a:t>DockerHub</a:t>
+            </a:r>
+            <a:r>
+              <a:rPr lang="zh-CN" altLang="en-US" smtClean="0"/>
+              <a:t>中，方便其他主机使用该镜像进行部署工作。主要使用的命令：</a:t>
+            </a:r>
+            <a:r>
+              <a:rPr lang="en-US" altLang="zh-CN" smtClean="0"/>
+              <a:t>login</a:t>
+            </a:r>
+            <a:r>
+              <a:rPr lang="zh-CN" altLang="en-US" smtClean="0"/>
+              <a:t>、</a:t>
+            </a:r>
+            <a:r>
+              <a:rPr lang="en-US" altLang="zh-CN" smtClean="0"/>
+              <a:t>push</a:t>
+            </a:r>
+            <a:r>
+              <a:rPr lang="zh-CN" altLang="en-US" smtClean="0"/>
+              <a:t>、</a:t>
+            </a:r>
+            <a:r>
+              <a:rPr lang="en-US" altLang="zh-CN" smtClean="0"/>
+              <a:t>pull</a:t>
+            </a:r>
+            <a:r>
+              <a:rPr lang="zh-CN" altLang="en-US" smtClean="0"/>
+              <a:t>等。发布完成的镜像如图所示。</a:t>
+            </a:r>
+            <a:endParaRPr lang="zh-CN" altLang="en-US"/>
+          </a:p>
+        </p:txBody>
+      </p:sp>
+      <p:sp>
+        <p:nvSpPr>
+          <p:cNvPr id="4" name="灯片编号占位符 3"/>
+          <p:cNvSpPr>
+            <a:spLocks noGrp="1"/>
+          </p:cNvSpPr>
+          <p:nvPr>
+            <p:ph type="sldNum" sz="quarter" idx="10"/>
+          </p:nvPr>
+        </p:nvSpPr>
+        <p:spPr/>
+        <p:txBody>
+          <a:bodyPr/>
+          <a:lstStyle/>
+          <a:p>
+            <a:fld id="{A6837353-30EB-4A48-80EB-173D804AEFBD}" type="slidenum">
+              <a:rPr lang="zh-CN" altLang="en-US" smtClean="0"/>
+              <a:t>15</a:t>
+            </a:fld>
+            <a:endParaRPr lang="zh-CN" altLang="en-US"/>
+          </a:p>
+        </p:txBody>
+      </p:sp>
+    </p:spTree>
+    <p:extLst>
+      <p:ext uri="{BB962C8B-B14F-4D97-AF65-F5344CB8AC3E}">
+        <p14:creationId xmlns:p14="http://schemas.microsoft.com/office/powerpoint/2010/main" val="3569611623"/>
+      </p:ext>
+    </p:extLst>
+  </p:cSld>
+  <p:clrMapOvr>
+    <a:masterClrMapping/>
+  </p:clrMapOvr>
+</p:notes>
+</file>
+
+<file path=ppt/notesSlides/notesSlide12.xml><?xml version="1.0" encoding="utf-8"?>
+<p:notes xmlns:a="http://schemas.openxmlformats.org/drawingml/2006/main" xmlns:r="http://schemas.openxmlformats.org/officeDocument/2006/relationships" xmlns:p="http://schemas.openxmlformats.org/presentationml/2006/main">
+  <p:cSld>
+    <p:spTree>
+      <p:nvGrpSpPr>
+        <p:cNvPr id="1" name=""/>
+        <p:cNvGrpSpPr/>
+        <p:nvPr/>
+      </p:nvGrpSpPr>
+      <p:grpSpPr>
+        <a:xfrm>
+          <a:off x="0" y="0"/>
+          <a:ext cx="0" cy="0"/>
+          <a:chOff x="0" y="0"/>
+          <a:chExt cx="0" cy="0"/>
+        </a:xfrm>
+      </p:grpSpPr>
+      <p:sp>
+        <p:nvSpPr>
+          <p:cNvPr id="2" name="幻灯片图像占位符 1"/>
+          <p:cNvSpPr>
+            <a:spLocks noGrp="1" noRot="1" noChangeAspect="1"/>
+          </p:cNvSpPr>
+          <p:nvPr>
+            <p:ph type="sldImg"/>
+          </p:nvPr>
+        </p:nvSpPr>
+        <p:spPr/>
+      </p:sp>
+      <p:sp>
+        <p:nvSpPr>
+          <p:cNvPr id="3" name="备注占位符 2"/>
+          <p:cNvSpPr>
+            <a:spLocks noGrp="1"/>
+          </p:cNvSpPr>
+          <p:nvPr>
+            <p:ph type="body" idx="1"/>
+          </p:nvPr>
+        </p:nvSpPr>
+        <p:spPr/>
+        <p:txBody>
+          <a:bodyPr/>
+          <a:lstStyle/>
+          <a:p>
+            <a:r>
+              <a:rPr lang="zh-CN" altLang="en-US" smtClean="0"/>
+              <a:t>准备部署环境，在</a:t>
+            </a:r>
+            <a:r>
+              <a:rPr lang="en-US" altLang="zh-CN" smtClean="0"/>
+              <a:t>Vmware</a:t>
+            </a:r>
+            <a:r>
+              <a:rPr lang="zh-CN" altLang="en-US" smtClean="0"/>
+              <a:t>中启动</a:t>
+            </a:r>
+            <a:r>
+              <a:rPr lang="en-US" altLang="zh-CN" smtClean="0"/>
+              <a:t>3</a:t>
+            </a:r>
+            <a:r>
+              <a:rPr lang="zh-CN" altLang="en-US" smtClean="0"/>
+              <a:t>台虚拟机，并且在虚拟机中安装</a:t>
+            </a:r>
+            <a:r>
+              <a:rPr lang="en-US" altLang="zh-CN" smtClean="0"/>
+              <a:t>Docker</a:t>
+            </a:r>
+            <a:r>
+              <a:rPr lang="zh-CN" altLang="en-US" smtClean="0"/>
+              <a:t>环境，运行</a:t>
+            </a:r>
+            <a:r>
+              <a:rPr lang="en-US" altLang="zh-CN" smtClean="0"/>
+              <a:t>docker-compose</a:t>
+            </a:r>
+            <a:r>
+              <a:rPr lang="zh-CN" altLang="en-US" smtClean="0"/>
+              <a:t>脚本，启动相应的容器。脚本中的</a:t>
+            </a:r>
+            <a:r>
+              <a:rPr lang="en-US" altLang="zh-CN" smtClean="0"/>
+              <a:t>etcd1</a:t>
+            </a:r>
+            <a:r>
+              <a:rPr lang="zh-CN" altLang="en-US" smtClean="0"/>
+              <a:t>、</a:t>
+            </a:r>
+            <a:r>
+              <a:rPr lang="en-US" altLang="zh-CN" smtClean="0"/>
+              <a:t>2</a:t>
+            </a:r>
+            <a:r>
+              <a:rPr lang="zh-CN" altLang="en-US" smtClean="0"/>
+              <a:t>、</a:t>
+            </a:r>
+            <a:r>
+              <a:rPr lang="en-US" altLang="zh-CN" smtClean="0"/>
+              <a:t>3</a:t>
+            </a:r>
+            <a:r>
+              <a:rPr lang="zh-CN" altLang="en-US" smtClean="0"/>
+              <a:t>表示</a:t>
+            </a:r>
+            <a:r>
+              <a:rPr lang="en-US" altLang="zh-CN" smtClean="0"/>
+              <a:t>3</a:t>
+            </a:r>
+            <a:r>
+              <a:rPr lang="zh-CN" altLang="en-US" smtClean="0"/>
+              <a:t>个节点的</a:t>
+            </a:r>
+            <a:r>
+              <a:rPr lang="en-US" altLang="zh-CN" smtClean="0"/>
+              <a:t>IP</a:t>
+            </a:r>
+            <a:r>
+              <a:rPr lang="zh-CN" altLang="en-US" smtClean="0"/>
+              <a:t>，在</a:t>
+            </a:r>
+            <a:r>
+              <a:rPr lang="en-US" altLang="zh-CN" smtClean="0"/>
+              <a:t>3</a:t>
+            </a:r>
+            <a:r>
+              <a:rPr lang="zh-CN" altLang="en-US" smtClean="0"/>
+              <a:t>台虚拟机中需要进行相应的修改，并且使用数据卷的方式将容器中</a:t>
+            </a:r>
+            <a:r>
+              <a:rPr lang="en-US" altLang="zh-CN" smtClean="0"/>
+              <a:t>ETCD</a:t>
+            </a:r>
+            <a:r>
+              <a:rPr lang="zh-CN" altLang="en-US" smtClean="0"/>
+              <a:t>的数据复制到宿主机中，防止因容器被删除而导致</a:t>
+            </a:r>
+            <a:r>
+              <a:rPr lang="en-US" altLang="zh-CN" smtClean="0"/>
+              <a:t>ETCD</a:t>
+            </a:r>
+            <a:r>
+              <a:rPr lang="zh-CN" altLang="en-US" smtClean="0"/>
+              <a:t>的数据丢失。</a:t>
+            </a:r>
+            <a:endParaRPr lang="zh-CN" altLang="en-US"/>
+          </a:p>
+        </p:txBody>
+      </p:sp>
+      <p:sp>
+        <p:nvSpPr>
+          <p:cNvPr id="4" name="灯片编号占位符 3"/>
+          <p:cNvSpPr>
+            <a:spLocks noGrp="1"/>
+          </p:cNvSpPr>
+          <p:nvPr>
+            <p:ph type="sldNum" sz="quarter" idx="10"/>
+          </p:nvPr>
+        </p:nvSpPr>
+        <p:spPr/>
+        <p:txBody>
+          <a:bodyPr/>
+          <a:lstStyle/>
+          <a:p>
+            <a:fld id="{A6837353-30EB-4A48-80EB-173D804AEFBD}" type="slidenum">
+              <a:rPr lang="zh-CN" altLang="en-US" smtClean="0"/>
+              <a:t>16</a:t>
+            </a:fld>
+            <a:endParaRPr lang="zh-CN" altLang="en-US"/>
+          </a:p>
+        </p:txBody>
+      </p:sp>
+    </p:spTree>
+    <p:extLst>
+      <p:ext uri="{BB962C8B-B14F-4D97-AF65-F5344CB8AC3E}">
+        <p14:creationId xmlns:p14="http://schemas.microsoft.com/office/powerpoint/2010/main" val="3000271840"/>
+      </p:ext>
+    </p:extLst>
+  </p:cSld>
+  <p:clrMapOvr>
+    <a:masterClrMapping/>
+  </p:clrMapOvr>
+</p:notes>
+</file>
+
+<file path=ppt/notesSlides/notesSlide13.xml><?xml version="1.0" encoding="utf-8"?>
+<p:notes xmlns:a="http://schemas.openxmlformats.org/drawingml/2006/main" xmlns:r="http://schemas.openxmlformats.org/officeDocument/2006/relationships" xmlns:p="http://schemas.openxmlformats.org/presentationml/2006/main">
+  <p:cSld>
+    <p:spTree>
+      <p:nvGrpSpPr>
+        <p:cNvPr id="1" name=""/>
+        <p:cNvGrpSpPr/>
+        <p:nvPr/>
+      </p:nvGrpSpPr>
+      <p:grpSpPr>
+        <a:xfrm>
+          <a:off x="0" y="0"/>
+          <a:ext cx="0" cy="0"/>
+          <a:chOff x="0" y="0"/>
+          <a:chExt cx="0" cy="0"/>
+        </a:xfrm>
+      </p:grpSpPr>
+      <p:sp>
+        <p:nvSpPr>
+          <p:cNvPr id="2" name="幻灯片图像占位符 1"/>
+          <p:cNvSpPr>
+            <a:spLocks noGrp="1" noRot="1" noChangeAspect="1"/>
+          </p:cNvSpPr>
+          <p:nvPr>
+            <p:ph type="sldImg" idx="2"/>
+          </p:nvPr>
+        </p:nvSpPr>
+        <p:spPr/>
+      </p:sp>
+      <p:sp>
+        <p:nvSpPr>
+          <p:cNvPr id="3" name="文本占位符 2"/>
+          <p:cNvSpPr>
+            <a:spLocks noGrp="1"/>
+          </p:cNvSpPr>
+          <p:nvPr>
+            <p:ph type="body" idx="3"/>
+          </p:nvPr>
+        </p:nvSpPr>
+        <p:spPr/>
+        <p:txBody>
+          <a:bodyPr/>
+          <a:lstStyle/>
+          <a:p>
+            <a:pPr algn="l">
+              <a:lnSpc>
+                <a:spcPct val="125000"/>
+              </a:lnSpc>
+            </a:pPr>
+            <a:r>
+              <a:rPr lang="zh-CN" altLang="en-US" sz="1200" b="0" smtClean="0">
+                <a:latin typeface="宋体" panose="02010600030101010101" pitchFamily="2" charset="-122"/>
+                <a:ea typeface="+mn-ea"/>
+              </a:rPr>
+              <a:t>（</a:t>
+            </a:r>
+            <a:r>
+              <a:rPr lang="en-US" altLang="zh-CN" sz="1200" b="0" smtClean="0">
+                <a:latin typeface="宋体" panose="02010600030101010101" pitchFamily="2" charset="-122"/>
+                <a:ea typeface="+mn-ea"/>
+              </a:rPr>
+              <a:t>1</a:t>
+            </a:r>
+            <a:r>
+              <a:rPr lang="zh-CN" altLang="en-US" sz="1200" b="0" smtClean="0">
+                <a:latin typeface="宋体" panose="02010600030101010101" pitchFamily="2" charset="-122"/>
+                <a:ea typeface="+mn-ea"/>
+              </a:rPr>
+              <a:t>）</a:t>
+            </a:r>
+            <a:r>
+              <a:rPr lang="zh-CN" altLang="en-US" sz="1200" b="0" smtClean="0">
+                <a:latin typeface="宋体" panose="02010600030101010101" pitchFamily="2" charset="-122"/>
+                <a:ea typeface="+mn-ea"/>
+                <a:sym typeface="+mn-ea"/>
+              </a:rPr>
+              <a:t>ETCD门槛较高，自己的实际项目经验不足，进行调研</a:t>
+            </a:r>
+            <a:r>
+              <a:rPr lang="en-US" altLang="zh-CN" sz="1200" b="0" smtClean="0">
+                <a:latin typeface="宋体" panose="02010600030101010101" pitchFamily="2" charset="-122"/>
+                <a:ea typeface="+mn-ea"/>
+                <a:sym typeface="+mn-ea"/>
+              </a:rPr>
+              <a:t>ETCD</a:t>
+            </a:r>
+            <a:r>
+              <a:rPr lang="zh-CN" altLang="en-US" sz="1200" b="0" smtClean="0">
+                <a:latin typeface="宋体" panose="02010600030101010101" pitchFamily="2" charset="-122"/>
+                <a:ea typeface="+mn-ea"/>
+                <a:sym typeface="+mn-ea"/>
+              </a:rPr>
+              <a:t>感觉难度较大，</a:t>
+            </a:r>
+            <a:endParaRPr lang="zh-CN" altLang="en-US" sz="1200" b="0" smtClean="0">
+              <a:latin typeface="宋体" panose="02010600030101010101" pitchFamily="2" charset="-122"/>
+              <a:ea typeface="+mn-ea"/>
+            </a:endParaRPr>
+          </a:p>
+          <a:p>
+            <a:pPr algn="l">
+              <a:lnSpc>
+                <a:spcPct val="125000"/>
+              </a:lnSpc>
+            </a:pPr>
+            <a:r>
+              <a:rPr lang="zh-CN" altLang="en-US" sz="1200" b="0" smtClean="0">
+                <a:latin typeface="宋体" panose="02010600030101010101" pitchFamily="2" charset="-122"/>
+                <a:ea typeface="+mn-ea"/>
+              </a:rPr>
+              <a:t>（</a:t>
+            </a:r>
+            <a:r>
+              <a:rPr lang="en-US" altLang="zh-CN" sz="1200" b="0" smtClean="0">
+                <a:latin typeface="宋体" panose="02010600030101010101" pitchFamily="2" charset="-122"/>
+                <a:ea typeface="+mn-ea"/>
+              </a:rPr>
+              <a:t>2</a:t>
+            </a:r>
+            <a:r>
+              <a:rPr lang="zh-CN" altLang="en-US" sz="1200" b="0" smtClean="0">
+                <a:latin typeface="宋体" panose="02010600030101010101" pitchFamily="2" charset="-122"/>
+                <a:ea typeface="+mn-ea"/>
+              </a:rPr>
+              <a:t>）刚开始接触</a:t>
+            </a:r>
+            <a:r>
+              <a:rPr lang="en-US" altLang="zh-CN" sz="1200" b="0" smtClean="0">
+                <a:latin typeface="宋体" panose="02010600030101010101" pitchFamily="2" charset="-122"/>
+                <a:ea typeface="+mn-ea"/>
+              </a:rPr>
+              <a:t>Go</a:t>
+            </a:r>
+            <a:r>
+              <a:rPr lang="zh-CN" altLang="en-US" sz="1200" b="0" smtClean="0">
+                <a:latin typeface="宋体" panose="02010600030101010101" pitchFamily="2" charset="-122"/>
+                <a:ea typeface="+mn-ea"/>
+              </a:rPr>
+              <a:t>相关的工作，很多相关的知识储备不足，目前的知识都是现学现用，因此在很多细节方面会考虑不全，存在盲区。</a:t>
+            </a:r>
+          </a:p>
+          <a:p>
+            <a:pPr algn="l">
+              <a:lnSpc>
+                <a:spcPct val="125000"/>
+              </a:lnSpc>
+            </a:pPr>
+            <a:r>
+              <a:rPr lang="zh-CN" altLang="en-US" sz="1200" b="0" smtClean="0">
+                <a:latin typeface="宋体" panose="02010600030101010101" pitchFamily="2" charset="-122"/>
+                <a:ea typeface="+mn-ea"/>
+              </a:rPr>
+              <a:t>（</a:t>
+            </a:r>
+            <a:r>
+              <a:rPr lang="en-US" altLang="zh-CN" sz="1200" b="0" smtClean="0">
+                <a:latin typeface="宋体" panose="02010600030101010101" pitchFamily="2" charset="-122"/>
+                <a:ea typeface="+mn-ea"/>
+              </a:rPr>
+              <a:t>3</a:t>
+            </a:r>
+            <a:r>
+              <a:rPr lang="zh-CN" altLang="en-US" sz="1200" b="0" smtClean="0">
+                <a:latin typeface="宋体" panose="02010600030101010101" pitchFamily="2" charset="-122"/>
+                <a:ea typeface="+mn-ea"/>
+              </a:rPr>
+              <a:t>）开发经验欠缺，也是第一次接触分布式系统，不能很好的处理</a:t>
+            </a:r>
+            <a:r>
+              <a:rPr lang="en-US" altLang="zh-CN" sz="1200" b="0" smtClean="0">
+                <a:latin typeface="宋体" panose="02010600030101010101" pitchFamily="2" charset="-122"/>
+                <a:ea typeface="+mn-ea"/>
+              </a:rPr>
+              <a:t>ETCD</a:t>
+            </a:r>
+            <a:r>
+              <a:rPr lang="zh-CN" altLang="en-US" sz="1200" b="0" smtClean="0">
+                <a:latin typeface="宋体" panose="02010600030101010101" pitchFamily="2" charset="-122"/>
+                <a:ea typeface="+mn-ea"/>
+              </a:rPr>
+              <a:t>相关的问题。</a:t>
+            </a:r>
+          </a:p>
+          <a:p>
+            <a:endParaRPr lang="zh-CN" altLang="en-US"/>
+          </a:p>
+        </p:txBody>
+      </p:sp>
+    </p:spTree>
+  </p:cSld>
+  <p:clrMapOvr>
+    <a:masterClrMapping/>
+  </p:clrMapOvr>
+</p:notes>
+</file>
+
+<file path=ppt/notesSlides/notesSlide14.xml><?xml version="1.0" encoding="utf-8"?>
+<p:notes xmlns:a="http://schemas.openxmlformats.org/drawingml/2006/main" xmlns:r="http://schemas.openxmlformats.org/officeDocument/2006/relationships" xmlns:p="http://schemas.openxmlformats.org/presentationml/2006/main">
+  <p:cSld>
+    <p:spTree>
+      <p:nvGrpSpPr>
+        <p:cNvPr id="1" name=""/>
+        <p:cNvGrpSpPr/>
+        <p:nvPr/>
+      </p:nvGrpSpPr>
+      <p:grpSpPr>
+        <a:xfrm>
+          <a:off x="0" y="0"/>
+          <a:ext cx="0" cy="0"/>
+          <a:chOff x="0" y="0"/>
+          <a:chExt cx="0" cy="0"/>
+        </a:xfrm>
+      </p:grpSpPr>
+      <p:sp>
+        <p:nvSpPr>
+          <p:cNvPr id="2" name="幻灯片图像占位符 1"/>
+          <p:cNvSpPr>
+            <a:spLocks noGrp="1" noRot="1" noChangeAspect="1"/>
+          </p:cNvSpPr>
+          <p:nvPr>
+            <p:ph type="sldImg"/>
+          </p:nvPr>
+        </p:nvSpPr>
+        <p:spPr/>
+      </p:sp>
+      <p:sp>
+        <p:nvSpPr>
+          <p:cNvPr id="3" name="备注占位符 2"/>
+          <p:cNvSpPr>
+            <a:spLocks noGrp="1"/>
+          </p:cNvSpPr>
+          <p:nvPr>
+            <p:ph type="body" idx="1"/>
+          </p:nvPr>
+        </p:nvSpPr>
+        <p:spPr/>
+        <p:txBody>
+          <a:bodyPr/>
+          <a:lstStyle/>
+          <a:p>
             <a:endParaRPr lang="zh-CN" altLang="en-US"/>
           </a:p>
         </p:txBody>
@@ -905,11 +1525,7 @@
             </a:r>
             <a:r>
               <a:rPr lang="zh-CN" altLang="en-US" smtClean="0"/>
-              <a:t>节点选取、日志复制、复制</a:t>
-            </a:r>
-            <a:r>
-              <a:rPr lang="zh-CN" altLang="en-US" smtClean="0"/>
-              <a:t>状态机、</a:t>
+              <a:t>节点选取、日志复制、复制状态机、</a:t>
             </a:r>
             <a:r>
               <a:rPr lang="en-US" altLang="zh-CN" smtClean="0"/>
@@ -925,11 +1541,7 @@
             </a:r>
             <a:r>
               <a:rPr lang="zh-CN" altLang="en-US" smtClean="0"/>
-              <a:t>等</a:t>
-            </a:r>
-            <a:r>
-              <a:rPr lang="zh-CN" altLang="en-US" smtClean="0"/>
-              <a:t>。</a:t>
+              <a:t>等。</a:t>
             </a:r>
             <a:endParaRPr lang="en-US" altLang="zh-CN" smtClean="0"/>
           </a:p>
@@ -1196,11 +1808,7 @@
             </a:r>
             <a:r>
               <a:rPr lang="zh-CN" altLang="en-US" smtClean="0"/>
-              <a:t>集群通过日志来记录客户端的写数据操作</a:t>
-            </a:r>
-            <a:r>
-              <a:rPr lang="zh-CN" altLang="en-US" smtClean="0"/>
-              <a:t>，使用</a:t>
+              <a:t>集群通过日志来记录客户端的写数据操作，使用</a:t>
             </a:r>
             <a:r>
               <a:rPr lang="en-US" altLang="zh-CN" smtClean="0"/>
@@ -1224,11 +1832,7 @@
             </a:r>
             <a:r>
               <a:rPr lang="zh-CN" altLang="en-US" smtClean="0"/>
-              <a:t>选举过程</a:t>
-            </a:r>
-            <a:r>
-              <a:rPr lang="zh-CN" altLang="en-US" smtClean="0"/>
-              <a:t>。首先 ，介绍一下</a:t>
+              <a:t>选举过程。首先 ，介绍一下</a:t>
             </a:r>
             <a:r>
               <a:rPr lang="en-US" altLang="zh-CN" smtClean="0"/>
@@ -1246,7 +1850,6 @@
               <a:rPr lang="zh-CN" altLang="en-US" smtClean="0"/>
               <a:t>的选举过程。</a:t>
             </a:r>
-            <a:endParaRPr lang="zh-CN" altLang="en-US" smtClean="0"/>
           </a:p>
           <a:p>
             <a:endParaRPr lang="zh-CN" altLang="en-US"/>
@@ -3095,8 +3698,10 @@
                 <a:ea typeface="+mn-ea"/>
                 <a:cs typeface="+mn-cs"/>
               </a:rPr>
-              <a:t>节点，决定日志的顺序，负责发送日志到</a:t>
-            </a:r>
+              <a:t>节点，决定日志的顺序，负责发送日志到其他从节点。</a:t>
+            </a:r>
+          </a:p>
+          <a:p>
             <a:r>
               <a:rPr lang="zh-CN" altLang="en-US" sz="1200" b="0" i="0" kern="1200" smtClean="0">
                 <a:solidFill>
@@ -3107,10 +3712,10 @@
                 <a:ea typeface="+mn-ea"/>
                 <a:cs typeface="+mn-cs"/>
               </a:rPr>
-              <a:t>其他从节点</a:t>
-            </a:r>
-            <a:r>
-              <a:rPr lang="zh-CN" altLang="en-US" sz="1200" b="0" i="0" kern="1200" smtClean="0">
+              <a:t>（</a:t>
+            </a:r>
+            <a:r>
+              <a:rPr lang="en-US" altLang="zh-CN" sz="1200" b="0" i="0" kern="1200" smtClean="0">
                 <a:solidFill>
                   <a:schemeClr val="tx1"/>
                 </a:solidFill>
@@ -3119,10 +3724,8 @@
                 <a:ea typeface="+mn-ea"/>
                 <a:cs typeface="+mn-cs"/>
               </a:rPr>
-              <a:t>。</a:t>
-            </a:r>
-          </a:p>
-          <a:p>
+              <a:t>2</a:t>
+            </a:r>
             <a:r>
               <a:rPr lang="zh-CN" altLang="en-US" sz="1200" b="0" i="0" kern="1200" smtClean="0">
                 <a:solidFill>
@@ -3133,7 +3736,7 @@
                 <a:ea typeface="+mn-ea"/>
                 <a:cs typeface="+mn-cs"/>
               </a:rPr>
-              <a:t>（</a:t>
+              <a:t>）当</a:t>
             </a:r>
             <a:r>
               <a:rPr lang="en-US" altLang="zh-CN" sz="1200" b="0" i="0" kern="1200" smtClean="0">
@@ -3145,7 +3748,7 @@
                 <a:ea typeface="+mn-ea"/>
                 <a:cs typeface="+mn-cs"/>
               </a:rPr>
-              <a:t>2</a:t>
+              <a:t>Leader</a:t>
             </a:r>
             <a:r>
               <a:rPr lang="zh-CN" altLang="en-US" sz="1200" b="0" i="0" kern="1200" smtClean="0">
@@ -3157,10 +3760,10 @@
                 <a:ea typeface="+mn-ea"/>
                 <a:cs typeface="+mn-cs"/>
               </a:rPr>
-              <a:t>）当</a:t>
-            </a:r>
-            <a:r>
-              <a:rPr lang="en-US" altLang="zh-CN" sz="1200" b="0" i="0" kern="1200" smtClean="0">
+              <a:t>节点的</a:t>
+            </a:r>
+            <a:r>
+              <a:rPr lang="zh-CN" altLang="en-US" sz="1200" b="1" i="0" kern="1200" smtClean="0">
                 <a:solidFill>
                   <a:schemeClr val="tx1"/>
                 </a:solidFill>
@@ -3169,7 +3772,7 @@
                 <a:ea typeface="+mn-ea"/>
                 <a:cs typeface="+mn-cs"/>
               </a:rPr>
-              <a:t>Leader</a:t>
+              <a:t>一致性模块</a:t>
             </a:r>
             <a:r>
               <a:rPr lang="zh-CN" altLang="en-US" sz="1200" b="0" i="0" kern="1200" smtClean="0">
@@ -3181,10 +3784,10 @@
                 <a:ea typeface="+mn-ea"/>
                 <a:cs typeface="+mn-cs"/>
               </a:rPr>
-              <a:t>节点的</a:t>
-            </a:r>
-            <a:r>
-              <a:rPr lang="zh-CN" altLang="en-US" sz="1200" b="1" i="0" kern="1200" smtClean="0">
+              <a:t>接收到客户端的写请求时，先将命令写入自己的日志，然后同步给所有从节点，仅当</a:t>
+            </a:r>
+            <a:r>
+              <a:rPr lang="en-US" altLang="zh-CN" sz="1200" b="0" i="0" kern="1200" smtClean="0">
                 <a:solidFill>
                   <a:schemeClr val="tx1"/>
                 </a:solidFill>
@@ -3193,7 +3796,7 @@
                 <a:ea typeface="+mn-ea"/>
                 <a:cs typeface="+mn-cs"/>
               </a:rPr>
-              <a:t>一致性模块</a:t>
+              <a:t>50%</a:t>
             </a:r>
             <a:r>
               <a:rPr lang="zh-CN" altLang="en-US" sz="1200" b="0" i="0" kern="1200" smtClean="0">
@@ -3205,10 +3808,10 @@
                 <a:ea typeface="+mn-ea"/>
                 <a:cs typeface="+mn-cs"/>
               </a:rPr>
-              <a:t>接收到客户端的写请求时，先将命令写入自己的日志，然后同步给</a:t>
-            </a:r>
-            <a:r>
-              <a:rPr lang="zh-CN" altLang="en-US" sz="1200" b="0" i="0" kern="1200" smtClean="0">
+              <a:t>以上从节点都接收到日志后，</a:t>
+            </a:r>
+            <a:r>
+              <a:rPr lang="en-US" altLang="zh-CN" sz="1200" b="0" i="0" kern="1200" smtClean="0">
                 <a:solidFill>
                   <a:schemeClr val="tx1"/>
                 </a:solidFill>
@@ -3217,7 +3820,7 @@
                 <a:ea typeface="+mn-ea"/>
                 <a:cs typeface="+mn-cs"/>
               </a:rPr>
-              <a:t>所有从节点</a:t>
+              <a:t>Leader</a:t>
             </a:r>
             <a:r>
               <a:rPr lang="zh-CN" altLang="en-US" sz="1200" b="0" i="0" kern="1200" smtClean="0">
@@ -3229,7 +3832,7 @@
                 <a:ea typeface="+mn-ea"/>
                 <a:cs typeface="+mn-cs"/>
               </a:rPr>
-              <a:t>，仅当</a:t>
+              <a:t>节点才提交日志。日志提交后，由</a:t>
             </a:r>
             <a:r>
               <a:rPr lang="en-US" altLang="zh-CN" sz="1200" b="0" i="0" kern="1200" smtClean="0">
@@ -3241,7 +3844,7 @@
                 <a:ea typeface="+mn-ea"/>
                 <a:cs typeface="+mn-cs"/>
               </a:rPr>
-              <a:t>50%</a:t>
+              <a:t>Leader</a:t>
             </a:r>
             <a:r>
               <a:rPr lang="zh-CN" altLang="en-US" sz="1200" b="0" i="0" kern="1200" smtClean="0">
@@ -3253,8 +3856,10 @@
                 <a:ea typeface="+mn-ea"/>
                 <a:cs typeface="+mn-cs"/>
               </a:rPr>
-              <a:t>以上从节点</a:t>
-            </a:r>
+              <a:t>节点按顺序应用于状态机。</a:t>
+            </a:r>
+          </a:p>
+          <a:p>
             <a:r>
               <a:rPr lang="zh-CN" altLang="en-US" sz="1200" b="0" i="0" kern="1200" smtClean="0">
                 <a:solidFill>
@@ -3265,7 +3870,7 @@
                 <a:ea typeface="+mn-ea"/>
                 <a:cs typeface="+mn-cs"/>
               </a:rPr>
-              <a:t>都接收到日志后，</a:t>
+              <a:t>（</a:t>
             </a:r>
             <a:r>
               <a:rPr lang="en-US" altLang="zh-CN" sz="1200" b="0" i="0" kern="1200" smtClean="0">
@@ -3277,7 +3882,7 @@
                 <a:ea typeface="+mn-ea"/>
                 <a:cs typeface="+mn-cs"/>
               </a:rPr>
-              <a:t>Leader</a:t>
+              <a:t>3</a:t>
             </a:r>
             <a:r>
               <a:rPr lang="zh-CN" altLang="en-US" sz="1200" b="0" i="0" kern="1200" smtClean="0">
@@ -3289,7 +3894,7 @@
                 <a:ea typeface="+mn-ea"/>
                 <a:cs typeface="+mn-cs"/>
               </a:rPr>
-              <a:t>节点才提交日志。日志提交后，由</a:t>
+              <a:t>）仅当</a:t>
             </a:r>
             <a:r>
               <a:rPr lang="en-US" altLang="zh-CN" sz="1200" b="0" i="0" kern="1200" smtClean="0">
@@ -3313,12 +3918,10 @@
                 <a:ea typeface="+mn-ea"/>
                 <a:cs typeface="+mn-cs"/>
               </a:rPr>
-              <a:t>节点按顺序应用于状态机。</a:t>
-            </a:r>
-          </a:p>
-          <a:p>
-            <a:r>
-              <a:rPr lang="zh-CN" altLang="en-US" sz="1200" b="0" i="0" kern="1200" smtClean="0">
+              <a:t>日志提交成功后，其他从节点才会将来自步骤</a:t>
+            </a:r>
+            <a:r>
+              <a:rPr lang="en-US" altLang="zh-CN" sz="1200" b="0" i="0" kern="1200" smtClean="0">
                 <a:solidFill>
                   <a:schemeClr val="tx1"/>
                 </a:solidFill>
@@ -3327,10 +3930,10 @@
                 <a:ea typeface="+mn-ea"/>
                 <a:cs typeface="+mn-cs"/>
               </a:rPr>
-              <a:t>（</a:t>
-            </a:r>
-            <a:r>
-              <a:rPr lang="en-US" altLang="zh-CN" sz="1200" b="0" i="0" kern="1200" smtClean="0">
+              <a:t>2</a:t>
+            </a:r>
+            <a:r>
+              <a:rPr lang="zh-CN" altLang="en-US" sz="1200" b="0" i="0" kern="1200" smtClean="0">
                 <a:solidFill>
                   <a:schemeClr val="tx1"/>
                 </a:solidFill>
@@ -3339,10 +3942,10 @@
                 <a:ea typeface="+mn-ea"/>
                 <a:cs typeface="+mn-cs"/>
               </a:rPr>
-              <a:t>3</a:t>
-            </a:r>
-            <a:r>
-              <a:rPr lang="zh-CN" altLang="en-US" sz="1200" b="0" i="0" kern="1200" smtClean="0">
+              <a:t>：</a:t>
+            </a:r>
+            <a:r>
+              <a:rPr lang="en-US" altLang="zh-CN" sz="1200" b="0" i="0" kern="1200" smtClean="0">
                 <a:solidFill>
                   <a:schemeClr val="tx1"/>
                 </a:solidFill>
@@ -3351,10 +3954,10 @@
                 <a:ea typeface="+mn-ea"/>
                 <a:cs typeface="+mn-cs"/>
               </a:rPr>
-              <a:t>）仅当</a:t>
-            </a:r>
-            <a:r>
-              <a:rPr lang="en-US" altLang="zh-CN" sz="1200" b="0" i="0" kern="1200" smtClean="0">
+              <a:t>Leader</a:t>
+            </a:r>
+            <a:r>
+              <a:rPr lang="zh-CN" altLang="en-US" sz="1200" b="0" i="0" kern="1200" smtClean="0">
                 <a:solidFill>
                   <a:schemeClr val="tx1"/>
                 </a:solidFill>
@@ -3363,10 +3966,10 @@
                 <a:ea typeface="+mn-ea"/>
                 <a:cs typeface="+mn-cs"/>
               </a:rPr>
-              <a:t>Leader</a:t>
-            </a:r>
-            <a:r>
-              <a:rPr lang="zh-CN" altLang="en-US" sz="1200" b="0" i="0" kern="1200" smtClean="0">
+              <a:t>节点中</a:t>
+            </a:r>
+            <a:r>
+              <a:rPr lang="en-US" altLang="zh-CN" sz="1200" b="0" i="0" kern="1200" smtClean="0">
                 <a:solidFill>
                   <a:schemeClr val="tx1"/>
                 </a:solidFill>
@@ -3375,7 +3978,7 @@
                 <a:ea typeface="+mn-ea"/>
                 <a:cs typeface="+mn-cs"/>
               </a:rPr>
-              <a:t>日志提交成功后，</a:t>
+              <a:t>consensus module</a:t>
             </a:r>
             <a:r>
               <a:rPr lang="zh-CN" altLang="en-US" sz="1200" b="0" i="0" kern="1200" smtClean="0">
@@ -3387,139 +3990,7 @@
                 <a:ea typeface="+mn-ea"/>
                 <a:cs typeface="+mn-cs"/>
               </a:rPr>
-              <a:t>其他从节点</a:t>
-            </a:r>
-            <a:r>
-              <a:rPr lang="zh-CN" altLang="en-US" sz="1200" b="0" i="0" kern="1200" smtClean="0">
-                <a:solidFill>
-                  <a:schemeClr val="tx1"/>
-                </a:solidFill>
-                <a:effectLst/>
-                <a:latin typeface="+mn-lt"/>
-                <a:ea typeface="+mn-ea"/>
-                <a:cs typeface="+mn-cs"/>
-              </a:rPr>
-              <a:t>才会将来自步骤</a:t>
-            </a:r>
-            <a:r>
-              <a:rPr lang="en-US" altLang="zh-CN" sz="1200" b="0" i="0" kern="1200" smtClean="0">
-                <a:solidFill>
-                  <a:schemeClr val="tx1"/>
-                </a:solidFill>
-                <a:effectLst/>
-                <a:latin typeface="+mn-lt"/>
-                <a:ea typeface="+mn-ea"/>
-                <a:cs typeface="+mn-cs"/>
-              </a:rPr>
-              <a:t>2</a:t>
-            </a:r>
-            <a:r>
-              <a:rPr lang="zh-CN" altLang="en-US" sz="1200" b="0" i="0" kern="1200" smtClean="0">
-                <a:solidFill>
-                  <a:schemeClr val="tx1"/>
-                </a:solidFill>
-                <a:effectLst/>
-                <a:latin typeface="+mn-lt"/>
-                <a:ea typeface="+mn-ea"/>
-                <a:cs typeface="+mn-cs"/>
-              </a:rPr>
-              <a:t>：</a:t>
-            </a:r>
-            <a:r>
-              <a:rPr lang="en-US" altLang="zh-CN" sz="1200" b="0" i="0" kern="1200" smtClean="0">
-                <a:solidFill>
-                  <a:schemeClr val="tx1"/>
-                </a:solidFill>
-                <a:effectLst/>
-                <a:latin typeface="+mn-lt"/>
-                <a:ea typeface="+mn-ea"/>
-                <a:cs typeface="+mn-cs"/>
-              </a:rPr>
-              <a:t>Leader</a:t>
-            </a:r>
-            <a:r>
-              <a:rPr lang="zh-CN" altLang="en-US" sz="1200" b="0" i="0" kern="1200" smtClean="0">
-                <a:solidFill>
-                  <a:schemeClr val="tx1"/>
-                </a:solidFill>
-                <a:effectLst/>
-                <a:latin typeface="+mn-lt"/>
-                <a:ea typeface="+mn-ea"/>
-                <a:cs typeface="+mn-cs"/>
-              </a:rPr>
-              <a:t>节点中</a:t>
-            </a:r>
-            <a:r>
-              <a:rPr lang="en-US" altLang="zh-CN" sz="1200" b="0" i="0" kern="1200" smtClean="0">
-                <a:solidFill>
-                  <a:schemeClr val="tx1"/>
-                </a:solidFill>
-                <a:effectLst/>
-                <a:latin typeface="+mn-lt"/>
-                <a:ea typeface="+mn-ea"/>
-                <a:cs typeface="+mn-cs"/>
-              </a:rPr>
-              <a:t>consensus module</a:t>
-            </a:r>
-            <a:r>
-              <a:rPr lang="zh-CN" altLang="en-US" sz="1200" b="0" i="0" kern="1200" smtClean="0">
-                <a:solidFill>
-                  <a:schemeClr val="tx1"/>
-                </a:solidFill>
-                <a:effectLst/>
-                <a:latin typeface="+mn-lt"/>
-                <a:ea typeface="+mn-ea"/>
-                <a:cs typeface="+mn-cs"/>
-              </a:rPr>
-              <a:t>发送的日志数据，应用到</a:t>
-            </a:r>
-            <a:r>
-              <a:rPr lang="zh-CN" altLang="en-US" sz="1200" b="0" i="0" kern="1200" smtClean="0">
-                <a:solidFill>
-                  <a:schemeClr val="tx1"/>
-                </a:solidFill>
-                <a:effectLst/>
-                <a:latin typeface="+mn-lt"/>
-                <a:ea typeface="+mn-ea"/>
-                <a:cs typeface="+mn-cs"/>
-              </a:rPr>
-              <a:t>该从节点</a:t>
-            </a:r>
-            <a:r>
-              <a:rPr lang="zh-CN" altLang="en-US" sz="1200" b="0" i="0" kern="1200" smtClean="0">
-                <a:solidFill>
-                  <a:schemeClr val="tx1"/>
-                </a:solidFill>
-                <a:effectLst/>
-                <a:latin typeface="+mn-lt"/>
-                <a:ea typeface="+mn-ea"/>
-                <a:cs typeface="+mn-cs"/>
-              </a:rPr>
-              <a:t>的状态机中，然后进行数据写入操作。（从而保证</a:t>
-            </a:r>
-            <a:r>
-              <a:rPr lang="zh-CN" altLang="en-US" sz="1200" b="0" i="0" kern="1200" smtClean="0">
-                <a:solidFill>
-                  <a:schemeClr val="tx1"/>
-                </a:solidFill>
-                <a:effectLst/>
-                <a:latin typeface="+mn-lt"/>
-                <a:ea typeface="+mn-ea"/>
-                <a:cs typeface="+mn-cs"/>
-              </a:rPr>
-              <a:t>所有从节点</a:t>
-            </a:r>
-            <a:r>
-              <a:rPr lang="zh-CN" altLang="en-US" sz="1200" b="0" i="0" kern="1200" smtClean="0">
-                <a:solidFill>
-                  <a:schemeClr val="tx1"/>
-                </a:solidFill>
-                <a:effectLst/>
-                <a:latin typeface="+mn-lt"/>
-                <a:ea typeface="+mn-ea"/>
-                <a:cs typeface="+mn-cs"/>
-              </a:rPr>
-              <a:t>的数据一致性）</a:t>
+              <a:t>发送的日志数据，应用到该从节点的状态机中，然后进行数据写入操作。（从而保证所有从节点的数据一致性）</a:t>
             </a:r>
           </a:p>
           <a:p>
@@ -3675,19 +4146,7 @@
                 <a:ea typeface="+mn-ea"/>
                 <a:cs typeface="+mn-cs"/>
               </a:rPr>
-              <a:t>执行失败</a:t>
-            </a:r>
-            <a:r>
-              <a:rPr lang="zh-CN" altLang="en-US" sz="1200" b="0" i="0" kern="1200" smtClean="0">
-                <a:solidFill>
-                  <a:schemeClr val="tx1"/>
-                </a:solidFill>
-                <a:effectLst/>
-                <a:latin typeface="+mn-lt"/>
-                <a:ea typeface="+mn-ea"/>
-                <a:cs typeface="+mn-cs"/>
-              </a:rPr>
-              <a:t>），具体的处理流程为：</a:t>
+              <a:t>执行失败），具体的处理流程为：</a:t>
             </a:r>
             <a:endParaRPr lang="en-US" altLang="zh-CN" sz="1200" b="0" i="0" kern="1200" smtClean="0">
               <a:solidFill>
@@ -5015,10 +5474,10 @@
                 <a:ea typeface="+mn-ea"/>
                 <a:cs typeface="+mn-cs"/>
               </a:rPr>
-              <a:t>）</a:t>
-            </a:r>
-            <a:r>
-              <a:rPr lang="zh-CN" altLang="en-US" sz="1200" b="0" i="0" kern="1200" smtClean="0">
+              <a:t>）当从节点没有接收到</a:t>
+            </a:r>
+            <a:r>
+              <a:rPr lang="en-US" altLang="zh-CN" sz="1200" b="0" i="0" kern="1200" smtClean="0">
                 <a:solidFill>
                   <a:schemeClr val="tx1"/>
                 </a:solidFill>
@@ -5027,7 +5486,7 @@
                 <a:ea typeface="+mn-ea"/>
                 <a:cs typeface="+mn-cs"/>
               </a:rPr>
-              <a:t>当从节点</a:t>
+              <a:t>Leader</a:t>
             </a:r>
             <a:r>
               <a:rPr lang="zh-CN" altLang="en-US" sz="1200" b="0" i="0" kern="1200" smtClean="0">
@@ -5039,7 +5498,7 @@
                 <a:ea typeface="+mn-ea"/>
                 <a:cs typeface="+mn-cs"/>
               </a:rPr>
-              <a:t>没有接收到</a:t>
+              <a:t>节点的心跳时，会导致从节点心跳超时，超时的从节点转为候选人。然后集群开始进入</a:t>
             </a:r>
             <a:r>
               <a:rPr lang="en-US" altLang="zh-CN" sz="1200" b="0" i="0" kern="1200" smtClean="0">
@@ -5063,8 +5522,10 @@
                 <a:ea typeface="+mn-ea"/>
                 <a:cs typeface="+mn-cs"/>
               </a:rPr>
-              <a:t>节点的心跳时，会</a:t>
-            </a:r>
+              <a:t>选举流程。</a:t>
+            </a:r>
+          </a:p>
+          <a:p>
             <a:r>
               <a:rPr lang="zh-CN" altLang="en-US" sz="1200" b="0" i="0" kern="1200" smtClean="0">
                 <a:solidFill>
@@ -5075,10 +5536,10 @@
                 <a:ea typeface="+mn-ea"/>
                 <a:cs typeface="+mn-cs"/>
               </a:rPr>
-              <a:t>导致从节点</a:t>
-            </a:r>
-            <a:r>
-              <a:rPr lang="zh-CN" altLang="en-US" sz="1200" b="0" i="0" kern="1200" smtClean="0">
+              <a:t>（</a:t>
+            </a:r>
+            <a:r>
+              <a:rPr lang="en-US" altLang="zh-CN" sz="1200" b="0" i="0" kern="1200" smtClean="0">
                 <a:solidFill>
                   <a:schemeClr val="tx1"/>
                 </a:solidFill>
@@ -5087,7 +5548,7 @@
                 <a:ea typeface="+mn-ea"/>
                 <a:cs typeface="+mn-cs"/>
               </a:rPr>
-              <a:t>心跳</a:t>
+              <a:t>3</a:t>
             </a:r>
             <a:r>
               <a:rPr lang="zh-CN" altLang="en-US" sz="1200" b="0" i="0" kern="1200" smtClean="0">
@@ -5099,10 +5560,10 @@
                 <a:ea typeface="+mn-ea"/>
                 <a:cs typeface="+mn-cs"/>
               </a:rPr>
-              <a:t>超时，超时的从节点转为候选人。</a:t>
-            </a:r>
-            <a:r>
-              <a:rPr lang="zh-CN" altLang="en-US" sz="1200" b="0" i="0" kern="1200" smtClean="0">
+              <a:t>）若，存在多个候选人，此时的投票结果可能会出现所有候选人得到的选票数量一致，就需要进入新一轮的选举，重新开始投票以选取</a:t>
+            </a:r>
+            <a:r>
+              <a:rPr lang="en-US" altLang="zh-CN" sz="1200" b="0" i="0" kern="1200" smtClean="0">
                 <a:solidFill>
                   <a:schemeClr val="tx1"/>
                 </a:solidFill>
@@ -5111,10 +5572,10 @@
                 <a:ea typeface="+mn-ea"/>
                 <a:cs typeface="+mn-cs"/>
               </a:rPr>
-              <a:t>然后集群开始进入</a:t>
-            </a:r>
-            <a:r>
-              <a:rPr lang="en-US" altLang="zh-CN" sz="1200" b="0" i="0" kern="1200" smtClean="0">
+              <a:t>Leader</a:t>
+            </a:r>
+            <a:r>
+              <a:rPr lang="zh-CN" altLang="en-US" sz="1200" b="0" i="0" kern="1200" smtClean="0">
                 <a:solidFill>
                   <a:schemeClr val="tx1"/>
                 </a:solidFill>
@@ -5123,10 +5584,10 @@
                 <a:ea typeface="+mn-ea"/>
                 <a:cs typeface="+mn-cs"/>
               </a:rPr>
-              <a:t>Leader</a:t>
-            </a:r>
-            <a:r>
-              <a:rPr lang="zh-CN" altLang="en-US" sz="1200" b="0" i="0" kern="1200" smtClean="0">
+              <a:t>节点。（这就是为什么</a:t>
+            </a:r>
+            <a:r>
+              <a:rPr lang="en-US" altLang="zh-CN" sz="1200" b="0" i="0" kern="1200" smtClean="0">
                 <a:solidFill>
                   <a:schemeClr val="tx1"/>
                 </a:solidFill>
@@ -5135,10 +5596,8 @@
                 <a:ea typeface="+mn-ea"/>
                 <a:cs typeface="+mn-cs"/>
               </a:rPr>
-              <a:t>选举流程。</a:t>
-            </a:r>
-          </a:p>
-          <a:p>
+              <a:t>ETCD</a:t>
+            </a:r>
             <a:r>
               <a:rPr lang="zh-CN" altLang="en-US" sz="1200" b="0" i="0" kern="1200" smtClean="0">
                 <a:solidFill>
@@ -5149,10 +5608,12 @@
                 <a:ea typeface="+mn-ea"/>
                 <a:cs typeface="+mn-cs"/>
               </a:rPr>
-              <a:t>（</a:t>
-            </a:r>
-            <a:r>
-              <a:rPr lang="en-US" altLang="zh-CN" sz="1200" b="0" i="0" kern="1200" smtClean="0">
+              <a:t>集群的节点数量必须为奇数，若为偶数，则会增加选票瓜分情况出现的概率）</a:t>
+            </a:r>
+          </a:p>
+          <a:p>
+            <a:r>
+              <a:rPr lang="zh-CN" altLang="en-US" sz="1200" b="0" i="0" kern="1200" smtClean="0">
                 <a:solidFill>
                   <a:schemeClr val="tx1"/>
                 </a:solidFill>
@@ -5161,10 +5622,10 @@
                 <a:ea typeface="+mn-ea"/>
                 <a:cs typeface="+mn-cs"/>
               </a:rPr>
-              <a:t>3</a:t>
-            </a:r>
-            <a:r>
-              <a:rPr lang="zh-CN" altLang="en-US" sz="1200" b="0" i="0" kern="1200" smtClean="0">
+              <a:t>（</a:t>
+            </a:r>
+            <a:r>
+              <a:rPr lang="en-US" altLang="zh-CN" sz="1200" b="0" i="0" kern="1200" smtClean="0">
                 <a:solidFill>
                   <a:schemeClr val="tx1"/>
                 </a:solidFill>
@@ -5173,7 +5634,7 @@
                 <a:ea typeface="+mn-ea"/>
                 <a:cs typeface="+mn-cs"/>
               </a:rPr>
-              <a:t>）若，存在多</a:t>
+              <a:t>4</a:t>
             </a:r>
             <a:r>
               <a:rPr lang="zh-CN" altLang="en-US" sz="1200" b="0" i="0" kern="1200" smtClean="0">
@@ -5185,10 +5646,10 @@
                 <a:ea typeface="+mn-ea"/>
                 <a:cs typeface="+mn-cs"/>
               </a:rPr>
-              <a:t>个候选人，此时的投票结果可能</a:t>
-            </a:r>
-            <a:r>
-              <a:rPr lang="zh-CN" altLang="en-US" sz="1200" b="0" i="0" kern="1200" smtClean="0">
+              <a:t>）若，某个候选人在选举过程中，处于循环等待从节点的投票结果，此时已经有一个候选人得票超过</a:t>
+            </a:r>
+            <a:r>
+              <a:rPr lang="en-US" altLang="zh-CN" sz="1200" b="0" i="0" kern="1200" smtClean="0">
                 <a:solidFill>
                   <a:schemeClr val="tx1"/>
                 </a:solidFill>
@@ -5197,7 +5658,7 @@
                 <a:ea typeface="+mn-ea"/>
                 <a:cs typeface="+mn-cs"/>
               </a:rPr>
-              <a:t>会出现</a:t>
+              <a:t>50%</a:t>
             </a:r>
             <a:r>
               <a:rPr lang="zh-CN" altLang="en-US" sz="1200" b="0" i="0" kern="1200" smtClean="0">
@@ -5209,10 +5670,10 @@
                 <a:ea typeface="+mn-ea"/>
                 <a:cs typeface="+mn-cs"/>
               </a:rPr>
-              <a:t>所有候选人得到</a:t>
-            </a:r>
-            <a:r>
-              <a:rPr lang="zh-CN" altLang="en-US" sz="1200" b="0" i="0" kern="1200" smtClean="0">
+              <a:t>，并当选为</a:t>
+            </a:r>
+            <a:r>
+              <a:rPr lang="en-US" altLang="zh-CN" sz="1200" b="0" i="0" kern="1200" smtClean="0">
                 <a:solidFill>
                   <a:schemeClr val="tx1"/>
                 </a:solidFill>
@@ -5221,7 +5682,7 @@
                 <a:ea typeface="+mn-ea"/>
                 <a:cs typeface="+mn-cs"/>
               </a:rPr>
-              <a:t>的选票数量一致</a:t>
+              <a:t>Leader</a:t>
             </a:r>
             <a:r>
               <a:rPr lang="zh-CN" altLang="en-US" sz="1200" b="0" i="0" kern="1200" smtClean="0">
@@ -5233,8 +5694,10 @@
                 <a:ea typeface="+mn-ea"/>
                 <a:cs typeface="+mn-cs"/>
               </a:rPr>
-              <a:t>，就需要进入新一轮的选举，重新</a:t>
-            </a:r>
+              <a:t>节点。则剩余的候选人自动变为从节点。</a:t>
+            </a:r>
+          </a:p>
+          <a:p>
             <a:r>
               <a:rPr lang="zh-CN" altLang="en-US" sz="1200" b="0" i="0" kern="1200" smtClean="0">
                 <a:solidFill>
@@ -5245,7 +5708,7 @@
                 <a:ea typeface="+mn-ea"/>
                 <a:cs typeface="+mn-cs"/>
               </a:rPr>
-              <a:t>开始投票以选取</a:t>
+              <a:t>（</a:t>
             </a:r>
             <a:r>
               <a:rPr lang="en-US" altLang="zh-CN" sz="1200" b="0" i="0" kern="1200" smtClean="0">
@@ -5257,7 +5720,7 @@
                 <a:ea typeface="+mn-ea"/>
                 <a:cs typeface="+mn-cs"/>
               </a:rPr>
-              <a:t>Leader</a:t>
+              <a:t>5</a:t>
             </a:r>
             <a:r>
               <a:rPr lang="zh-CN" altLang="en-US" sz="1200" b="0" i="0" kern="1200" smtClean="0">
@@ -5269,7 +5732,7 @@
                 <a:ea typeface="+mn-ea"/>
                 <a:cs typeface="+mn-cs"/>
               </a:rPr>
-              <a:t>节点。（这就是为什么</a:t>
+              <a:t>）若，某个候选人已经成为</a:t>
             </a:r>
             <a:r>
               <a:rPr lang="en-US" altLang="zh-CN" sz="1200" b="0" i="0" kern="1200" smtClean="0">
@@ -5281,7 +5744,7 @@
                 <a:ea typeface="+mn-ea"/>
                 <a:cs typeface="+mn-cs"/>
               </a:rPr>
-              <a:t>ETCD</a:t>
+              <a:t>Leader</a:t>
             </a:r>
             <a:r>
               <a:rPr lang="zh-CN" altLang="en-US" sz="1200" b="0" i="0" kern="1200" smtClean="0">
@@ -5293,12 +5756,10 @@
                 <a:ea typeface="+mn-ea"/>
                 <a:cs typeface="+mn-cs"/>
               </a:rPr>
-              <a:t>集群的节点数量必须为奇数，若为偶数，则会增加选票瓜分情况出现的概率）</a:t>
-            </a:r>
-          </a:p>
-          <a:p>
-            <a:r>
-              <a:rPr lang="zh-CN" altLang="en-US" sz="1200" b="0" i="0" kern="1200" smtClean="0">
+              <a:t>节点，但该节点宕机，退出集群。此时，</a:t>
+            </a:r>
+            <a:r>
+              <a:rPr lang="en-US" altLang="zh-CN" sz="1200" b="0" i="0" kern="1200" smtClean="0">
                 <a:solidFill>
                   <a:schemeClr val="tx1"/>
                 </a:solidFill>
@@ -5307,10 +5768,10 @@
                 <a:ea typeface="+mn-ea"/>
                 <a:cs typeface="+mn-cs"/>
               </a:rPr>
-              <a:t>（</a:t>
-            </a:r>
-            <a:r>
-              <a:rPr lang="en-US" altLang="zh-CN" sz="1200" b="0" i="0" kern="1200" smtClean="0">
+              <a:t>ETCD</a:t>
+            </a:r>
+            <a:r>
+              <a:rPr lang="zh-CN" altLang="en-US" sz="1200" b="0" i="0" kern="1200" smtClean="0">
                 <a:solidFill>
                   <a:schemeClr val="tx1"/>
                 </a:solidFill>
@@ -5319,10 +5780,10 @@
                 <a:ea typeface="+mn-ea"/>
                 <a:cs typeface="+mn-cs"/>
               </a:rPr>
-              <a:t>4</a:t>
-            </a:r>
-            <a:r>
-              <a:rPr lang="zh-CN" altLang="en-US" sz="1200" b="0" i="0" kern="1200" smtClean="0">
+              <a:t>集群需要从剩余的节点中选出新的</a:t>
+            </a:r>
+            <a:r>
+              <a:rPr lang="en-US" altLang="zh-CN" sz="1200" b="0" i="0" kern="1200" smtClean="0">
                 <a:solidFill>
                   <a:schemeClr val="tx1"/>
                 </a:solidFill>
@@ -5331,7 +5792,7 @@
                 <a:ea typeface="+mn-ea"/>
                 <a:cs typeface="+mn-cs"/>
               </a:rPr>
-              <a:t>）若，</a:t>
+              <a:t>Leader</a:t>
             </a:r>
             <a:r>
               <a:rPr lang="zh-CN" altLang="en-US" sz="1200" b="0" i="0" kern="1200" smtClean="0">
@@ -5343,10 +5804,10 @@
                 <a:ea typeface="+mn-ea"/>
                 <a:cs typeface="+mn-cs"/>
               </a:rPr>
-              <a:t>某个候选人在</a:t>
-            </a:r>
-            <a:r>
-              <a:rPr lang="zh-CN" altLang="en-US" sz="1200" b="0" i="0" kern="1200" smtClean="0">
+              <a:t>节点。若此时旧的</a:t>
+            </a:r>
+            <a:r>
+              <a:rPr lang="en-US" altLang="zh-CN" sz="1200" b="0" i="0" kern="1200" smtClean="0">
                 <a:solidFill>
                   <a:schemeClr val="tx1"/>
                 </a:solidFill>
@@ -5355,7 +5816,7 @@
                 <a:ea typeface="+mn-ea"/>
                 <a:cs typeface="+mn-cs"/>
               </a:rPr>
-              <a:t>选举过程中</a:t>
+              <a:t>Leader</a:t>
             </a:r>
             <a:r>
               <a:rPr lang="zh-CN" altLang="en-US" sz="1200" b="0" i="0" kern="1200" smtClean="0">
@@ -5367,10 +5828,10 @@
                 <a:ea typeface="+mn-ea"/>
                 <a:cs typeface="+mn-cs"/>
               </a:rPr>
-              <a:t>，处于循环等待从节点的投票结果，</a:t>
-            </a:r>
-            <a:r>
-              <a:rPr lang="zh-CN" altLang="en-US" sz="1200" b="0" i="0" kern="1200" smtClean="0">
+              <a:t>恢复，并加入集群，则这个旧的</a:t>
+            </a:r>
+            <a:r>
+              <a:rPr lang="en-US" altLang="zh-CN" sz="1200" b="0" i="0" kern="1200" smtClean="0">
                 <a:solidFill>
                   <a:schemeClr val="tx1"/>
                 </a:solidFill>
@@ -5379,7 +5840,7 @@
                 <a:ea typeface="+mn-ea"/>
                 <a:cs typeface="+mn-cs"/>
               </a:rPr>
-              <a:t>此时已经有一</a:t>
+              <a:t>Leader</a:t>
             </a:r>
             <a:r>
               <a:rPr lang="zh-CN" altLang="en-US" sz="1200" b="0" i="0" kern="1200" smtClean="0">
@@ -5391,318 +5852,7 @@
                 <a:ea typeface="+mn-ea"/>
                 <a:cs typeface="+mn-cs"/>
               </a:rPr>
-              <a:t>个候选人得</a:t>
-            </a:r>
-            <a:r>
-              <a:rPr lang="zh-CN" altLang="en-US" sz="1200" b="0" i="0" kern="1200" smtClean="0">
-                <a:solidFill>
-                  <a:schemeClr val="tx1"/>
-                </a:solidFill>
-                <a:effectLst/>
-                <a:latin typeface="+mn-lt"/>
-                <a:ea typeface="+mn-ea"/>
-                <a:cs typeface="+mn-cs"/>
-              </a:rPr>
-              <a:t>票超过</a:t>
-            </a:r>
-            <a:r>
-              <a:rPr lang="en-US" altLang="zh-CN" sz="1200" b="0" i="0" kern="1200" smtClean="0">
-                <a:solidFill>
-                  <a:schemeClr val="tx1"/>
-                </a:solidFill>
-                <a:effectLst/>
-                <a:latin typeface="+mn-lt"/>
-                <a:ea typeface="+mn-ea"/>
-                <a:cs typeface="+mn-cs"/>
-              </a:rPr>
-              <a:t>50%</a:t>
-            </a:r>
-            <a:r>
-              <a:rPr lang="zh-CN" altLang="en-US" sz="1200" b="0" i="0" kern="1200" smtClean="0">
-                <a:solidFill>
-                  <a:schemeClr val="tx1"/>
-                </a:solidFill>
-                <a:effectLst/>
-                <a:latin typeface="+mn-lt"/>
-                <a:ea typeface="+mn-ea"/>
-                <a:cs typeface="+mn-cs"/>
-              </a:rPr>
-              <a:t>，并当选为</a:t>
-            </a:r>
-            <a:r>
-              <a:rPr lang="en-US" altLang="zh-CN" sz="1200" b="0" i="0" kern="1200" smtClean="0">
-                <a:solidFill>
-                  <a:schemeClr val="tx1"/>
-                </a:solidFill>
-                <a:effectLst/>
-                <a:latin typeface="+mn-lt"/>
-                <a:ea typeface="+mn-ea"/>
-                <a:cs typeface="+mn-cs"/>
-              </a:rPr>
-              <a:t>Leader</a:t>
-            </a:r>
-            <a:r>
-              <a:rPr lang="zh-CN" altLang="en-US" sz="1200" b="0" i="0" kern="1200" smtClean="0">
-                <a:solidFill>
-                  <a:schemeClr val="tx1"/>
-                </a:solidFill>
-                <a:effectLst/>
-                <a:latin typeface="+mn-lt"/>
-                <a:ea typeface="+mn-ea"/>
-                <a:cs typeface="+mn-cs"/>
-              </a:rPr>
-              <a:t>节点。则剩余</a:t>
-            </a:r>
-            <a:r>
-              <a:rPr lang="zh-CN" altLang="en-US" sz="1200" b="0" i="0" kern="1200" smtClean="0">
-                <a:solidFill>
-                  <a:schemeClr val="tx1"/>
-                </a:solidFill>
-                <a:effectLst/>
-                <a:latin typeface="+mn-lt"/>
-                <a:ea typeface="+mn-ea"/>
-                <a:cs typeface="+mn-cs"/>
-              </a:rPr>
-              <a:t>的候选人自动变为从节点。</a:t>
-            </a:r>
-            <a:endParaRPr lang="zh-CN" altLang="en-US" sz="1200" b="0" i="0" kern="1200" smtClean="0">
-              <a:solidFill>
-                <a:schemeClr val="tx1"/>
-              </a:solidFill>
-              <a:effectLst/>
-              <a:latin typeface="+mn-lt"/>
-              <a:ea typeface="+mn-ea"/>
-              <a:cs typeface="+mn-cs"/>
-            </a:endParaRPr>
-          </a:p>
-          <a:p>
-            <a:r>
-              <a:rPr lang="zh-CN" altLang="en-US" sz="1200" b="0" i="0" kern="1200" smtClean="0">
-                <a:solidFill>
-                  <a:schemeClr val="tx1"/>
-                </a:solidFill>
-                <a:effectLst/>
-                <a:latin typeface="+mn-lt"/>
-                <a:ea typeface="+mn-ea"/>
-                <a:cs typeface="+mn-cs"/>
-              </a:rPr>
-              <a:t>（</a:t>
-            </a:r>
-            <a:r>
-              <a:rPr lang="en-US" altLang="zh-CN" sz="1200" b="0" i="0" kern="1200" smtClean="0">
-                <a:solidFill>
-                  <a:schemeClr val="tx1"/>
-                </a:solidFill>
-                <a:effectLst/>
-                <a:latin typeface="+mn-lt"/>
-                <a:ea typeface="+mn-ea"/>
-                <a:cs typeface="+mn-cs"/>
-              </a:rPr>
-              <a:t>5</a:t>
-            </a:r>
-            <a:r>
-              <a:rPr lang="zh-CN" altLang="en-US" sz="1200" b="0" i="0" kern="1200" smtClean="0">
-                <a:solidFill>
-                  <a:schemeClr val="tx1"/>
-                </a:solidFill>
-                <a:effectLst/>
-                <a:latin typeface="+mn-lt"/>
-                <a:ea typeface="+mn-ea"/>
-                <a:cs typeface="+mn-cs"/>
-              </a:rPr>
-              <a:t>）若</a:t>
-            </a:r>
-            <a:r>
-              <a:rPr lang="zh-CN" altLang="en-US" sz="1200" b="0" i="0" kern="1200" smtClean="0">
-                <a:solidFill>
-                  <a:schemeClr val="tx1"/>
-                </a:solidFill>
-                <a:effectLst/>
-                <a:latin typeface="+mn-lt"/>
-                <a:ea typeface="+mn-ea"/>
-                <a:cs typeface="+mn-cs"/>
-              </a:rPr>
-              <a:t>，</a:t>
-            </a:r>
-            <a:r>
-              <a:rPr lang="zh-CN" altLang="en-US" sz="1200" b="0" i="0" kern="1200" smtClean="0">
-                <a:solidFill>
-                  <a:schemeClr val="tx1"/>
-                </a:solidFill>
-                <a:effectLst/>
-                <a:latin typeface="+mn-lt"/>
-                <a:ea typeface="+mn-ea"/>
-                <a:cs typeface="+mn-cs"/>
-              </a:rPr>
-              <a:t>某个候选人已经</a:t>
-            </a:r>
-            <a:r>
-              <a:rPr lang="zh-CN" altLang="en-US" sz="1200" b="0" i="0" kern="1200" smtClean="0">
-                <a:solidFill>
-                  <a:schemeClr val="tx1"/>
-                </a:solidFill>
-                <a:effectLst/>
-                <a:latin typeface="+mn-lt"/>
-                <a:ea typeface="+mn-ea"/>
-                <a:cs typeface="+mn-cs"/>
-              </a:rPr>
-              <a:t>成为</a:t>
-            </a:r>
-            <a:r>
-              <a:rPr lang="en-US" altLang="zh-CN" sz="1200" b="0" i="0" kern="1200" smtClean="0">
-                <a:solidFill>
-                  <a:schemeClr val="tx1"/>
-                </a:solidFill>
-                <a:effectLst/>
-                <a:latin typeface="+mn-lt"/>
-                <a:ea typeface="+mn-ea"/>
-                <a:cs typeface="+mn-cs"/>
-              </a:rPr>
-              <a:t>Leader</a:t>
-            </a:r>
-            <a:r>
-              <a:rPr lang="zh-CN" altLang="en-US" sz="1200" b="0" i="0" kern="1200" smtClean="0">
-                <a:solidFill>
-                  <a:schemeClr val="tx1"/>
-                </a:solidFill>
-                <a:effectLst/>
-                <a:latin typeface="+mn-lt"/>
-                <a:ea typeface="+mn-ea"/>
-                <a:cs typeface="+mn-cs"/>
-              </a:rPr>
-              <a:t>节点，但该节点宕机，退出集群。此时，</a:t>
-            </a:r>
-            <a:r>
-              <a:rPr lang="en-US" altLang="zh-CN" sz="1200" b="0" i="0" kern="1200" smtClean="0">
-                <a:solidFill>
-                  <a:schemeClr val="tx1"/>
-                </a:solidFill>
-                <a:effectLst/>
-                <a:latin typeface="+mn-lt"/>
-                <a:ea typeface="+mn-ea"/>
-                <a:cs typeface="+mn-cs"/>
-              </a:rPr>
-              <a:t>ETCD</a:t>
-            </a:r>
-            <a:r>
-              <a:rPr lang="zh-CN" altLang="en-US" sz="1200" b="0" i="0" kern="1200" smtClean="0">
-                <a:solidFill>
-                  <a:schemeClr val="tx1"/>
-                </a:solidFill>
-                <a:effectLst/>
-                <a:latin typeface="+mn-lt"/>
-                <a:ea typeface="+mn-ea"/>
-                <a:cs typeface="+mn-cs"/>
-              </a:rPr>
-              <a:t>集群需要从剩余的节点中</a:t>
-            </a:r>
-            <a:r>
-              <a:rPr lang="zh-CN" altLang="en-US" sz="1200" b="0" i="0" kern="1200" smtClean="0">
-                <a:solidFill>
-                  <a:schemeClr val="tx1"/>
-                </a:solidFill>
-                <a:effectLst/>
-                <a:latin typeface="+mn-lt"/>
-                <a:ea typeface="+mn-ea"/>
-                <a:cs typeface="+mn-cs"/>
-              </a:rPr>
-              <a:t>选出新的</a:t>
-            </a:r>
-            <a:r>
-              <a:rPr lang="en-US" altLang="zh-CN" sz="1200" b="0" i="0" kern="1200" smtClean="0">
-                <a:solidFill>
-                  <a:schemeClr val="tx1"/>
-                </a:solidFill>
-                <a:effectLst/>
-                <a:latin typeface="+mn-lt"/>
-                <a:ea typeface="+mn-ea"/>
-                <a:cs typeface="+mn-cs"/>
-              </a:rPr>
-              <a:t>Leader</a:t>
-            </a:r>
-            <a:r>
-              <a:rPr lang="zh-CN" altLang="en-US" sz="1200" b="0" i="0" kern="1200" smtClean="0">
-                <a:solidFill>
-                  <a:schemeClr val="tx1"/>
-                </a:solidFill>
-                <a:effectLst/>
-                <a:latin typeface="+mn-lt"/>
-                <a:ea typeface="+mn-ea"/>
-                <a:cs typeface="+mn-cs"/>
-              </a:rPr>
-              <a:t>节点。若此时旧</a:t>
-            </a:r>
-            <a:r>
-              <a:rPr lang="zh-CN" altLang="en-US" sz="1200" b="0" i="0" kern="1200" smtClean="0">
-                <a:solidFill>
-                  <a:schemeClr val="tx1"/>
-                </a:solidFill>
-                <a:effectLst/>
-                <a:latin typeface="+mn-lt"/>
-                <a:ea typeface="+mn-ea"/>
-                <a:cs typeface="+mn-cs"/>
-              </a:rPr>
-              <a:t>的</a:t>
-            </a:r>
-            <a:r>
-              <a:rPr lang="en-US" altLang="zh-CN" sz="1200" b="0" i="0" kern="1200" smtClean="0">
-                <a:solidFill>
-                  <a:schemeClr val="tx1"/>
-                </a:solidFill>
-                <a:effectLst/>
-                <a:latin typeface="+mn-lt"/>
-                <a:ea typeface="+mn-ea"/>
-                <a:cs typeface="+mn-cs"/>
-              </a:rPr>
-              <a:t>Leader</a:t>
-            </a:r>
-            <a:r>
-              <a:rPr lang="zh-CN" altLang="en-US" sz="1200" b="0" i="0" kern="1200" smtClean="0">
-                <a:solidFill>
-                  <a:schemeClr val="tx1"/>
-                </a:solidFill>
-                <a:effectLst/>
-                <a:latin typeface="+mn-lt"/>
-                <a:ea typeface="+mn-ea"/>
-                <a:cs typeface="+mn-cs"/>
-              </a:rPr>
-              <a:t>恢复，并加入集群，则这个旧的</a:t>
-            </a:r>
-            <a:r>
-              <a:rPr lang="en-US" altLang="zh-CN" sz="1200" b="0" i="0" kern="1200" smtClean="0">
-                <a:solidFill>
-                  <a:schemeClr val="tx1"/>
-                </a:solidFill>
-                <a:effectLst/>
-                <a:latin typeface="+mn-lt"/>
-                <a:ea typeface="+mn-ea"/>
-                <a:cs typeface="+mn-cs"/>
-              </a:rPr>
-              <a:t>Leader</a:t>
-            </a:r>
-            <a:r>
-              <a:rPr lang="zh-CN" altLang="en-US" sz="1200" b="0" i="0" kern="1200" smtClean="0">
-                <a:solidFill>
-                  <a:schemeClr val="tx1"/>
-                </a:solidFill>
-                <a:effectLst/>
-                <a:latin typeface="+mn-lt"/>
-                <a:ea typeface="+mn-ea"/>
-                <a:cs typeface="+mn-cs"/>
-              </a:rPr>
-              <a:t>节点自动</a:t>
-            </a:r>
-            <a:r>
-              <a:rPr lang="zh-CN" altLang="en-US" sz="1200" b="0" i="0" kern="1200" smtClean="0">
-                <a:solidFill>
-                  <a:schemeClr val="tx1"/>
-                </a:solidFill>
-                <a:effectLst/>
-                <a:latin typeface="+mn-lt"/>
-                <a:ea typeface="+mn-ea"/>
-                <a:cs typeface="+mn-cs"/>
-              </a:rPr>
-              <a:t>转为</a:t>
+              <a:t>节点自动转为</a:t>
             </a:r>
             <a:r>
               <a:rPr lang="en-US" altLang="zh-CN" sz="1200" b="0" i="0" kern="1200" smtClean="0">
@@ -5901,19 +6051,19 @@
             <a:spLocks noGrp="1" noRot="1" noChangeAspect="1"/>
           </p:cNvSpPr>
           <p:nvPr>
-            <p:ph type="sldImg" idx="2"/>
+            <p:ph type="sldImg"/>
           </p:nvPr>
         </p:nvSpPr>
         <p:spPr/>
       </p:sp>
       <p:sp>
         <p:nvSpPr>
-          <p:cNvPr id="3" name="文本占位符 2"/>
+          <p:cNvPr id="3" name="备注占位符 2"/>
           <p:cNvSpPr>
             <a:spLocks noGrp="1"/>
           </p:cNvSpPr>
           <p:nvPr>
-            <p:ph type="body" idx="3"/>
+            <p:ph type="body" idx="1"/>
           </p:nvPr>
         </p:nvSpPr>
         <p:spPr/>
@@ -5922,52 +6072,50 @@
           <a:lstStyle/>
           <a:p>
             <a:r>
-              <a:rPr lang="zh-CN" altLang="en-US"/>
-              <a:t>（</a:t>
-            </a:r>
-            <a:r>
-              <a:rPr lang="en-US" altLang="zh-CN"/>
-              <a:t>1</a:t>
-            </a:r>
-            <a:r>
-              <a:rPr lang="zh-CN" altLang="en-US"/>
-              <a:t>）查看预写日志文件持续写入的时间，第</a:t>
-            </a:r>
-            <a:r>
-              <a:rPr lang="en-US" altLang="zh-CN"/>
-              <a:t>99</a:t>
-            </a:r>
-            <a:r>
-              <a:rPr lang="zh-CN" altLang="en-US"/>
-              <a:t>个百分数应小于</a:t>
-            </a:r>
-            <a:r>
-              <a:rPr lang="en-US" altLang="zh-CN"/>
-              <a:t>10ms</a:t>
-            </a:r>
-          </a:p>
-          <a:p>
-            <a:r>
-              <a:rPr lang="zh-CN" altLang="en-US"/>
-              <a:t>（</a:t>
-            </a:r>
-            <a:r>
-              <a:rPr lang="en-US" altLang="zh-CN"/>
-              <a:t>2</a:t>
-            </a:r>
-            <a:r>
-              <a:rPr lang="zh-CN" altLang="en-US"/>
-              <a:t>）查看磁盘带宽应大于</a:t>
-            </a:r>
-            <a:r>
-              <a:rPr lang="en-US" altLang="zh-CN"/>
-              <a:t>50MB/s</a:t>
-            </a:r>
+              <a:rPr lang="zh-CN" altLang="en-US" smtClean="0"/>
+              <a:t>参照官方提供的</a:t>
+            </a:r>
+            <a:r>
+              <a:rPr lang="en-US" altLang="zh-CN" smtClean="0"/>
+              <a:t>ETCD</a:t>
+            </a:r>
+            <a:r>
+              <a:rPr lang="zh-CN" altLang="en-US" smtClean="0"/>
+              <a:t>部署主机的硬件配置。</a:t>
+            </a:r>
+            <a:endParaRPr lang="en-US" altLang="zh-CN" smtClean="0"/>
+          </a:p>
+        </p:txBody>
+      </p:sp>
+      <p:sp>
+        <p:nvSpPr>
+          <p:cNvPr id="4" name="灯片编号占位符 3"/>
+          <p:cNvSpPr>
+            <a:spLocks noGrp="1"/>
+          </p:cNvSpPr>
+          <p:nvPr>
+            <p:ph type="sldNum" sz="quarter" idx="10"/>
+          </p:nvPr>
+        </p:nvSpPr>
+        <p:spPr/>
+        <p:txBody>
+          <a:bodyPr/>
+          <a:lstStyle/>
+          <a:p>
+            <a:fld id="{A6837353-30EB-4A48-80EB-173D804AEFBD}" type="slidenum">
+              <a:rPr lang="zh-CN" altLang="en-US" smtClean="0"/>
+              <a:t>12</a:t>
+            </a:fld>
             <a:endParaRPr lang="zh-CN" altLang="en-US"/>
           </a:p>
         </p:txBody>
       </p:sp>
     </p:spTree>
+    <p:extLst>
+      <p:ext uri="{BB962C8B-B14F-4D97-AF65-F5344CB8AC3E}">
+        <p14:creationId xmlns:p14="http://schemas.microsoft.com/office/powerpoint/2010/main" val="3582308543"/>
+      </p:ext>
+    </p:extLst>
   </p:cSld>
   <p:clrMapOvr>
     <a:masterClrMapping/>
@@ -6019,146 +6167,138 @@
           <a:bodyPr/>
           <a:lstStyle/>
           <a:p>
-            <a:pPr algn="l">
-              <a:lnSpc>
-                <a:spcPct val="125000"/>
-              </a:lnSpc>
+            <a:pPr marL="0" marR="0" lvl="0" indent="0" algn="l" defTabSz="914400" rtl="0" eaLnBrk="1" fontAlgn="auto" latinLnBrk="0" hangingPunct="1">
+              <a:lnSpc>
+                <a:spcPct val="100000"/>
+              </a:lnSpc>
+              <a:spcBef>
+                <a:spcPts val="0"/>
+              </a:spcBef>
+              <a:spcAft>
+                <a:spcPts val="0"/>
+              </a:spcAft>
+              <a:buClrTx/>
+              <a:buSzTx/>
+              <a:buFontTx/>
+              <a:buNone/>
+              <a:tabLst/>
+              <a:defRPr/>
             </a:pPr>
             <a:r>
-              <a:rPr lang="zh-CN" altLang="en-US" sz="1200" b="0" smtClean="0">
-                <a:latin typeface="宋体" panose="02010600030101010101" pitchFamily="2" charset="-122"/>
-                <a:ea typeface="+mn-ea"/>
-              </a:rPr>
-              <a:t>（</a:t>
-            </a:r>
-            <a:r>
-              <a:rPr lang="en-US" altLang="zh-CN" sz="1200" b="0" smtClean="0">
-                <a:latin typeface="宋体" panose="02010600030101010101" pitchFamily="2" charset="-122"/>
-                <a:ea typeface="+mn-ea"/>
-              </a:rPr>
-              <a:t>1</a:t>
-            </a:r>
-            <a:r>
-              <a:rPr lang="zh-CN" altLang="en-US" sz="1200" b="0" smtClean="0">
-                <a:latin typeface="宋体" panose="02010600030101010101" pitchFamily="2" charset="-122"/>
-                <a:ea typeface="+mn-ea"/>
-              </a:rPr>
-              <a:t>）</a:t>
-            </a:r>
-            <a:r>
-              <a:rPr lang="zh-CN" altLang="en-US" sz="1200" b="0" smtClean="0">
-                <a:latin typeface="宋体" panose="02010600030101010101" pitchFamily="2" charset="-122"/>
-                <a:ea typeface="+mn-ea"/>
-                <a:sym typeface="+mn-ea"/>
-              </a:rPr>
-              <a:t>ETCD门槛较高，自己的实际项目经验不足，进行调研</a:t>
-            </a:r>
-            <a:r>
-              <a:rPr lang="en-US" altLang="zh-CN" sz="1200" b="0" smtClean="0">
-                <a:latin typeface="宋体" panose="02010600030101010101" pitchFamily="2" charset="-122"/>
-                <a:ea typeface="+mn-ea"/>
-                <a:sym typeface="+mn-ea"/>
-              </a:rPr>
+              <a:rPr lang="zh-CN" altLang="en-US" smtClean="0"/>
+              <a:t>官方的使用手册中，建议在部署</a:t>
+            </a:r>
+            <a:r>
+              <a:rPr lang="en-US" altLang="zh-CN" smtClean="0"/>
               <a:t>ETCD</a:t>
             </a:r>
             <a:r>
-              <a:rPr lang="zh-CN" altLang="en-US" sz="1200" b="0" smtClean="0">
-                <a:latin typeface="宋体" panose="02010600030101010101" pitchFamily="2" charset="-122"/>
-                <a:ea typeface="+mn-ea"/>
-                <a:sym typeface="+mn-ea"/>
-              </a:rPr>
-              <a:t>感觉难度较大，</a:t>
-            </a:r>
-            <a:endParaRPr lang="zh-CN" altLang="en-US" sz="1200" b="0" smtClean="0">
+              <a:rPr lang="zh-CN" altLang="en-US" smtClean="0"/>
+              <a:t>时需要对主机的磁盘性能进行检测。这是因为，</a:t>
+            </a:r>
+            <a:r>
+              <a:rPr lang="en-US" altLang="zh-CN" sz="1200" smtClean="0">
+                <a:latin typeface="宋体" panose="02010600030101010101" pitchFamily="2" charset="-122"/>
+                <a:ea typeface="+mn-ea"/>
+              </a:rPr>
+              <a:t>ETCD</a:t>
+            </a:r>
+            <a:r>
+              <a:rPr lang="zh-CN" altLang="en-US" sz="1200" smtClean="0">
+                <a:latin typeface="宋体" panose="02010600030101010101" pitchFamily="2" charset="-122"/>
+                <a:ea typeface="+mn-ea"/>
+              </a:rPr>
+              <a:t>需要将数据持久化至本地磁盘，因此对磁盘性能有一定要求。</a:t>
+            </a:r>
+            <a:endParaRPr lang="en-US" altLang="zh-CN" sz="1200" smtClean="0">
               <a:latin typeface="宋体" panose="02010600030101010101" pitchFamily="2" charset="-122"/>
               <a:ea typeface="+mn-ea"/>
             </a:endParaRPr>
           </a:p>
           <a:p>
-            <a:pPr algn="l">
-              <a:lnSpc>
-                <a:spcPct val="125000"/>
-              </a:lnSpc>
+            <a:pPr marL="0" marR="0" lvl="0" indent="0" algn="l" defTabSz="914400" rtl="0" eaLnBrk="1" fontAlgn="auto" latinLnBrk="0" hangingPunct="1">
+              <a:lnSpc>
+                <a:spcPct val="100000"/>
+              </a:lnSpc>
+              <a:spcBef>
+                <a:spcPts val="0"/>
+              </a:spcBef>
+              <a:spcAft>
+                <a:spcPts val="0"/>
+              </a:spcAft>
+              <a:buClrTx/>
+              <a:buSzTx/>
+              <a:buFontTx/>
+              <a:buNone/>
+              <a:tabLst/>
+              <a:defRPr/>
             </a:pPr>
             <a:r>
-              <a:rPr lang="zh-CN" altLang="en-US" sz="1200" b="0" smtClean="0">
-                <a:latin typeface="宋体" panose="02010600030101010101" pitchFamily="2" charset="-122"/>
-                <a:ea typeface="+mn-ea"/>
-              </a:rPr>
+              <a:rPr lang="zh-CN" altLang="en-US" sz="1200" smtClean="0">
+                <a:latin typeface="宋体" panose="02010600030101010101" pitchFamily="2" charset="-122"/>
+                <a:ea typeface="+mn-ea"/>
+              </a:rPr>
+              <a:t>测试工具为</a:t>
+            </a:r>
+            <a:r>
+              <a:rPr lang="en-US" altLang="zh-CN" sz="1200" smtClean="0">
+                <a:latin typeface="宋体" panose="02010600030101010101" pitchFamily="2" charset="-122"/>
+                <a:ea typeface="+mn-ea"/>
+              </a:rPr>
+              <a:t>fio</a:t>
+            </a:r>
+            <a:r>
+              <a:rPr lang="zh-CN" altLang="en-US" sz="1200" smtClean="0">
+                <a:latin typeface="宋体" panose="02010600030101010101" pitchFamily="2" charset="-122"/>
+                <a:ea typeface="+mn-ea"/>
+              </a:rPr>
+              <a:t>。参考官网建议的磁盘性能指标：</a:t>
+            </a:r>
+            <a:endParaRPr lang="en-US" altLang="zh-CN" smtClean="0"/>
+          </a:p>
+          <a:p>
+            <a:r>
+              <a:rPr lang="zh-CN" altLang="en-US" smtClean="0"/>
               <a:t>（</a:t>
             </a:r>
             <a:r>
-              <a:rPr lang="en-US" altLang="zh-CN" sz="1200" b="0" smtClean="0">
-                <a:latin typeface="宋体" panose="02010600030101010101" pitchFamily="2" charset="-122"/>
-                <a:ea typeface="+mn-ea"/>
-              </a:rPr>
+              <a:rPr lang="en-US" altLang="zh-CN"/>
+              <a:t>1</a:t>
+            </a:r>
+            <a:r>
+              <a:rPr lang="zh-CN" altLang="en-US"/>
+              <a:t>）查看预写日志文件持续写入的时间，第</a:t>
+            </a:r>
+            <a:r>
+              <a:rPr lang="en-US" altLang="zh-CN"/>
+              <a:t>99</a:t>
+            </a:r>
+            <a:r>
+              <a:rPr lang="zh-CN" altLang="en-US"/>
+              <a:t>个百分数应小于</a:t>
+            </a:r>
+            <a:r>
+              <a:rPr lang="en-US" altLang="zh-CN"/>
+              <a:t>10ms</a:t>
+            </a:r>
+          </a:p>
+          <a:p>
+            <a:r>
+              <a:rPr lang="zh-CN" altLang="en-US"/>
+              <a:t>（</a:t>
+            </a:r>
+            <a:r>
+              <a:rPr lang="en-US" altLang="zh-CN"/>
               <a:t>2</a:t>
             </a:r>
             <a:r>
-              <a:rPr lang="zh-CN" altLang="en-US" sz="1200" b="0" smtClean="0">
-                <a:latin typeface="宋体" panose="02010600030101010101" pitchFamily="2" charset="-122"/>
-                <a:ea typeface="+mn-ea"/>
-              </a:rPr>
-              <a:t>）刚开始接触</a:t>
-            </a:r>
-            <a:r>
-              <a:rPr lang="en-US" altLang="zh-CN" sz="1200" b="0" smtClean="0">
-                <a:latin typeface="宋体" panose="02010600030101010101" pitchFamily="2" charset="-122"/>
-                <a:ea typeface="+mn-ea"/>
-              </a:rPr>
-              <a:t>Go</a:t>
-            </a:r>
-            <a:r>
-              <a:rPr lang="zh-CN" altLang="en-US" sz="1200" b="0" smtClean="0">
-                <a:latin typeface="宋体" panose="02010600030101010101" pitchFamily="2" charset="-122"/>
-                <a:ea typeface="+mn-ea"/>
-              </a:rPr>
-              <a:t>相关的工作，很多相关的知识储备不足，目前的知识都是现学现用，因此在很多细节方面会考虑不全，存在盲区。</a:t>
-            </a:r>
-          </a:p>
-          <a:p>
-            <a:pPr algn="l">
-              <a:lnSpc>
-                <a:spcPct val="125000"/>
-              </a:lnSpc>
-            </a:pPr>
-            <a:r>
-              <a:rPr lang="zh-CN" altLang="en-US" sz="1200" b="0" smtClean="0">
-                <a:latin typeface="宋体" panose="02010600030101010101" pitchFamily="2" charset="-122"/>
-                <a:ea typeface="+mn-ea"/>
-              </a:rPr>
-              <a:t>（</a:t>
-            </a:r>
-            <a:r>
-              <a:rPr lang="en-US" altLang="zh-CN" sz="1200" b="0" smtClean="0">
-                <a:latin typeface="宋体" panose="02010600030101010101" pitchFamily="2" charset="-122"/>
-                <a:ea typeface="+mn-ea"/>
-              </a:rPr>
-              <a:t>3</a:t>
-            </a:r>
-            <a:r>
-              <a:rPr lang="zh-CN" altLang="en-US" sz="1200" b="0" smtClean="0">
-                <a:latin typeface="宋体" panose="02010600030101010101" pitchFamily="2" charset="-122"/>
-                <a:ea typeface="+mn-ea"/>
-              </a:rPr>
-              <a:t>）开发经验欠缺，也是第一次接触分布式系统，不能很好的处理</a:t>
-            </a:r>
-            <a:r>
-              <a:rPr lang="en-US" altLang="zh-CN" sz="1200" b="0" smtClean="0">
-                <a:latin typeface="宋体" panose="02010600030101010101" pitchFamily="2" charset="-122"/>
-                <a:ea typeface="+mn-ea"/>
-              </a:rPr>
-              <a:t>ETCD</a:t>
-            </a:r>
-            <a:r>
-              <a:rPr lang="zh-CN" altLang="en-US" sz="1200" b="0" smtClean="0">
-                <a:latin typeface="宋体" panose="02010600030101010101" pitchFamily="2" charset="-122"/>
-                <a:ea typeface="+mn-ea"/>
-              </a:rPr>
-              <a:t>相关的问题。</a:t>
-            </a:r>
-          </a:p>
-          <a:p>
+              <a:rPr lang="zh-CN" altLang="en-US"/>
+              <a:t>）查看磁盘带宽应大于</a:t>
+            </a:r>
+            <a:r>
+              <a:rPr lang="en-US" altLang="zh-CN"/>
+              <a:t>50MB/s</a:t>
+            </a:r>
             <a:endParaRPr lang="zh-CN" altLang="en-US"/>
           </a:p>
         </p:txBody>
@@ -11484,7 +11624,7 @@
           <p:nvPr/>
         </p:nvPicPr>
         <p:blipFill>
-          <a:blip r:embed="rId2"/>
+          <a:blip r:embed="rId3"/>
           <a:stretch>
             <a:fillRect/>
           </a:stretch>
@@ -14267,7 +14407,7 @@
           <p:nvPr/>
         </p:nvPicPr>
         <p:blipFill>
-          <a:blip r:embed="rId2"/>
+          <a:blip r:embed="rId3"/>
           <a:stretch>
             <a:fillRect/>
           </a:stretch>
@@ -17795,14 +17935,7 @@
                 <a:latin typeface="宋体" panose="02010600030101010101" pitchFamily="2" charset="-122"/>
                 <a:ea typeface="宋体" panose="02010600030101010101" pitchFamily="2" charset="-122"/>
               </a:rPr>
-              <a:t>接触</a:t>
-            </a:r>
-            <a:r>
-              <a:rPr lang="zh-CN" altLang="en-US" sz="2000" smtClean="0">
-                <a:latin typeface="宋体" panose="02010600030101010101" pitchFamily="2" charset="-122"/>
-                <a:ea typeface="宋体" panose="02010600030101010101" pitchFamily="2" charset="-122"/>
-              </a:rPr>
-              <a:t>分布式</a:t>
+              <a:t>接触分布式</a:t>
             </a:r>
             <a:r>
               <a:rPr lang="zh-CN" altLang="en-US" sz="2000">
@@ -21278,11 +21411,6 @@
               </a:rPr>
               <a:t>概述</a:t>
             </a:r>
-            <a:endParaRPr lang="zh-CN" altLang="en-US" sz="4800" b="1" smtClean="0">
-              <a:solidFill>
-                <a:srgbClr val="005CA7"/>
-              </a:solidFill>
-            </a:endParaRPr>
           </a:p>
         </p:txBody>
       </p:sp>
@@ -24115,11 +24243,7 @@
             </a:r>
             <a:r>
               <a:rPr lang="zh-CN" altLang="en-US" sz="2400" smtClean="0"/>
-              <a:t>、基本</a:t>
-            </a:r>
-            <a:r>
-              <a:rPr lang="zh-CN" altLang="en-US" sz="2400" smtClean="0"/>
-              <a:t>概念</a:t>
+              <a:t>、基本概念</a:t>
             </a:r>
             <a:endParaRPr lang="en-US" altLang="zh-CN" sz="2400" smtClean="0"/>
           </a:p>
@@ -24620,18 +24744,7 @@
                   <a:ea typeface="微软雅黑" panose="020B0503020204020204" pitchFamily="34" charset="-122"/>
                   <a:sym typeface="微软雅黑" panose="020B0503020204020204" pitchFamily="34" charset="-122"/>
                 </a:rPr>
-                <a:t>、基本</a:t>
-              </a:r>
-              <a:r>
-                <a:rPr lang="zh-CN" altLang="en-US" sz="2800" b="1" smtClean="0">
-                  <a:solidFill>
-                    <a:srgbClr val="005CA7"/>
-                  </a:solidFill>
-                  <a:latin typeface="微软雅黑" panose="020B0503020204020204" pitchFamily="34" charset="-122"/>
-                  <a:ea typeface="微软雅黑" panose="020B0503020204020204" pitchFamily="34" charset="-122"/>
-                  <a:sym typeface="微软雅黑" panose="020B0503020204020204" pitchFamily="34" charset="-122"/>
-                </a:rPr>
-                <a:t>概念</a:t>
+                <a:t>、基本概念</a:t>
               </a:r>
               <a:endParaRPr lang="zh-CN" altLang="en-US" sz="2800" b="1" dirty="0">
                 <a:solidFill>
@@ -25879,14 +25992,7 @@
                 <a:latin typeface="宋体" panose="02010600030101010101" pitchFamily="2" charset="-122"/>
                 <a:ea typeface="宋体" panose="02010600030101010101" pitchFamily="2" charset="-122"/>
               </a:rPr>
-              <a:t>）复制状态机</a:t>
-            </a:r>
-            <a:r>
-              <a:rPr lang="zh-CN" altLang="en-US" sz="2000" smtClean="0">
-                <a:latin typeface="宋体" panose="02010600030101010101" pitchFamily="2" charset="-122"/>
-                <a:ea typeface="宋体" panose="02010600030101010101" pitchFamily="2" charset="-122"/>
-              </a:rPr>
-              <a:t>系统作用：</a:t>
+              <a:t>）复制状态机系统作用：</a:t>
             </a:r>
             <a:r>
               <a:rPr lang="zh-CN" altLang="en-US" sz="2000">

--- a/Golang_学习笔记/Golang_进阶_学习笔记/ETCD_学习笔记/ETCD-调研.pptx
+++ b/Golang_学习笔记/Golang_进阶_学习笔记/ETCD_学习笔记/ETCD-调研.pptx
@@ -216,7 +216,7 @@
           <a:p>
             <a:fld id="{D2A48B96-639E-45A3-A0BA-2464DFDB1FAA}" type="datetimeFigureOut">
               <a:rPr lang="zh-CN" altLang="en-US" smtClean="0"/>
-              <a:t>2021/7/17</a:t>
+              <a:t>2021/7/18</a:t>
             </a:fld>
             <a:endParaRPr lang="zh-CN" altLang="en-US"/>
           </a:p>
@@ -3674,10 +3674,10 @@
                 <a:ea typeface="+mn-ea"/>
                 <a:cs typeface="+mn-cs"/>
               </a:rPr>
-              <a:t>集群启动，会初始化一个</a:t>
-            </a:r>
-            <a:r>
-              <a:rPr lang="en-US" altLang="zh-CN" sz="1200" b="0" i="0" kern="1200" smtClean="0">
+              <a:t>集群启动，会初始化一</a:t>
+            </a:r>
+            <a:r>
+              <a:rPr lang="zh-CN" altLang="en-US" sz="1200" b="0" i="0" kern="1200" smtClean="0">
                 <a:solidFill>
                   <a:schemeClr val="tx1"/>
                 </a:solidFill>
@@ -3686,7 +3686,7 @@
                 <a:ea typeface="+mn-ea"/>
                 <a:cs typeface="+mn-cs"/>
               </a:rPr>
-              <a:t>Leader</a:t>
+              <a:t>个主节点</a:t>
             </a:r>
             <a:r>
               <a:rPr lang="zh-CN" altLang="en-US" sz="1200" b="0" i="0" kern="1200" smtClean="0">
@@ -3698,7 +3698,7 @@
                 <a:ea typeface="+mn-ea"/>
                 <a:cs typeface="+mn-cs"/>
               </a:rPr>
-              <a:t>节点，决定日志的顺序，负责发送日志到其他从节点。</a:t>
+              <a:t>，决定日志的顺序，负责发送日志到其他从节点。</a:t>
             </a:r>
           </a:p>
           <a:p>
@@ -3736,10 +3736,10 @@
                 <a:ea typeface="+mn-ea"/>
                 <a:cs typeface="+mn-cs"/>
               </a:rPr>
-              <a:t>）当</a:t>
-            </a:r>
-            <a:r>
-              <a:rPr lang="en-US" altLang="zh-CN" sz="1200" b="0" i="0" kern="1200" smtClean="0">
+              <a:t>）</a:t>
+            </a:r>
+            <a:r>
+              <a:rPr lang="zh-CN" altLang="en-US" sz="1200" b="0" i="0" kern="1200" smtClean="0">
                 <a:solidFill>
                   <a:schemeClr val="tx1"/>
                 </a:solidFill>
@@ -3748,7 +3748,7 @@
                 <a:ea typeface="+mn-ea"/>
                 <a:cs typeface="+mn-cs"/>
               </a:rPr>
-              <a:t>Leader</a:t>
+              <a:t>当主节点</a:t>
             </a:r>
             <a:r>
               <a:rPr lang="zh-CN" altLang="en-US" sz="1200" b="0" i="0" kern="1200" smtClean="0">
@@ -3760,7 +3760,7 @@
                 <a:ea typeface="+mn-ea"/>
                 <a:cs typeface="+mn-cs"/>
               </a:rPr>
-              <a:t>节点的</a:t>
+              <a:t>的</a:t>
             </a:r>
             <a:r>
               <a:rPr lang="zh-CN" altLang="en-US" sz="1200" b="1" i="0" kern="1200" smtClean="0">
@@ -3808,10 +3808,10 @@
                 <a:ea typeface="+mn-ea"/>
                 <a:cs typeface="+mn-cs"/>
               </a:rPr>
-              <a:t>以上从节点都接收到日志后，</a:t>
-            </a:r>
-            <a:r>
-              <a:rPr lang="en-US" altLang="zh-CN" sz="1200" b="0" i="0" kern="1200" smtClean="0">
+              <a:t>以上从节点都接收到日志后</a:t>
+            </a:r>
+            <a:r>
+              <a:rPr lang="zh-CN" altLang="en-US" sz="1200" b="0" i="0" kern="1200" smtClean="0">
                 <a:solidFill>
                   <a:schemeClr val="tx1"/>
                 </a:solidFill>
@@ -3820,7 +3820,7 @@
                 <a:ea typeface="+mn-ea"/>
                 <a:cs typeface="+mn-cs"/>
               </a:rPr>
-              <a:t>Leader</a:t>
+              <a:t>，主节点</a:t>
             </a:r>
             <a:r>
               <a:rPr lang="zh-CN" altLang="en-US" sz="1200" b="0" i="0" kern="1200" smtClean="0">
@@ -3832,10 +3832,10 @@
                 <a:ea typeface="+mn-ea"/>
                 <a:cs typeface="+mn-cs"/>
               </a:rPr>
-              <a:t>节点才提交日志。日志提交后，由</a:t>
-            </a:r>
-            <a:r>
-              <a:rPr lang="en-US" altLang="zh-CN" sz="1200" b="0" i="0" kern="1200" smtClean="0">
+              <a:t>才提交日志。日志提交后，</a:t>
+            </a:r>
+            <a:r>
+              <a:rPr lang="zh-CN" altLang="en-US" sz="1200" b="0" i="0" kern="1200" smtClean="0">
                 <a:solidFill>
                   <a:schemeClr val="tx1"/>
                 </a:solidFill>
@@ -3844,7 +3844,7 @@
                 <a:ea typeface="+mn-ea"/>
                 <a:cs typeface="+mn-cs"/>
               </a:rPr>
-              <a:t>Leader</a:t>
+              <a:t>由主节点</a:t>
             </a:r>
             <a:r>
               <a:rPr lang="zh-CN" altLang="en-US" sz="1200" b="0" i="0" kern="1200" smtClean="0">
@@ -3856,7 +3856,7 @@
                 <a:ea typeface="+mn-ea"/>
                 <a:cs typeface="+mn-cs"/>
               </a:rPr>
-              <a:t>节点按顺序应用于状态机。</a:t>
+              <a:t>按顺序应用于状态机。</a:t>
             </a:r>
           </a:p>
           <a:p>
@@ -3894,10 +3894,10 @@
                 <a:ea typeface="+mn-ea"/>
                 <a:cs typeface="+mn-cs"/>
               </a:rPr>
-              <a:t>）仅当</a:t>
-            </a:r>
-            <a:r>
-              <a:rPr lang="en-US" altLang="zh-CN" sz="1200" b="0" i="0" kern="1200" smtClean="0">
+              <a:t>）仅</a:t>
+            </a:r>
+            <a:r>
+              <a:rPr lang="zh-CN" altLang="en-US" sz="1200" b="0" i="0" kern="1200" smtClean="0">
                 <a:solidFill>
                   <a:schemeClr val="tx1"/>
                 </a:solidFill>
@@ -3906,7 +3906,7 @@
                 <a:ea typeface="+mn-ea"/>
                 <a:cs typeface="+mn-cs"/>
               </a:rPr>
-              <a:t>Leader</a:t>
+              <a:t>当主节点日志</a:t>
             </a:r>
             <a:r>
               <a:rPr lang="zh-CN" altLang="en-US" sz="1200" b="0" i="0" kern="1200" smtClean="0">
@@ -3918,7 +3918,7 @@
                 <a:ea typeface="+mn-ea"/>
                 <a:cs typeface="+mn-cs"/>
               </a:rPr>
-              <a:t>日志提交成功后，其他从节点才会将来自步骤</a:t>
+              <a:t>提交成功后，其他从节点才会将来自步骤</a:t>
             </a:r>
             <a:r>
               <a:rPr lang="en-US" altLang="zh-CN" sz="1200" b="0" i="0" kern="1200" smtClean="0">
@@ -3942,10 +3942,10 @@
                 <a:ea typeface="+mn-ea"/>
                 <a:cs typeface="+mn-cs"/>
               </a:rPr>
-              <a:t>：</a:t>
-            </a:r>
-            <a:r>
-              <a:rPr lang="en-US" altLang="zh-CN" sz="1200" b="0" i="0" kern="1200" smtClean="0">
+              <a:t>：主节点发送</a:t>
+            </a:r>
+            <a:r>
+              <a:rPr lang="zh-CN" altLang="en-US" sz="1200" b="0" i="0" kern="1200" smtClean="0">
                 <a:solidFill>
                   <a:schemeClr val="tx1"/>
                 </a:solidFill>
@@ -3954,8 +3954,10 @@
                 <a:ea typeface="+mn-ea"/>
                 <a:cs typeface="+mn-cs"/>
               </a:rPr>
-              <a:t>Leader</a:t>
-            </a:r>
+              <a:t>的日志数据，应用到该从节点的状态机中，然后进行数据写入操作。（从而保证所有从节点的数据一致性）</a:t>
+            </a:r>
+          </a:p>
+          <a:p>
             <a:r>
               <a:rPr lang="zh-CN" altLang="en-US" sz="1200" b="0" i="0" kern="1200" smtClean="0">
                 <a:solidFill>
@@ -3966,7 +3968,7 @@
                 <a:ea typeface="+mn-ea"/>
                 <a:cs typeface="+mn-cs"/>
               </a:rPr>
-              <a:t>节点中</a:t>
+              <a:t>（</a:t>
             </a:r>
             <a:r>
               <a:rPr lang="en-US" altLang="zh-CN" sz="1200" b="0" i="0" kern="1200" smtClean="0">
@@ -3978,7 +3980,7 @@
                 <a:ea typeface="+mn-ea"/>
                 <a:cs typeface="+mn-cs"/>
               </a:rPr>
-              <a:t>consensus module</a:t>
+              <a:t>4</a:t>
             </a:r>
             <a:r>
               <a:rPr lang="zh-CN" altLang="en-US" sz="1200" b="0" i="0" kern="1200" smtClean="0">
@@ -3990,10 +3992,8 @@
                 <a:ea typeface="+mn-ea"/>
                 <a:cs typeface="+mn-cs"/>
               </a:rPr>
-              <a:t>发送的日志数据，应用到该从节点的状态机中，然后进行数据写入操作。（从而保证所有从节点的数据一致性）</a:t>
-            </a:r>
-          </a:p>
-          <a:p>
+              <a:t>）最后</a:t>
+            </a:r>
             <a:r>
               <a:rPr lang="zh-CN" altLang="en-US" sz="1200" b="0" i="0" kern="1200" smtClean="0">
                 <a:solidFill>
@@ -4004,10 +4004,10 @@
                 <a:ea typeface="+mn-ea"/>
                 <a:cs typeface="+mn-cs"/>
               </a:rPr>
-              <a:t>（</a:t>
-            </a:r>
-            <a:r>
-              <a:rPr lang="en-US" altLang="zh-CN" sz="1200" b="0" i="0" kern="1200" smtClean="0">
+              <a:t>，主节点</a:t>
+            </a:r>
+            <a:r>
+              <a:rPr lang="zh-CN" altLang="en-US" sz="1200" b="0" i="0" kern="1200" smtClean="0">
                 <a:solidFill>
                   <a:schemeClr val="tx1"/>
                 </a:solidFill>
@@ -4016,43 +4016,7 @@
                 <a:ea typeface="+mn-ea"/>
                 <a:cs typeface="+mn-cs"/>
               </a:rPr>
-              <a:t>4</a:t>
-            </a:r>
-            <a:r>
-              <a:rPr lang="zh-CN" altLang="en-US" sz="1200" b="0" i="0" kern="1200" smtClean="0">
-                <a:solidFill>
-                  <a:schemeClr val="tx1"/>
-                </a:solidFill>
-                <a:effectLst/>
-                <a:latin typeface="+mn-lt"/>
-                <a:ea typeface="+mn-ea"/>
-                <a:cs typeface="+mn-cs"/>
-              </a:rPr>
-              <a:t>）最后，</a:t>
-            </a:r>
-            <a:r>
-              <a:rPr lang="en-US" altLang="zh-CN" sz="1200" b="0" i="0" kern="1200" smtClean="0">
-                <a:solidFill>
-                  <a:schemeClr val="tx1"/>
-                </a:solidFill>
-                <a:effectLst/>
-                <a:latin typeface="+mn-lt"/>
-                <a:ea typeface="+mn-ea"/>
-                <a:cs typeface="+mn-cs"/>
-              </a:rPr>
-              <a:t>Leader</a:t>
-            </a:r>
-            <a:r>
-              <a:rPr lang="zh-CN" altLang="en-US" sz="1200" b="0" i="0" kern="1200" smtClean="0">
-                <a:solidFill>
-                  <a:schemeClr val="tx1"/>
-                </a:solidFill>
-                <a:effectLst/>
-                <a:latin typeface="+mn-lt"/>
-                <a:ea typeface="+mn-ea"/>
-                <a:cs typeface="+mn-cs"/>
-              </a:rPr>
-              <a:t>节点将数据写入命令的执行状态，返回给客户端</a:t>
+              <a:t>将数据写入命令的执行状态，返回给客户端</a:t>
             </a:r>
             <a:r>
               <a:rPr lang="en-US" altLang="zh-CN" sz="1200" b="0" i="0" kern="1200" smtClean="0">
@@ -4146,7 +4110,19 @@
                 <a:ea typeface="+mn-ea"/>
                 <a:cs typeface="+mn-cs"/>
               </a:rPr>
-              <a:t>执行失败），具体的处理流程为：</a:t>
+              <a:t>执行失败</a:t>
+            </a:r>
+            <a:r>
+              <a:rPr lang="zh-CN" altLang="en-US" sz="1200" b="0" i="0" kern="1200" smtClean="0">
+                <a:solidFill>
+                  <a:schemeClr val="tx1"/>
+                </a:solidFill>
+                <a:effectLst/>
+                <a:latin typeface="+mn-lt"/>
+                <a:ea typeface="+mn-ea"/>
+                <a:cs typeface="+mn-cs"/>
+              </a:rPr>
+              <a:t>）。</a:t>
             </a:r>
             <a:endParaRPr lang="en-US" altLang="zh-CN" sz="1200" b="0" i="0" kern="1200" smtClean="0">
               <a:solidFill>
@@ -4169,10 +4145,10 @@
                 <a:ea typeface="+mn-ea"/>
                 <a:cs typeface="+mn-cs"/>
               </a:rPr>
-              <a:t>（</a:t>
-            </a:r>
-            <a:r>
-              <a:rPr lang="en-US" altLang="zh-CN" sz="1200" b="0" i="0" kern="1200" smtClean="0">
+              <a:t>这就需要在复制日志时，通过日志数据的索引值和任期进行处理。具体</a:t>
+            </a:r>
+            <a:r>
+              <a:rPr lang="zh-CN" altLang="en-US" sz="1200" b="0" i="0" kern="1200" smtClean="0">
                 <a:solidFill>
                   <a:schemeClr val="tx1"/>
                 </a:solidFill>
@@ -4181,319 +4157,7 @@
                 <a:ea typeface="+mn-ea"/>
                 <a:cs typeface="+mn-cs"/>
               </a:rPr>
-              <a:t>1</a:t>
-            </a:r>
-            <a:r>
-              <a:rPr lang="zh-CN" altLang="en-US" sz="1200" b="0" i="0" kern="1200" smtClean="0">
-                <a:solidFill>
-                  <a:schemeClr val="tx1"/>
-                </a:solidFill>
-                <a:effectLst/>
-                <a:latin typeface="+mn-lt"/>
-                <a:ea typeface="+mn-ea"/>
-                <a:cs typeface="+mn-cs"/>
-              </a:rPr>
-              <a:t>）</a:t>
-            </a:r>
-            <a:r>
-              <a:rPr lang="en-US" altLang="zh-CN" sz="1200" b="0" i="0" kern="1200" smtClean="0">
-                <a:solidFill>
-                  <a:schemeClr val="tx1"/>
-                </a:solidFill>
-                <a:effectLst/>
-                <a:latin typeface="+mn-lt"/>
-                <a:ea typeface="+mn-ea"/>
-                <a:cs typeface="+mn-cs"/>
-              </a:rPr>
-              <a:t>Leader</a:t>
-            </a:r>
-            <a:r>
-              <a:rPr lang="zh-CN" altLang="en-US" sz="1200" b="0" i="0" kern="1200" smtClean="0">
-                <a:solidFill>
-                  <a:schemeClr val="tx1"/>
-                </a:solidFill>
-                <a:effectLst/>
-                <a:latin typeface="+mn-lt"/>
-                <a:ea typeface="+mn-ea"/>
-                <a:cs typeface="+mn-cs"/>
-              </a:rPr>
-              <a:t>节点发送至从节点的日志数据中，都包含</a:t>
-            </a:r>
-            <a:r>
-              <a:rPr lang="en-US" altLang="zh-CN" sz="1200" b="0" i="0" kern="1200" smtClean="0">
-                <a:solidFill>
-                  <a:schemeClr val="tx1"/>
-                </a:solidFill>
-                <a:effectLst/>
-                <a:latin typeface="+mn-lt"/>
-                <a:ea typeface="+mn-ea"/>
-                <a:cs typeface="+mn-cs"/>
-              </a:rPr>
-              <a:t>Leader</a:t>
-            </a:r>
-            <a:r>
-              <a:rPr lang="zh-CN" altLang="en-US" sz="1200" b="0" i="0" kern="1200" smtClean="0">
-                <a:solidFill>
-                  <a:schemeClr val="tx1"/>
-                </a:solidFill>
-                <a:effectLst/>
-                <a:latin typeface="+mn-lt"/>
-                <a:ea typeface="+mn-ea"/>
-                <a:cs typeface="+mn-cs"/>
-              </a:rPr>
-              <a:t>节点的任期</a:t>
-            </a:r>
-            <a:r>
-              <a:rPr lang="en-US" altLang="zh-CN" sz="1200" b="0" i="0" kern="1200" smtClean="0">
-                <a:solidFill>
-                  <a:schemeClr val="tx1"/>
-                </a:solidFill>
-                <a:effectLst/>
-                <a:latin typeface="+mn-lt"/>
-                <a:ea typeface="+mn-ea"/>
-                <a:cs typeface="+mn-cs"/>
-              </a:rPr>
-              <a:t>term</a:t>
-            </a:r>
-            <a:r>
-              <a:rPr lang="zh-CN" altLang="en-US" sz="1200" b="0" i="0" kern="1200" smtClean="0">
-                <a:solidFill>
-                  <a:schemeClr val="tx1"/>
-                </a:solidFill>
-                <a:effectLst/>
-                <a:latin typeface="+mn-lt"/>
-                <a:ea typeface="+mn-ea"/>
-                <a:cs typeface="+mn-cs"/>
-              </a:rPr>
-              <a:t>、日志数据的索引</a:t>
-            </a:r>
-            <a:r>
-              <a:rPr lang="en-US" altLang="zh-CN" sz="1200" b="0" i="0" kern="1200" smtClean="0">
-                <a:solidFill>
-                  <a:schemeClr val="tx1"/>
-                </a:solidFill>
-                <a:effectLst/>
-                <a:latin typeface="+mn-lt"/>
-                <a:ea typeface="+mn-ea"/>
-                <a:cs typeface="+mn-cs"/>
-              </a:rPr>
-              <a:t>index</a:t>
-            </a:r>
-            <a:r>
-              <a:rPr lang="zh-CN" altLang="en-US" sz="1200" b="0" i="0" kern="1200" smtClean="0">
-                <a:solidFill>
-                  <a:schemeClr val="tx1"/>
-                </a:solidFill>
-                <a:effectLst/>
-                <a:latin typeface="+mn-lt"/>
-                <a:ea typeface="+mn-ea"/>
-                <a:cs typeface="+mn-cs"/>
-              </a:rPr>
-              <a:t>。具体包含：</a:t>
-            </a:r>
-            <a:r>
-              <a:rPr lang="zh-CN" altLang="en-US" sz="1200" b="1" i="0" kern="1200" smtClean="0">
-                <a:solidFill>
-                  <a:schemeClr val="tx1"/>
-                </a:solidFill>
-                <a:effectLst/>
-                <a:latin typeface="+mn-lt"/>
-                <a:ea typeface="+mn-ea"/>
-                <a:cs typeface="+mn-cs"/>
-              </a:rPr>
-              <a:t>当前日志的（</a:t>
-            </a:r>
-            <a:r>
-              <a:rPr lang="en-US" altLang="zh-CN" sz="1200" b="1" i="0" kern="1200" smtClean="0">
-                <a:solidFill>
-                  <a:schemeClr val="tx1"/>
-                </a:solidFill>
-                <a:effectLst/>
-                <a:latin typeface="+mn-lt"/>
-                <a:ea typeface="+mn-ea"/>
-                <a:cs typeface="+mn-cs"/>
-              </a:rPr>
-              <a:t>index</a:t>
-            </a:r>
-            <a:r>
-              <a:rPr lang="zh-CN" altLang="en-US" sz="1200" b="1" i="0" kern="1200" smtClean="0">
-                <a:solidFill>
-                  <a:schemeClr val="tx1"/>
-                </a:solidFill>
-                <a:effectLst/>
-                <a:latin typeface="+mn-lt"/>
-                <a:ea typeface="+mn-ea"/>
-                <a:cs typeface="+mn-cs"/>
-              </a:rPr>
-              <a:t>、</a:t>
-            </a:r>
-            <a:r>
-              <a:rPr lang="en-US" altLang="zh-CN" sz="1200" b="1" i="0" kern="1200" smtClean="0">
-                <a:solidFill>
-                  <a:schemeClr val="tx1"/>
-                </a:solidFill>
-                <a:effectLst/>
-                <a:latin typeface="+mn-lt"/>
-                <a:ea typeface="+mn-ea"/>
-                <a:cs typeface="+mn-cs"/>
-              </a:rPr>
-              <a:t>term</a:t>
-            </a:r>
-            <a:r>
-              <a:rPr lang="zh-CN" altLang="en-US" sz="1200" b="1" i="0" kern="1200" smtClean="0">
-                <a:solidFill>
-                  <a:schemeClr val="tx1"/>
-                </a:solidFill>
-                <a:effectLst/>
-                <a:latin typeface="+mn-lt"/>
-                <a:ea typeface="+mn-ea"/>
-                <a:cs typeface="+mn-cs"/>
-              </a:rPr>
-              <a:t>） </a:t>
-            </a:r>
-            <a:r>
-              <a:rPr lang="en-US" altLang="zh-CN" sz="1200" b="1" i="0" kern="1200" smtClean="0">
-                <a:solidFill>
-                  <a:schemeClr val="tx1"/>
-                </a:solidFill>
-                <a:effectLst/>
-                <a:latin typeface="+mn-lt"/>
-                <a:ea typeface="+mn-ea"/>
-                <a:cs typeface="+mn-cs"/>
-              </a:rPr>
-              <a:t>+ </a:t>
-            </a:r>
-            <a:r>
-              <a:rPr lang="zh-CN" altLang="en-US" sz="1200" b="1" i="0" kern="1200" smtClean="0">
-                <a:solidFill>
-                  <a:schemeClr val="tx1"/>
-                </a:solidFill>
-                <a:effectLst/>
-                <a:latin typeface="+mn-lt"/>
-                <a:ea typeface="+mn-ea"/>
-                <a:cs typeface="+mn-cs"/>
-              </a:rPr>
-              <a:t>上一条日志的（</a:t>
-            </a:r>
-            <a:r>
-              <a:rPr lang="en-US" altLang="zh-CN" sz="1200" b="1" i="0" kern="1200" smtClean="0">
-                <a:solidFill>
-                  <a:schemeClr val="tx1"/>
-                </a:solidFill>
-                <a:effectLst/>
-                <a:latin typeface="+mn-lt"/>
-                <a:ea typeface="+mn-ea"/>
-                <a:cs typeface="+mn-cs"/>
-              </a:rPr>
-              <a:t>index</a:t>
-            </a:r>
-            <a:r>
-              <a:rPr lang="zh-CN" altLang="en-US" sz="1200" b="1" i="0" kern="1200" smtClean="0">
-                <a:solidFill>
-                  <a:schemeClr val="tx1"/>
-                </a:solidFill>
-                <a:effectLst/>
-                <a:latin typeface="+mn-lt"/>
-                <a:ea typeface="+mn-ea"/>
-                <a:cs typeface="+mn-cs"/>
-              </a:rPr>
-              <a:t>、</a:t>
-            </a:r>
-            <a:r>
-              <a:rPr lang="en-US" altLang="zh-CN" sz="1200" b="1" i="0" kern="1200" smtClean="0">
-                <a:solidFill>
-                  <a:schemeClr val="tx1"/>
-                </a:solidFill>
-                <a:effectLst/>
-                <a:latin typeface="+mn-lt"/>
-                <a:ea typeface="+mn-ea"/>
-                <a:cs typeface="+mn-cs"/>
-              </a:rPr>
-              <a:t>term</a:t>
-            </a:r>
-            <a:r>
-              <a:rPr lang="zh-CN" altLang="en-US" sz="1200" b="1" i="0" kern="1200" smtClean="0">
-                <a:solidFill>
-                  <a:schemeClr val="tx1"/>
-                </a:solidFill>
-                <a:effectLst/>
-                <a:latin typeface="+mn-lt"/>
-                <a:ea typeface="+mn-ea"/>
-                <a:cs typeface="+mn-cs"/>
-              </a:rPr>
-              <a:t>）</a:t>
-            </a:r>
-            <a:r>
-              <a:rPr lang="en-US" altLang="zh-CN" sz="1200" b="1" i="0" kern="1200" smtClean="0">
-                <a:solidFill>
-                  <a:schemeClr val="tx1"/>
-                </a:solidFill>
-                <a:effectLst/>
-                <a:latin typeface="+mn-lt"/>
-                <a:ea typeface="+mn-ea"/>
-                <a:cs typeface="+mn-cs"/>
-              </a:rPr>
-              <a:t>+ </a:t>
-            </a:r>
-            <a:r>
-              <a:rPr lang="zh-CN" altLang="en-US" sz="1200" b="1" i="0" kern="1200" smtClean="0">
-                <a:solidFill>
-                  <a:schemeClr val="tx1"/>
-                </a:solidFill>
-                <a:effectLst/>
-                <a:latin typeface="+mn-lt"/>
-                <a:ea typeface="+mn-ea"/>
-                <a:cs typeface="+mn-cs"/>
-              </a:rPr>
-              <a:t>下一条日志的（</a:t>
-            </a:r>
-            <a:r>
-              <a:rPr lang="en-US" altLang="zh-CN" sz="1200" b="1" i="0" kern="1200" smtClean="0">
-                <a:solidFill>
-                  <a:schemeClr val="tx1"/>
-                </a:solidFill>
-                <a:effectLst/>
-                <a:latin typeface="+mn-lt"/>
-                <a:ea typeface="+mn-ea"/>
-                <a:cs typeface="+mn-cs"/>
-              </a:rPr>
-              <a:t>index</a:t>
-            </a:r>
-            <a:r>
-              <a:rPr lang="zh-CN" altLang="en-US" sz="1200" b="1" i="0" kern="1200" smtClean="0">
-                <a:solidFill>
-                  <a:schemeClr val="tx1"/>
-                </a:solidFill>
-                <a:effectLst/>
-                <a:latin typeface="+mn-lt"/>
-                <a:ea typeface="+mn-ea"/>
-                <a:cs typeface="+mn-cs"/>
-              </a:rPr>
-              <a:t>，</a:t>
-            </a:r>
-            <a:r>
-              <a:rPr lang="en-US" altLang="zh-CN" sz="1200" b="1" i="0" kern="1200" smtClean="0">
-                <a:solidFill>
-                  <a:schemeClr val="tx1"/>
-                </a:solidFill>
-                <a:effectLst/>
-                <a:latin typeface="+mn-lt"/>
-                <a:ea typeface="+mn-ea"/>
-                <a:cs typeface="+mn-cs"/>
-              </a:rPr>
-              <a:t>term</a:t>
-            </a:r>
-            <a:r>
-              <a:rPr lang="zh-CN" altLang="en-US" sz="1200" b="1" i="0" kern="1200" smtClean="0">
-                <a:solidFill>
-                  <a:schemeClr val="tx1"/>
-                </a:solidFill>
-                <a:effectLst/>
-                <a:latin typeface="+mn-lt"/>
-                <a:ea typeface="+mn-ea"/>
-                <a:cs typeface="+mn-cs"/>
-              </a:rPr>
-              <a:t>）</a:t>
+              <a:t>的处理流程为：</a:t>
             </a:r>
             <a:endParaRPr lang="en-US" altLang="zh-CN" sz="1200" b="0" i="0" kern="1200" smtClean="0">
               <a:solidFill>
@@ -4528,7 +4192,7 @@
                 <a:ea typeface="+mn-ea"/>
                 <a:cs typeface="+mn-cs"/>
               </a:rPr>
-              <a:t>2</a:t>
+              <a:t>1</a:t>
             </a:r>
             <a:r>
               <a:rPr lang="zh-CN" altLang="en-US" sz="1200" b="0" i="0" kern="1200" smtClean="0">
@@ -4540,10 +4204,10 @@
                 <a:ea typeface="+mn-ea"/>
                 <a:cs typeface="+mn-cs"/>
               </a:rPr>
-              <a:t>）</a:t>
-            </a:r>
-            <a:r>
-              <a:rPr lang="en-US" altLang="zh-CN" sz="1200" b="0" i="0" kern="1200" smtClean="0">
+              <a:t>）主节点</a:t>
+            </a:r>
+            <a:r>
+              <a:rPr lang="zh-CN" altLang="en-US" sz="1200" b="0" i="0" kern="1200" smtClean="0">
                 <a:solidFill>
                   <a:schemeClr val="tx1"/>
                 </a:solidFill>
@@ -4552,7 +4216,7 @@
                 <a:ea typeface="+mn-ea"/>
                 <a:cs typeface="+mn-cs"/>
               </a:rPr>
-              <a:t>Leader</a:t>
+              <a:t>发送至从节点的日志数据中，都</a:t>
             </a:r>
             <a:r>
               <a:rPr lang="zh-CN" altLang="en-US" sz="1200" b="0" i="0" kern="1200" smtClean="0">
@@ -4564,10 +4228,10 @@
                 <a:ea typeface="+mn-ea"/>
                 <a:cs typeface="+mn-cs"/>
               </a:rPr>
-              <a:t>节点会用</a:t>
-            </a:r>
-            <a:r>
-              <a:rPr lang="en-US" altLang="zh-CN" sz="1200" b="0" i="0" kern="1200" smtClean="0">
+              <a:t>包含主节点</a:t>
+            </a:r>
+            <a:r>
+              <a:rPr lang="zh-CN" altLang="en-US" sz="1200" b="0" i="0" kern="1200" smtClean="0">
                 <a:solidFill>
                   <a:schemeClr val="tx1"/>
                 </a:solidFill>
@@ -4576,10 +4240,10 @@
                 <a:ea typeface="+mn-ea"/>
                 <a:cs typeface="+mn-cs"/>
               </a:rPr>
-              <a:t>n</a:t>
-            </a:r>
-            <a:r>
-              <a:rPr lang="zh-CN" altLang="en-US" sz="1200" b="0" i="0" kern="1200" smtClean="0">
+              <a:t>的任期</a:t>
+            </a:r>
+            <a:r>
+              <a:rPr lang="en-US" altLang="zh-CN" sz="1200" b="0" i="0" kern="1200" smtClean="0">
                 <a:solidFill>
                   <a:schemeClr val="tx1"/>
                 </a:solidFill>
@@ -4588,10 +4252,10 @@
                 <a:ea typeface="+mn-ea"/>
                 <a:cs typeface="+mn-cs"/>
               </a:rPr>
-              <a:t>个参数（</a:t>
-            </a:r>
-            <a:r>
-              <a:rPr lang="en-US" altLang="zh-CN" sz="1200" b="0" i="0" kern="1200" smtClean="0">
+              <a:t>term</a:t>
+            </a:r>
+            <a:r>
+              <a:rPr lang="zh-CN" altLang="en-US" sz="1200" b="0" i="0" kern="1200" smtClean="0">
                 <a:solidFill>
                   <a:schemeClr val="tx1"/>
                 </a:solidFill>
@@ -4600,10 +4264,10 @@
                 <a:ea typeface="+mn-ea"/>
                 <a:cs typeface="+mn-cs"/>
               </a:rPr>
-              <a:t>next index</a:t>
-            </a:r>
-            <a:r>
-              <a:rPr lang="zh-CN" altLang="en-US" sz="1200" b="0" i="0" kern="1200" smtClean="0">
+              <a:t>、日志数据的索引</a:t>
+            </a:r>
+            <a:r>
+              <a:rPr lang="en-US" altLang="zh-CN" sz="1200" b="0" i="0" kern="1200" smtClean="0">
                 <a:solidFill>
                   <a:schemeClr val="tx1"/>
                 </a:solidFill>
@@ -4612,10 +4276,8 @@
                 <a:ea typeface="+mn-ea"/>
                 <a:cs typeface="+mn-cs"/>
               </a:rPr>
-              <a:t>），来记录应发送给每一个从节点的下一条日志索引位置。</a:t>
-            </a:r>
-          </a:p>
-          <a:p>
+              <a:t>index</a:t>
+            </a:r>
             <a:r>
               <a:rPr lang="zh-CN" altLang="en-US" sz="1200" b="0" i="0" kern="1200" smtClean="0">
                 <a:solidFill>
@@ -4626,10 +4288,10 @@
                 <a:ea typeface="+mn-ea"/>
                 <a:cs typeface="+mn-cs"/>
               </a:rPr>
-              <a:t>（</a:t>
-            </a:r>
-            <a:r>
-              <a:rPr lang="en-US" altLang="zh-CN" sz="1200" b="0" i="0" kern="1200" smtClean="0">
+              <a:t>。具体包含：</a:t>
+            </a:r>
+            <a:r>
+              <a:rPr lang="zh-CN" altLang="en-US" sz="1200" b="1" i="0" kern="1200" smtClean="0">
                 <a:solidFill>
                   <a:schemeClr val="tx1"/>
                 </a:solidFill>
@@ -4638,10 +4300,10 @@
                 <a:ea typeface="+mn-ea"/>
                 <a:cs typeface="+mn-cs"/>
               </a:rPr>
-              <a:t>3</a:t>
-            </a:r>
-            <a:r>
-              <a:rPr lang="zh-CN" altLang="en-US" sz="1200" b="0" i="0" kern="1200" smtClean="0">
+              <a:t>当前日志的（</a:t>
+            </a:r>
+            <a:r>
+              <a:rPr lang="en-US" altLang="zh-CN" sz="1200" b="1" i="0" kern="1200" smtClean="0">
                 <a:solidFill>
                   <a:schemeClr val="tx1"/>
                 </a:solidFill>
@@ -4650,10 +4312,10 @@
                 <a:ea typeface="+mn-ea"/>
                 <a:cs typeface="+mn-cs"/>
               </a:rPr>
-              <a:t>）然后开始进行数据同步，</a:t>
-            </a:r>
-            <a:r>
-              <a:rPr lang="en-US" altLang="zh-CN" sz="1200" b="0" i="0" kern="1200" smtClean="0">
+              <a:t>index</a:t>
+            </a:r>
+            <a:r>
+              <a:rPr lang="zh-CN" altLang="en-US" sz="1200" b="1" i="0" kern="1200" smtClean="0">
                 <a:solidFill>
                   <a:schemeClr val="tx1"/>
                 </a:solidFill>
@@ -4662,10 +4324,10 @@
                 <a:ea typeface="+mn-ea"/>
                 <a:cs typeface="+mn-cs"/>
               </a:rPr>
-              <a:t>Leader</a:t>
-            </a:r>
-            <a:r>
-              <a:rPr lang="zh-CN" altLang="en-US" sz="1200" b="0" i="0" kern="1200" smtClean="0">
+              <a:t>、</a:t>
+            </a:r>
+            <a:r>
+              <a:rPr lang="en-US" altLang="zh-CN" sz="1200" b="1" i="0" kern="1200" smtClean="0">
                 <a:solidFill>
                   <a:schemeClr val="tx1"/>
                 </a:solidFill>
@@ -4674,10 +4336,10 @@
                 <a:ea typeface="+mn-ea"/>
                 <a:cs typeface="+mn-cs"/>
               </a:rPr>
-              <a:t>节点发送自己的日志至</a:t>
-            </a:r>
-            <a:r>
-              <a:rPr lang="en-US" altLang="zh-CN" sz="1200" b="0" i="0" kern="1200" smtClean="0">
+              <a:t>term</a:t>
+            </a:r>
+            <a:r>
+              <a:rPr lang="zh-CN" altLang="en-US" sz="1200" b="1" i="0" kern="1200" smtClean="0">
                 <a:solidFill>
                   <a:schemeClr val="tx1"/>
                 </a:solidFill>
@@ -4686,10 +4348,10 @@
                 <a:ea typeface="+mn-ea"/>
                 <a:cs typeface="+mn-cs"/>
               </a:rPr>
-              <a:t>Follower</a:t>
-            </a:r>
-            <a:r>
-              <a:rPr lang="zh-CN" altLang="en-US" sz="1200" b="0" i="0" kern="1200" smtClean="0">
+              <a:t>） </a:t>
+            </a:r>
+            <a:r>
+              <a:rPr lang="en-US" altLang="zh-CN" sz="1200" b="1" i="0" kern="1200" smtClean="0">
                 <a:solidFill>
                   <a:schemeClr val="tx1"/>
                 </a:solidFill>
@@ -4698,10 +4360,10 @@
                 <a:ea typeface="+mn-ea"/>
                 <a:cs typeface="+mn-cs"/>
               </a:rPr>
-              <a:t>节点中。当从节点接收到</a:t>
-            </a:r>
-            <a:r>
-              <a:rPr lang="en-US" altLang="zh-CN" sz="1200" b="0" i="0" kern="1200" smtClean="0">
+              <a:t>+ </a:t>
+            </a:r>
+            <a:r>
+              <a:rPr lang="zh-CN" altLang="en-US" sz="1200" b="1" i="0" kern="1200" smtClean="0">
                 <a:solidFill>
                   <a:schemeClr val="tx1"/>
                 </a:solidFill>
@@ -4710,10 +4372,10 @@
                 <a:ea typeface="+mn-ea"/>
                 <a:cs typeface="+mn-cs"/>
               </a:rPr>
-              <a:t>Leader</a:t>
-            </a:r>
-            <a:r>
-              <a:rPr lang="zh-CN" altLang="en-US" sz="1200" b="0" i="0" kern="1200" smtClean="0">
+              <a:t>上一条日志的（</a:t>
+            </a:r>
+            <a:r>
+              <a:rPr lang="en-US" altLang="zh-CN" sz="1200" b="1" i="0" kern="1200" smtClean="0">
                 <a:solidFill>
                   <a:schemeClr val="tx1"/>
                 </a:solidFill>
@@ -4722,7 +4384,7 @@
                 <a:ea typeface="+mn-ea"/>
                 <a:cs typeface="+mn-cs"/>
               </a:rPr>
-              <a:t>节点发送的日志数据时，</a:t>
+              <a:t>index</a:t>
             </a:r>
             <a:r>
               <a:rPr lang="zh-CN" altLang="en-US" sz="1200" b="1" i="0" kern="1200" smtClean="0">
@@ -4734,7 +4396,7 @@
                 <a:ea typeface="+mn-ea"/>
                 <a:cs typeface="+mn-cs"/>
               </a:rPr>
-              <a:t>需要判断所接收到的日志数据的索引值</a:t>
+              <a:t>、</a:t>
             </a:r>
             <a:r>
               <a:rPr lang="en-US" altLang="zh-CN" sz="1200" b="1" i="0" kern="1200" smtClean="0">
@@ -4746,7 +4408,7 @@
                 <a:ea typeface="+mn-ea"/>
                 <a:cs typeface="+mn-cs"/>
               </a:rPr>
-              <a:t> </a:t>
+              <a:t>term</a:t>
             </a:r>
             <a:r>
               <a:rPr lang="zh-CN" altLang="en-US" sz="1200" b="1" i="0" kern="1200" smtClean="0">
@@ -4758,7 +4420,7 @@
                 <a:ea typeface="+mn-ea"/>
                 <a:cs typeface="+mn-cs"/>
               </a:rPr>
-              <a:t>是否等于 从节点最新日志的索引值</a:t>
+              <a:t>）</a:t>
             </a:r>
             <a:r>
               <a:rPr lang="en-US" altLang="zh-CN" sz="1200" b="1" i="0" kern="1200" smtClean="0">
@@ -4770,7 +4432,7 @@
                 <a:ea typeface="+mn-ea"/>
                 <a:cs typeface="+mn-cs"/>
               </a:rPr>
-              <a:t> + 1</a:t>
+              <a:t>+ </a:t>
             </a:r>
             <a:r>
               <a:rPr lang="zh-CN" altLang="en-US" sz="1200" b="1" i="0" kern="1200" smtClean="0">
@@ -4782,7 +4444,55 @@
                 <a:ea typeface="+mn-ea"/>
                 <a:cs typeface="+mn-cs"/>
               </a:rPr>
-              <a:t>？</a:t>
+              <a:t>下一条日志的（</a:t>
+            </a:r>
+            <a:r>
+              <a:rPr lang="en-US" altLang="zh-CN" sz="1200" b="1" i="0" kern="1200" smtClean="0">
+                <a:solidFill>
+                  <a:schemeClr val="tx1"/>
+                </a:solidFill>
+                <a:effectLst/>
+                <a:latin typeface="+mn-lt"/>
+                <a:ea typeface="+mn-ea"/>
+                <a:cs typeface="+mn-cs"/>
+              </a:rPr>
+              <a:t>index</a:t>
+            </a:r>
+            <a:r>
+              <a:rPr lang="zh-CN" altLang="en-US" sz="1200" b="1" i="0" kern="1200" smtClean="0">
+                <a:solidFill>
+                  <a:schemeClr val="tx1"/>
+                </a:solidFill>
+                <a:effectLst/>
+                <a:latin typeface="+mn-lt"/>
+                <a:ea typeface="+mn-ea"/>
+                <a:cs typeface="+mn-cs"/>
+              </a:rPr>
+              <a:t>，</a:t>
+            </a:r>
+            <a:r>
+              <a:rPr lang="en-US" altLang="zh-CN" sz="1200" b="1" i="0" kern="1200" smtClean="0">
+                <a:solidFill>
+                  <a:schemeClr val="tx1"/>
+                </a:solidFill>
+                <a:effectLst/>
+                <a:latin typeface="+mn-lt"/>
+                <a:ea typeface="+mn-ea"/>
+                <a:cs typeface="+mn-cs"/>
+              </a:rPr>
+              <a:t>term</a:t>
+            </a:r>
+            <a:r>
+              <a:rPr lang="zh-CN" altLang="en-US" sz="1200" b="1" i="0" kern="1200" smtClean="0">
+                <a:solidFill>
+                  <a:schemeClr val="tx1"/>
+                </a:solidFill>
+                <a:effectLst/>
+                <a:latin typeface="+mn-lt"/>
+                <a:ea typeface="+mn-ea"/>
+                <a:cs typeface="+mn-cs"/>
+              </a:rPr>
+              <a:t>）</a:t>
             </a:r>
             <a:endParaRPr lang="en-US" altLang="zh-CN" sz="1200" b="0" i="0" kern="1200" smtClean="0">
               <a:solidFill>
@@ -4796,7 +4506,7 @@
           </a:p>
           <a:p>
             <a:r>
-              <a:rPr lang="zh-CN" altLang="en-US" sz="1200" b="1" i="0" kern="1200" smtClean="0">
+              <a:rPr lang="zh-CN" altLang="en-US" sz="1200" b="0" i="0" kern="1200" smtClean="0">
                 <a:solidFill>
                   <a:schemeClr val="tx1"/>
                 </a:solidFill>
@@ -4805,10 +4515,10 @@
                 <a:ea typeface="+mn-ea"/>
                 <a:cs typeface="+mn-cs"/>
               </a:rPr>
-              <a:t>若相等</a:t>
-            </a:r>
-            <a:r>
-              <a:rPr lang="zh-CN" altLang="en-US" sz="1200" b="0" i="0" kern="1200" smtClean="0">
+              <a:t>（</a:t>
+            </a:r>
+            <a:r>
+              <a:rPr lang="en-US" altLang="zh-CN" sz="1200" b="0" i="0" kern="1200" smtClean="0">
                 <a:solidFill>
                   <a:schemeClr val="tx1"/>
                 </a:solidFill>
@@ -4817,10 +4527,10 @@
                 <a:ea typeface="+mn-ea"/>
                 <a:cs typeface="+mn-cs"/>
               </a:rPr>
-              <a:t>，则说明</a:t>
-            </a:r>
-            <a:r>
-              <a:rPr lang="en-US" altLang="zh-CN" sz="1200" b="0" i="0" kern="1200" smtClean="0">
+              <a:t>2</a:t>
+            </a:r>
+            <a:r>
+              <a:rPr lang="zh-CN" altLang="en-US" sz="1200" b="0" i="0" kern="1200" smtClean="0">
                 <a:solidFill>
                   <a:schemeClr val="tx1"/>
                 </a:solidFill>
@@ -4829,7 +4539,7 @@
                 <a:ea typeface="+mn-ea"/>
                 <a:cs typeface="+mn-cs"/>
               </a:rPr>
-              <a:t>Leader</a:t>
+              <a:t>）主节点</a:t>
             </a:r>
             <a:r>
               <a:rPr lang="zh-CN" altLang="en-US" sz="1200" b="0" i="0" kern="1200" smtClean="0">
@@ -4841,7 +4551,225 @@
                 <a:ea typeface="+mn-ea"/>
                 <a:cs typeface="+mn-cs"/>
               </a:rPr>
-              <a:t>节点需要从当前的日志索引位置开始同步日志数据值从节点</a:t>
+              <a:t>会用</a:t>
+            </a:r>
+            <a:r>
+              <a:rPr lang="en-US" altLang="zh-CN" sz="1200" b="0" i="0" kern="1200" smtClean="0">
+                <a:solidFill>
+                  <a:schemeClr val="tx1"/>
+                </a:solidFill>
+                <a:effectLst/>
+                <a:latin typeface="+mn-lt"/>
+                <a:ea typeface="+mn-ea"/>
+                <a:cs typeface="+mn-cs"/>
+              </a:rPr>
+              <a:t>n</a:t>
+            </a:r>
+            <a:r>
+              <a:rPr lang="zh-CN" altLang="en-US" sz="1200" b="0" i="0" kern="1200" smtClean="0">
+                <a:solidFill>
+                  <a:schemeClr val="tx1"/>
+                </a:solidFill>
+                <a:effectLst/>
+                <a:latin typeface="+mn-lt"/>
+                <a:ea typeface="+mn-ea"/>
+                <a:cs typeface="+mn-cs"/>
+              </a:rPr>
+              <a:t>个参数（</a:t>
+            </a:r>
+            <a:r>
+              <a:rPr lang="en-US" altLang="zh-CN" sz="1200" b="0" i="0" kern="1200" smtClean="0">
+                <a:solidFill>
+                  <a:schemeClr val="tx1"/>
+                </a:solidFill>
+                <a:effectLst/>
+                <a:latin typeface="+mn-lt"/>
+                <a:ea typeface="+mn-ea"/>
+                <a:cs typeface="+mn-cs"/>
+              </a:rPr>
+              <a:t>next index</a:t>
+            </a:r>
+            <a:r>
+              <a:rPr lang="zh-CN" altLang="en-US" sz="1200" b="0" i="0" kern="1200" smtClean="0">
+                <a:solidFill>
+                  <a:schemeClr val="tx1"/>
+                </a:solidFill>
+                <a:effectLst/>
+                <a:latin typeface="+mn-lt"/>
+                <a:ea typeface="+mn-ea"/>
+                <a:cs typeface="+mn-cs"/>
+              </a:rPr>
+              <a:t>），来记录应发送给每一个从节点的下一条日志索引位置。</a:t>
+            </a:r>
+          </a:p>
+          <a:p>
+            <a:r>
+              <a:rPr lang="zh-CN" altLang="en-US" sz="1200" b="0" i="0" kern="1200" smtClean="0">
+                <a:solidFill>
+                  <a:schemeClr val="tx1"/>
+                </a:solidFill>
+                <a:effectLst/>
+                <a:latin typeface="+mn-lt"/>
+                <a:ea typeface="+mn-ea"/>
+                <a:cs typeface="+mn-cs"/>
+              </a:rPr>
+              <a:t>（</a:t>
+            </a:r>
+            <a:r>
+              <a:rPr lang="en-US" altLang="zh-CN" sz="1200" b="0" i="0" kern="1200" smtClean="0">
+                <a:solidFill>
+                  <a:schemeClr val="tx1"/>
+                </a:solidFill>
+                <a:effectLst/>
+                <a:latin typeface="+mn-lt"/>
+                <a:ea typeface="+mn-ea"/>
+                <a:cs typeface="+mn-cs"/>
+              </a:rPr>
+              <a:t>3</a:t>
+            </a:r>
+            <a:r>
+              <a:rPr lang="zh-CN" altLang="en-US" sz="1200" b="0" i="0" kern="1200" smtClean="0">
+                <a:solidFill>
+                  <a:schemeClr val="tx1"/>
+                </a:solidFill>
+                <a:effectLst/>
+                <a:latin typeface="+mn-lt"/>
+                <a:ea typeface="+mn-ea"/>
+                <a:cs typeface="+mn-cs"/>
+              </a:rPr>
+              <a:t>）然后开始进行数据同步</a:t>
+            </a:r>
+            <a:r>
+              <a:rPr lang="zh-CN" altLang="en-US" sz="1200" b="0" i="0" kern="1200" smtClean="0">
+                <a:solidFill>
+                  <a:schemeClr val="tx1"/>
+                </a:solidFill>
+                <a:effectLst/>
+                <a:latin typeface="+mn-lt"/>
+                <a:ea typeface="+mn-ea"/>
+                <a:cs typeface="+mn-cs"/>
+              </a:rPr>
+              <a:t>，主节点</a:t>
+            </a:r>
+            <a:r>
+              <a:rPr lang="zh-CN" altLang="en-US" sz="1200" b="0" i="0" kern="1200" smtClean="0">
+                <a:solidFill>
+                  <a:schemeClr val="tx1"/>
+                </a:solidFill>
+                <a:effectLst/>
+                <a:latin typeface="+mn-lt"/>
+                <a:ea typeface="+mn-ea"/>
+                <a:cs typeface="+mn-cs"/>
+              </a:rPr>
+              <a:t>发送自己的日志</a:t>
+            </a:r>
+            <a:r>
+              <a:rPr lang="zh-CN" altLang="en-US" sz="1200" b="0" i="0" kern="1200" smtClean="0">
+                <a:solidFill>
+                  <a:schemeClr val="tx1"/>
+                </a:solidFill>
+                <a:effectLst/>
+                <a:latin typeface="+mn-lt"/>
+                <a:ea typeface="+mn-ea"/>
+                <a:cs typeface="+mn-cs"/>
+              </a:rPr>
+              <a:t>至从节点</a:t>
+            </a:r>
+            <a:r>
+              <a:rPr lang="zh-CN" altLang="en-US" sz="1200" b="0" i="0" kern="1200" smtClean="0">
+                <a:solidFill>
+                  <a:schemeClr val="tx1"/>
+                </a:solidFill>
+                <a:effectLst/>
+                <a:latin typeface="+mn-lt"/>
+                <a:ea typeface="+mn-ea"/>
+                <a:cs typeface="+mn-cs"/>
+              </a:rPr>
+              <a:t>中。当从节点接收</a:t>
+            </a:r>
+            <a:r>
+              <a:rPr lang="zh-CN" altLang="en-US" sz="1200" b="0" i="0" kern="1200" smtClean="0">
+                <a:solidFill>
+                  <a:schemeClr val="tx1"/>
+                </a:solidFill>
+                <a:effectLst/>
+                <a:latin typeface="+mn-lt"/>
+                <a:ea typeface="+mn-ea"/>
+                <a:cs typeface="+mn-cs"/>
+              </a:rPr>
+              <a:t>到主节点</a:t>
+            </a:r>
+            <a:r>
+              <a:rPr lang="zh-CN" altLang="en-US" sz="1200" b="0" i="0" kern="1200" smtClean="0">
+                <a:solidFill>
+                  <a:schemeClr val="tx1"/>
+                </a:solidFill>
+                <a:effectLst/>
+                <a:latin typeface="+mn-lt"/>
+                <a:ea typeface="+mn-ea"/>
+                <a:cs typeface="+mn-cs"/>
+              </a:rPr>
+              <a:t>发送的日志数据时，</a:t>
+            </a:r>
+            <a:r>
+              <a:rPr lang="zh-CN" altLang="en-US" sz="1200" b="1" i="0" kern="1200" smtClean="0">
+                <a:solidFill>
+                  <a:schemeClr val="tx1"/>
+                </a:solidFill>
+                <a:effectLst/>
+                <a:latin typeface="+mn-lt"/>
+                <a:ea typeface="+mn-ea"/>
+                <a:cs typeface="+mn-cs"/>
+              </a:rPr>
+              <a:t>需要判断所接收到的日志数据的索引值</a:t>
+            </a:r>
+            <a:r>
+              <a:rPr lang="en-US" altLang="zh-CN" sz="1200" b="1" i="0" kern="1200" smtClean="0">
+                <a:solidFill>
+                  <a:schemeClr val="tx1"/>
+                </a:solidFill>
+                <a:effectLst/>
+                <a:latin typeface="+mn-lt"/>
+                <a:ea typeface="+mn-ea"/>
+                <a:cs typeface="+mn-cs"/>
+              </a:rPr>
+              <a:t> </a:t>
+            </a:r>
+            <a:r>
+              <a:rPr lang="zh-CN" altLang="en-US" sz="1200" b="1" i="0" kern="1200" smtClean="0">
+                <a:solidFill>
+                  <a:schemeClr val="tx1"/>
+                </a:solidFill>
+                <a:effectLst/>
+                <a:latin typeface="+mn-lt"/>
+                <a:ea typeface="+mn-ea"/>
+                <a:cs typeface="+mn-cs"/>
+              </a:rPr>
+              <a:t>是否等于 从节点最新日志的索引值</a:t>
+            </a:r>
+            <a:r>
+              <a:rPr lang="en-US" altLang="zh-CN" sz="1200" b="1" i="0" kern="1200" smtClean="0">
+                <a:solidFill>
+                  <a:schemeClr val="tx1"/>
+                </a:solidFill>
+                <a:effectLst/>
+                <a:latin typeface="+mn-lt"/>
+                <a:ea typeface="+mn-ea"/>
+                <a:cs typeface="+mn-cs"/>
+              </a:rPr>
+              <a:t> + 1</a:t>
+            </a:r>
+            <a:r>
+              <a:rPr lang="zh-CN" altLang="en-US" sz="1200" b="1" i="0" kern="1200" smtClean="0">
+                <a:solidFill>
+                  <a:schemeClr val="tx1"/>
+                </a:solidFill>
+                <a:effectLst/>
+                <a:latin typeface="+mn-lt"/>
+                <a:ea typeface="+mn-ea"/>
+                <a:cs typeface="+mn-cs"/>
+              </a:rPr>
+              <a:t>？</a:t>
             </a:r>
             <a:endParaRPr lang="en-US" altLang="zh-CN" sz="1200" b="0" i="0" kern="1200" smtClean="0">
               <a:solidFill>
@@ -4864,7 +4792,7 @@
                 <a:ea typeface="+mn-ea"/>
                 <a:cs typeface="+mn-cs"/>
               </a:rPr>
-              <a:t>若不相等</a:t>
+              <a:t>若相等</a:t>
             </a:r>
             <a:r>
               <a:rPr lang="zh-CN" altLang="en-US" sz="1200" b="0" i="0" kern="1200" smtClean="0">
@@ -4876,10 +4804,10 @@
                 <a:ea typeface="+mn-ea"/>
                 <a:cs typeface="+mn-cs"/>
               </a:rPr>
-              <a:t>，则从节点拒绝接收该数据，说明从节点缺失了部分日志数据，</a:t>
-            </a:r>
-            <a:r>
-              <a:rPr lang="en-US" altLang="zh-CN" sz="1200" b="0" i="0" kern="1200" smtClean="0">
+              <a:t>，则</a:t>
+            </a:r>
+            <a:r>
+              <a:rPr lang="zh-CN" altLang="en-US" sz="1200" b="0" i="0" kern="1200" smtClean="0">
                 <a:solidFill>
                   <a:schemeClr val="tx1"/>
                 </a:solidFill>
@@ -4888,7 +4816,7 @@
                 <a:ea typeface="+mn-ea"/>
                 <a:cs typeface="+mn-cs"/>
               </a:rPr>
-              <a:t>Leader</a:t>
+              <a:t>说明主节点</a:t>
             </a:r>
             <a:r>
               <a:rPr lang="zh-CN" altLang="en-US" sz="1200" b="0" i="0" kern="1200" smtClean="0">
@@ -4900,10 +4828,21 @@
                 <a:ea typeface="+mn-ea"/>
                 <a:cs typeface="+mn-cs"/>
               </a:rPr>
-              <a:t>节点将发送上一条日志到从节点。直至</a:t>
-            </a:r>
-            <a:r>
-              <a:rPr lang="en-US" altLang="zh-CN" sz="1200" b="0" i="0" kern="1200" smtClean="0">
+              <a:t>需要从当前的日志索引位置开始同步日志数据值从节点</a:t>
+            </a:r>
+            <a:endParaRPr lang="en-US" altLang="zh-CN" sz="1200" b="0" i="0" kern="1200" smtClean="0">
+              <a:solidFill>
+                <a:schemeClr val="tx1"/>
+              </a:solidFill>
+              <a:effectLst/>
+              <a:latin typeface="+mn-lt"/>
+              <a:ea typeface="+mn-ea"/>
+              <a:cs typeface="+mn-cs"/>
+            </a:endParaRPr>
+          </a:p>
+          <a:p>
+            <a:r>
+              <a:rPr lang="zh-CN" altLang="en-US" sz="1200" b="1" i="0" kern="1200" smtClean="0">
                 <a:solidFill>
                   <a:schemeClr val="tx1"/>
                 </a:solidFill>
@@ -4912,7 +4851,7 @@
                 <a:ea typeface="+mn-ea"/>
                 <a:cs typeface="+mn-cs"/>
               </a:rPr>
-              <a:t>Leader</a:t>
+              <a:t>若不相等</a:t>
             </a:r>
             <a:r>
               <a:rPr lang="zh-CN" altLang="en-US" sz="1200" b="0" i="0" kern="1200" smtClean="0">
@@ -4924,10 +4863,10 @@
                 <a:ea typeface="+mn-ea"/>
                 <a:cs typeface="+mn-cs"/>
               </a:rPr>
-              <a:t>节点发送日志数据的索引值</a:t>
-            </a:r>
-            <a:r>
-              <a:rPr lang="en-US" altLang="zh-CN" sz="1200" b="0" i="0" kern="1200" smtClean="0">
+              <a:t>，则从节点拒绝接收该数据，说明从节点缺失了部分日志数据</a:t>
+            </a:r>
+            <a:r>
+              <a:rPr lang="zh-CN" altLang="en-US" sz="1200" b="0" i="0" kern="1200" smtClean="0">
                 <a:solidFill>
                   <a:schemeClr val="tx1"/>
                 </a:solidFill>
@@ -4936,10 +4875,10 @@
                 <a:ea typeface="+mn-ea"/>
                 <a:cs typeface="+mn-cs"/>
               </a:rPr>
-              <a:t> </a:t>
-            </a:r>
-            <a:r>
-              <a:rPr lang="zh-CN" altLang="en-US" sz="1200" b="1" i="0" kern="1200" smtClean="0">
+              <a:t>，主节点</a:t>
+            </a:r>
+            <a:r>
+              <a:rPr lang="zh-CN" altLang="en-US" sz="1200" b="0" i="0" kern="1200" smtClean="0">
                 <a:solidFill>
                   <a:schemeClr val="tx1"/>
                 </a:solidFill>
@@ -4948,7 +4887,7 @@
                 <a:ea typeface="+mn-ea"/>
                 <a:cs typeface="+mn-cs"/>
               </a:rPr>
-              <a:t>等于</a:t>
+              <a:t>将发送上一条日志到从节点。</a:t>
             </a:r>
             <a:r>
               <a:rPr lang="zh-CN" altLang="en-US" sz="1200" b="0" i="0" kern="1200" smtClean="0">
@@ -4960,10 +4899,10 @@
                 <a:ea typeface="+mn-ea"/>
                 <a:cs typeface="+mn-cs"/>
               </a:rPr>
-              <a:t> 从节点最新日志的索引值</a:t>
-            </a:r>
-            <a:r>
-              <a:rPr lang="en-US" altLang="zh-CN" sz="1200" b="0" i="0" kern="1200" smtClean="0">
+              <a:t>直至主节点</a:t>
+            </a:r>
+            <a:r>
+              <a:rPr lang="zh-CN" altLang="en-US" sz="1200" b="0" i="0" kern="1200" smtClean="0">
                 <a:solidFill>
                   <a:schemeClr val="tx1"/>
                 </a:solidFill>
@@ -4972,10 +4911,10 @@
                 <a:ea typeface="+mn-ea"/>
                 <a:cs typeface="+mn-cs"/>
               </a:rPr>
-              <a:t> + 1</a:t>
-            </a:r>
-            <a:r>
-              <a:rPr lang="zh-CN" altLang="en-US" sz="1200" b="0" i="0" kern="1200" smtClean="0">
+              <a:t>发送日志数据的索引值</a:t>
+            </a:r>
+            <a:r>
+              <a:rPr lang="en-US" altLang="zh-CN" sz="1200" b="0" i="0" kern="1200" smtClean="0">
                 <a:solidFill>
                   <a:schemeClr val="tx1"/>
                 </a:solidFill>
@@ -4984,10 +4923,10 @@
                 <a:ea typeface="+mn-ea"/>
                 <a:cs typeface="+mn-cs"/>
               </a:rPr>
-              <a:t>。</a:t>
-            </a:r>
-            <a:r>
-              <a:rPr lang="en-US" altLang="zh-CN" sz="1200" b="0" i="0" kern="1200" smtClean="0">
+              <a:t> </a:t>
+            </a:r>
+            <a:r>
+              <a:rPr lang="zh-CN" altLang="en-US" sz="1200" b="1" i="0" kern="1200" smtClean="0">
                 <a:solidFill>
                   <a:schemeClr val="tx1"/>
                 </a:solidFill>
@@ -4996,7 +4935,7 @@
                 <a:ea typeface="+mn-ea"/>
                 <a:cs typeface="+mn-cs"/>
               </a:rPr>
-              <a:t>Leader</a:t>
+              <a:t>等于</a:t>
             </a:r>
             <a:r>
               <a:rPr lang="zh-CN" altLang="en-US" sz="1200" b="0" i="0" kern="1200" smtClean="0">
@@ -5008,7 +4947,7 @@
                 <a:ea typeface="+mn-ea"/>
                 <a:cs typeface="+mn-cs"/>
               </a:rPr>
-              <a:t>节点从此处开始同步日志数据到从节点中。（这就保证了所有从节点的日志数据可以和</a:t>
+              <a:t> 从节点最新日志的索引值</a:t>
             </a:r>
             <a:r>
               <a:rPr lang="en-US" altLang="zh-CN" sz="1200" b="0" i="0" kern="1200" smtClean="0">
@@ -5020,7 +4959,7 @@
                 <a:ea typeface="+mn-ea"/>
                 <a:cs typeface="+mn-cs"/>
               </a:rPr>
-              <a:t>Leader</a:t>
+              <a:t> + 1</a:t>
             </a:r>
             <a:r>
               <a:rPr lang="zh-CN" altLang="en-US" sz="1200" b="0" i="0" kern="1200" smtClean="0">
@@ -5032,7 +4971,43 @@
                 <a:ea typeface="+mn-ea"/>
                 <a:cs typeface="+mn-cs"/>
               </a:rPr>
-              <a:t>节点的日志数据一致）</a:t>
+              <a:t>。主节点</a:t>
+            </a:r>
+            <a:r>
+              <a:rPr lang="zh-CN" altLang="en-US" sz="1200" b="0" i="0" kern="1200" smtClean="0">
+                <a:solidFill>
+                  <a:schemeClr val="tx1"/>
+                </a:solidFill>
+                <a:effectLst/>
+                <a:latin typeface="+mn-lt"/>
+                <a:ea typeface="+mn-ea"/>
+                <a:cs typeface="+mn-cs"/>
+              </a:rPr>
+              <a:t>从此处开始同步日志数据到从节点中。（这就保证了所有从节点的日志数据可以</a:t>
+            </a:r>
+            <a:r>
+              <a:rPr lang="zh-CN" altLang="en-US" sz="1200" b="0" i="0" kern="1200" smtClean="0">
+                <a:solidFill>
+                  <a:schemeClr val="tx1"/>
+                </a:solidFill>
+                <a:effectLst/>
+                <a:latin typeface="+mn-lt"/>
+                <a:ea typeface="+mn-ea"/>
+                <a:cs typeface="+mn-cs"/>
+              </a:rPr>
+              <a:t>和主节点</a:t>
+            </a:r>
+            <a:r>
+              <a:rPr lang="zh-CN" altLang="en-US" sz="1200" b="0" i="0" kern="1200" smtClean="0">
+                <a:solidFill>
+                  <a:schemeClr val="tx1"/>
+                </a:solidFill>
+                <a:effectLst/>
+                <a:latin typeface="+mn-lt"/>
+                <a:ea typeface="+mn-ea"/>
+                <a:cs typeface="+mn-cs"/>
+              </a:rPr>
+              <a:t>的日志数据一致）</a:t>
             </a:r>
             <a:endParaRPr lang="en-US" altLang="zh-CN" sz="1200" b="0" i="0" kern="1200" smtClean="0">
               <a:solidFill>
@@ -5144,6 +5119,134 @@
           <a:lstStyle/>
           <a:p>
             <a:r>
+              <a:rPr lang="en-US" altLang="zh-CN" smtClean="0"/>
+              <a:t>1</a:t>
+            </a:r>
+            <a:r>
+              <a:rPr lang="zh-CN" altLang="en-US" smtClean="0"/>
+              <a:t>、</a:t>
+            </a:r>
+            <a:r>
+              <a:rPr lang="en-US" altLang="zh-CN" smtClean="0"/>
+              <a:t>Leader</a:t>
+            </a:r>
+            <a:r>
+              <a:rPr lang="zh-CN" altLang="en-US" smtClean="0"/>
+              <a:t>选举过程可分为</a:t>
+            </a:r>
+            <a:r>
+              <a:rPr lang="en-US" altLang="zh-CN" smtClean="0"/>
+              <a:t>3</a:t>
+            </a:r>
+            <a:r>
+              <a:rPr lang="zh-CN" altLang="en-US" smtClean="0"/>
+              <a:t>个阶段：</a:t>
+            </a:r>
+            <a:endParaRPr lang="en-US" altLang="zh-CN" smtClean="0"/>
+          </a:p>
+          <a:p>
+            <a:r>
+              <a:rPr lang="zh-CN" altLang="en-US" smtClean="0"/>
+              <a:t>（</a:t>
+            </a:r>
+            <a:r>
+              <a:rPr lang="en-US" altLang="zh-CN" smtClean="0"/>
+              <a:t>1</a:t>
+            </a:r>
+            <a:r>
+              <a:rPr lang="zh-CN" altLang="en-US" smtClean="0"/>
+              <a:t>）第一阶段</a:t>
+            </a:r>
+            <a:r>
+              <a:rPr lang="zh-CN" altLang="en-US" smtClean="0"/>
+              <a:t>：从节点 </a:t>
+            </a:r>
+            <a:r>
+              <a:rPr lang="en-US" altLang="zh-CN" smtClean="0"/>
+              <a:t>=》</a:t>
+            </a:r>
+            <a:r>
+              <a:rPr lang="zh-CN" altLang="en-US" smtClean="0"/>
+              <a:t>候选人</a:t>
+            </a:r>
+            <a:endParaRPr lang="en-US" altLang="zh-CN" smtClean="0"/>
+          </a:p>
+          <a:p>
+            <a:r>
+              <a:rPr lang="zh-CN" altLang="en-US" smtClean="0"/>
+              <a:t>（</a:t>
+            </a:r>
+            <a:r>
+              <a:rPr lang="en-US" altLang="zh-CN" smtClean="0"/>
+              <a:t>2</a:t>
+            </a:r>
+            <a:r>
+              <a:rPr lang="zh-CN" altLang="en-US" smtClean="0"/>
+              <a:t>）第二阶段</a:t>
+            </a:r>
+            <a:r>
+              <a:rPr lang="zh-CN" altLang="en-US" smtClean="0"/>
+              <a:t>：候选人 </a:t>
+            </a:r>
+            <a:r>
+              <a:rPr lang="en-US" altLang="zh-CN" smtClean="0"/>
+              <a:t>=》 </a:t>
+            </a:r>
+            <a:r>
+              <a:rPr lang="zh-CN" altLang="en-US" smtClean="0"/>
+              <a:t>主节点</a:t>
+            </a:r>
+            <a:endParaRPr lang="en-US" altLang="zh-CN" smtClean="0"/>
+          </a:p>
+          <a:p>
+            <a:r>
+              <a:rPr lang="zh-CN" altLang="en-US" smtClean="0"/>
+              <a:t>（</a:t>
+            </a:r>
+            <a:r>
+              <a:rPr lang="en-US" altLang="zh-CN" smtClean="0"/>
+              <a:t>3</a:t>
+            </a:r>
+            <a:r>
+              <a:rPr lang="zh-CN" altLang="en-US" smtClean="0"/>
+              <a:t>）第三阶段</a:t>
+            </a:r>
+            <a:r>
+              <a:rPr lang="zh-CN" altLang="en-US" smtClean="0"/>
+              <a:t>：主节点宕机后，在恢复时加入集群</a:t>
+            </a:r>
+            <a:endParaRPr lang="en-US" altLang="zh-CN" smtClean="0"/>
+          </a:p>
+          <a:p>
+            <a:endParaRPr lang="en-US" altLang="zh-CN" smtClean="0"/>
+          </a:p>
+          <a:p>
+            <a:pPr marL="0" marR="0" lvl="0" indent="0" algn="l" defTabSz="914400" rtl="0" eaLnBrk="1" fontAlgn="auto" latinLnBrk="0" hangingPunct="1">
+              <a:lnSpc>
+                <a:spcPct val="100000"/>
+              </a:lnSpc>
+              <a:spcBef>
+                <a:spcPts val="0"/>
+              </a:spcBef>
+              <a:spcAft>
+                <a:spcPts val="0"/>
+              </a:spcAft>
+              <a:buClrTx/>
+              <a:buSzTx/>
+              <a:buFontTx/>
+              <a:buNone/>
+              <a:tabLst/>
+              <a:defRPr/>
+            </a:pPr>
+            <a:r>
+              <a:rPr lang="en-US" altLang="zh-CN" smtClean="0"/>
+              <a:t>2</a:t>
+            </a:r>
+            <a:r>
+              <a:rPr lang="zh-CN" altLang="en-US" smtClean="0"/>
+              <a:t>、</a:t>
+            </a:r>
+            <a:r>
               <a:rPr lang="zh-CN" altLang="en-US" sz="1200" b="0" i="0" kern="1200" smtClean="0">
                 <a:solidFill>
                   <a:schemeClr val="tx1"/>
@@ -5165,7 +5268,7 @@
                 <a:ea typeface="+mn-ea"/>
                 <a:cs typeface="+mn-cs"/>
               </a:rPr>
-              <a:t>Leader</a:t>
+              <a:t>ETCD</a:t>
             </a:r>
             <a:r>
               <a:rPr lang="zh-CN" altLang="en-US" sz="1200" b="0" i="0" kern="1200" smtClean="0">
@@ -5177,7 +5280,7 @@
                 <a:ea typeface="+mn-ea"/>
                 <a:cs typeface="+mn-cs"/>
               </a:rPr>
-              <a:t>节点不存在，或者宕机时，就进行</a:t>
+              <a:t>集群启动时、或者主节点宕机时，才会进行</a:t>
             </a:r>
             <a:r>
               <a:rPr lang="en-US" altLang="zh-CN" sz="1200" b="0" i="0" kern="1200" smtClean="0">
@@ -5202,6 +5305,398 @@
                 <a:cs typeface="+mn-cs"/>
               </a:rPr>
               <a:t>选举。</a:t>
+            </a:r>
+            <a:endParaRPr lang="en-US" altLang="zh-CN" smtClean="0"/>
+          </a:p>
+          <a:p>
+            <a:r>
+              <a:rPr lang="zh-CN" altLang="en-US" smtClean="0"/>
+              <a:t>接下来就讲解一下</a:t>
+            </a:r>
+            <a:r>
+              <a:rPr lang="en-US" altLang="zh-CN" smtClean="0"/>
+              <a:t>ETCD</a:t>
+            </a:r>
+            <a:r>
+              <a:rPr lang="zh-CN" altLang="en-US" smtClean="0"/>
+              <a:t>集群启动时的</a:t>
+            </a:r>
+            <a:r>
+              <a:rPr lang="en-US" altLang="zh-CN" smtClean="0"/>
+              <a:t>Leader</a:t>
+            </a:r>
+            <a:r>
+              <a:rPr lang="zh-CN" altLang="en-US" smtClean="0"/>
+              <a:t>选举、以及</a:t>
+            </a:r>
+            <a:r>
+              <a:rPr lang="en-US" altLang="zh-CN" smtClean="0"/>
+              <a:t>Leader</a:t>
+            </a:r>
+            <a:r>
+              <a:rPr lang="zh-CN" altLang="en-US" smtClean="0"/>
+              <a:t>节点宕机后的</a:t>
+            </a:r>
+            <a:r>
+              <a:rPr lang="en-US" altLang="zh-CN" smtClean="0"/>
+              <a:t>Leader</a:t>
+            </a:r>
+            <a:r>
+              <a:rPr lang="zh-CN" altLang="en-US" smtClean="0"/>
+              <a:t>选举流程，就可以了解整个</a:t>
+            </a:r>
+            <a:r>
+              <a:rPr lang="en-US" altLang="zh-CN" smtClean="0"/>
+              <a:t>Leader</a:t>
+            </a:r>
+            <a:r>
+              <a:rPr lang="zh-CN" altLang="en-US" smtClean="0"/>
+              <a:t>的选举流程</a:t>
+            </a:r>
+            <a:endParaRPr lang="en-US" altLang="zh-CN" smtClean="0"/>
+          </a:p>
+          <a:p>
+            <a:endParaRPr lang="en-US" altLang="zh-CN" smtClean="0"/>
+          </a:p>
+          <a:p>
+            <a:r>
+              <a:rPr lang="zh-CN" altLang="en-US" sz="1200" b="1" i="0" kern="1200" smtClean="0">
+                <a:solidFill>
+                  <a:schemeClr val="tx1"/>
+                </a:solidFill>
+                <a:effectLst/>
+                <a:latin typeface="+mn-lt"/>
+                <a:ea typeface="+mn-ea"/>
+                <a:cs typeface="+mn-cs"/>
+              </a:rPr>
+              <a:t>（</a:t>
+            </a:r>
+            <a:r>
+              <a:rPr lang="en-US" altLang="zh-CN" sz="1200" b="1" i="0" kern="1200" smtClean="0">
+                <a:solidFill>
+                  <a:schemeClr val="tx1"/>
+                </a:solidFill>
+                <a:effectLst/>
+                <a:latin typeface="+mn-lt"/>
+                <a:ea typeface="+mn-ea"/>
+                <a:cs typeface="+mn-cs"/>
+              </a:rPr>
+              <a:t>1</a:t>
+            </a:r>
+            <a:r>
+              <a:rPr lang="zh-CN" altLang="en-US" sz="1200" b="1" i="0" kern="1200" smtClean="0">
+                <a:solidFill>
+                  <a:schemeClr val="tx1"/>
+                </a:solidFill>
+                <a:effectLst/>
+                <a:latin typeface="+mn-lt"/>
+                <a:ea typeface="+mn-ea"/>
+                <a:cs typeface="+mn-cs"/>
+              </a:rPr>
+              <a:t>）首先，</a:t>
+            </a:r>
+            <a:r>
+              <a:rPr lang="en-US" altLang="zh-CN" sz="1200" b="1" i="0" kern="1200" smtClean="0">
+                <a:solidFill>
+                  <a:schemeClr val="tx1"/>
+                </a:solidFill>
+                <a:effectLst/>
+                <a:latin typeface="+mn-lt"/>
+                <a:ea typeface="+mn-ea"/>
+                <a:cs typeface="+mn-cs"/>
+              </a:rPr>
+              <a:t>ETCD</a:t>
+            </a:r>
+            <a:r>
+              <a:rPr lang="zh-CN" altLang="en-US" sz="1200" b="1" i="0" kern="1200" smtClean="0">
+                <a:solidFill>
+                  <a:schemeClr val="tx1"/>
+                </a:solidFill>
+                <a:effectLst/>
+                <a:latin typeface="+mn-lt"/>
+                <a:ea typeface="+mn-ea"/>
+                <a:cs typeface="+mn-cs"/>
+              </a:rPr>
+              <a:t>集群启动</a:t>
+            </a:r>
+            <a:endParaRPr lang="zh-CN" altLang="en-US" sz="1200" b="0" i="0" kern="1200" smtClean="0">
+              <a:solidFill>
+                <a:schemeClr val="tx1"/>
+              </a:solidFill>
+              <a:effectLst/>
+              <a:latin typeface="+mn-lt"/>
+              <a:ea typeface="+mn-ea"/>
+              <a:cs typeface="+mn-cs"/>
+            </a:endParaRPr>
+          </a:p>
+          <a:p>
+            <a:r>
+              <a:rPr lang="en-US" altLang="zh-CN" sz="1200" b="0" i="0" kern="1200" smtClean="0">
+                <a:solidFill>
+                  <a:schemeClr val="tx1"/>
+                </a:solidFill>
+                <a:effectLst/>
+                <a:latin typeface="+mn-lt"/>
+                <a:ea typeface="+mn-ea"/>
+                <a:cs typeface="+mn-cs"/>
+              </a:rPr>
+              <a:t>1</a:t>
+            </a:r>
+            <a:r>
+              <a:rPr lang="zh-CN" altLang="en-US" sz="1200" b="0" i="0" kern="1200" smtClean="0">
+                <a:solidFill>
+                  <a:schemeClr val="tx1"/>
+                </a:solidFill>
+                <a:effectLst/>
+                <a:latin typeface="+mn-lt"/>
+                <a:ea typeface="+mn-ea"/>
+                <a:cs typeface="+mn-cs"/>
+              </a:rPr>
+              <a:t>）</a:t>
+            </a:r>
+            <a:r>
+              <a:rPr lang="en-US" altLang="zh-CN" sz="1200" b="0" i="0" kern="1200" smtClean="0">
+                <a:solidFill>
+                  <a:schemeClr val="tx1"/>
+                </a:solidFill>
+                <a:effectLst/>
+                <a:latin typeface="+mn-lt"/>
+                <a:ea typeface="+mn-ea"/>
+                <a:cs typeface="+mn-cs"/>
+              </a:rPr>
+              <a:t>ETCD</a:t>
+            </a:r>
+            <a:r>
+              <a:rPr lang="zh-CN" altLang="en-US" sz="1200" b="0" i="0" kern="1200" smtClean="0">
+                <a:solidFill>
+                  <a:schemeClr val="tx1"/>
+                </a:solidFill>
+                <a:effectLst/>
+                <a:latin typeface="+mn-lt"/>
+                <a:ea typeface="+mn-ea"/>
+                <a:cs typeface="+mn-cs"/>
+              </a:rPr>
+              <a:t>集群启动时，</a:t>
+            </a:r>
+            <a:r>
+              <a:rPr lang="en-US" altLang="zh-CN" sz="1200" b="0" i="0" kern="1200" smtClean="0">
+                <a:solidFill>
+                  <a:schemeClr val="tx1"/>
+                </a:solidFill>
+                <a:effectLst/>
+                <a:latin typeface="+mn-lt"/>
+                <a:ea typeface="+mn-ea"/>
+                <a:cs typeface="+mn-cs"/>
+              </a:rPr>
+              <a:t>Raft</a:t>
+            </a:r>
+            <a:r>
+              <a:rPr lang="zh-CN" altLang="en-US" sz="1200" b="0" i="0" kern="1200" smtClean="0">
+                <a:solidFill>
+                  <a:schemeClr val="tx1"/>
+                </a:solidFill>
+                <a:effectLst/>
+                <a:latin typeface="+mn-lt"/>
+                <a:ea typeface="+mn-ea"/>
+                <a:cs typeface="+mn-cs"/>
+              </a:rPr>
+              <a:t>算法给每个节点设置了随机的超时时间（控制在一定范围内的随机值），这样可以降低同时出现多个从节点心跳超时的概率，减小选票瓜分出现的情况。</a:t>
+            </a:r>
+          </a:p>
+          <a:p>
+            <a:r>
+              <a:rPr lang="en-US" altLang="zh-CN" sz="1200" b="0" i="0" kern="1200" smtClean="0">
+                <a:solidFill>
+                  <a:schemeClr val="tx1"/>
+                </a:solidFill>
+                <a:effectLst/>
+                <a:latin typeface="+mn-lt"/>
+                <a:ea typeface="+mn-ea"/>
+                <a:cs typeface="+mn-cs"/>
+              </a:rPr>
+              <a:t>2</a:t>
+            </a:r>
+            <a:r>
+              <a:rPr lang="zh-CN" altLang="en-US" sz="1200" b="0" i="0" kern="1200" smtClean="0">
+                <a:solidFill>
+                  <a:schemeClr val="tx1"/>
+                </a:solidFill>
+                <a:effectLst/>
+                <a:latin typeface="+mn-lt"/>
+                <a:ea typeface="+mn-ea"/>
+                <a:cs typeface="+mn-cs"/>
+              </a:rPr>
+              <a:t>）此时，集群中的节点都是从节点，不存在主节点。需要从从节点中选举出一个主节点。</a:t>
+            </a:r>
+          </a:p>
+          <a:p>
+            <a:r>
+              <a:rPr lang="en-US" altLang="zh-CN" sz="1200" b="0" i="0" kern="1200" smtClean="0">
+                <a:solidFill>
+                  <a:schemeClr val="tx1"/>
+                </a:solidFill>
+                <a:effectLst/>
+                <a:latin typeface="+mn-lt"/>
+                <a:ea typeface="+mn-ea"/>
+                <a:cs typeface="+mn-cs"/>
+              </a:rPr>
+              <a:t>3</a:t>
+            </a:r>
+            <a:r>
+              <a:rPr lang="zh-CN" altLang="en-US" sz="1200" b="0" i="0" kern="1200" smtClean="0">
+                <a:solidFill>
+                  <a:schemeClr val="tx1"/>
+                </a:solidFill>
+                <a:effectLst/>
+                <a:latin typeface="+mn-lt"/>
+                <a:ea typeface="+mn-ea"/>
+                <a:cs typeface="+mn-cs"/>
+              </a:rPr>
+              <a:t>）等待集群中有一个从节点出现心跳超时，该从节点 </a:t>
+            </a:r>
+            <a:r>
+              <a:rPr lang="en-US" altLang="zh-CN" sz="1200" b="0" i="0" kern="1200" smtClean="0">
+                <a:solidFill>
+                  <a:schemeClr val="tx1"/>
+                </a:solidFill>
+                <a:effectLst/>
+                <a:latin typeface="+mn-lt"/>
+                <a:ea typeface="+mn-ea"/>
+                <a:cs typeface="+mn-cs"/>
+              </a:rPr>
+              <a:t>=》</a:t>
+            </a:r>
+            <a:r>
+              <a:rPr lang="zh-CN" altLang="en-US" sz="1200" b="0" i="0" kern="1200" smtClean="0">
+                <a:solidFill>
+                  <a:schemeClr val="tx1"/>
+                </a:solidFill>
+                <a:effectLst/>
+                <a:latin typeface="+mn-lt"/>
+                <a:ea typeface="+mn-ea"/>
+                <a:cs typeface="+mn-cs"/>
+              </a:rPr>
+              <a:t>候选人</a:t>
+            </a:r>
+            <a:r>
+              <a:rPr lang="zh-CN" altLang="en-US" sz="1200" b="1" i="0" kern="1200" smtClean="0">
+                <a:solidFill>
+                  <a:schemeClr val="tx1"/>
+                </a:solidFill>
+                <a:effectLst/>
+                <a:latin typeface="+mn-lt"/>
+                <a:ea typeface="+mn-ea"/>
+                <a:cs typeface="+mn-cs"/>
+              </a:rPr>
+              <a:t>（并给自己的任期 </a:t>
+            </a:r>
+            <a:r>
+              <a:rPr lang="en-US" altLang="zh-CN" sz="1200" b="1" i="0" kern="1200" smtClean="0">
+                <a:solidFill>
+                  <a:schemeClr val="tx1"/>
+                </a:solidFill>
+                <a:effectLst/>
+                <a:latin typeface="+mn-lt"/>
+                <a:ea typeface="+mn-ea"/>
+                <a:cs typeface="+mn-cs"/>
+              </a:rPr>
+              <a:t>+ 1</a:t>
+            </a:r>
+            <a:r>
+              <a:rPr lang="zh-CN" altLang="en-US" sz="1200" b="1" i="0" kern="1200" smtClean="0">
+                <a:solidFill>
+                  <a:schemeClr val="tx1"/>
+                </a:solidFill>
+                <a:effectLst/>
+                <a:latin typeface="+mn-lt"/>
+                <a:ea typeface="+mn-ea"/>
+                <a:cs typeface="+mn-cs"/>
+              </a:rPr>
+              <a:t>）</a:t>
+            </a:r>
+            <a:r>
+              <a:rPr lang="zh-CN" altLang="en-US" sz="1200" b="0" i="0" kern="1200" smtClean="0">
+                <a:solidFill>
+                  <a:schemeClr val="tx1"/>
+                </a:solidFill>
+                <a:effectLst/>
+                <a:latin typeface="+mn-lt"/>
+                <a:ea typeface="+mn-ea"/>
+                <a:cs typeface="+mn-cs"/>
+              </a:rPr>
+              <a:t>，开始给其他节点发起投票请求，即：进入选举。（一般来说，因为设置了随机超时时间，所以集群刚启动时，同时只有一个从节点 </a:t>
+            </a:r>
+            <a:r>
+              <a:rPr lang="en-US" altLang="zh-CN" sz="1200" b="0" i="0" kern="1200" smtClean="0">
+                <a:solidFill>
+                  <a:schemeClr val="tx1"/>
+                </a:solidFill>
+                <a:effectLst/>
+                <a:latin typeface="+mn-lt"/>
+                <a:ea typeface="+mn-ea"/>
+                <a:cs typeface="+mn-cs"/>
+              </a:rPr>
+              <a:t>=》</a:t>
+            </a:r>
+            <a:r>
+              <a:rPr lang="zh-CN" altLang="en-US" sz="1200" b="0" i="0" kern="1200" smtClean="0">
+                <a:solidFill>
+                  <a:schemeClr val="tx1"/>
+                </a:solidFill>
+                <a:effectLst/>
+                <a:latin typeface="+mn-lt"/>
+                <a:ea typeface="+mn-ea"/>
+                <a:cs typeface="+mn-cs"/>
+              </a:rPr>
+              <a:t>候选人，这个阶段进行</a:t>
+            </a:r>
+            <a:r>
+              <a:rPr lang="en-US" altLang="zh-CN" sz="1200" b="0" i="0" kern="1200" smtClean="0">
+                <a:solidFill>
+                  <a:schemeClr val="tx1"/>
+                </a:solidFill>
+                <a:effectLst/>
+                <a:latin typeface="+mn-lt"/>
+                <a:ea typeface="+mn-ea"/>
+                <a:cs typeface="+mn-cs"/>
+              </a:rPr>
+              <a:t>Leader</a:t>
+            </a:r>
+            <a:r>
+              <a:rPr lang="zh-CN" altLang="en-US" sz="1200" b="0" i="0" kern="1200" smtClean="0">
+                <a:solidFill>
+                  <a:schemeClr val="tx1"/>
+                </a:solidFill>
+                <a:effectLst/>
+                <a:latin typeface="+mn-lt"/>
+                <a:ea typeface="+mn-ea"/>
+                <a:cs typeface="+mn-cs"/>
+              </a:rPr>
+              <a:t>选举，可以成功获取</a:t>
+            </a:r>
+            <a:r>
+              <a:rPr lang="en-US" altLang="zh-CN" sz="1200" b="0" i="0" kern="1200" smtClean="0">
+                <a:solidFill>
+                  <a:schemeClr val="tx1"/>
+                </a:solidFill>
+                <a:effectLst/>
+                <a:latin typeface="+mn-lt"/>
+                <a:ea typeface="+mn-ea"/>
+                <a:cs typeface="+mn-cs"/>
+              </a:rPr>
+              <a:t>50%</a:t>
+            </a:r>
+            <a:r>
+              <a:rPr lang="zh-CN" altLang="en-US" sz="1200" b="0" i="0" kern="1200" smtClean="0">
+                <a:solidFill>
+                  <a:schemeClr val="tx1"/>
+                </a:solidFill>
+                <a:effectLst/>
+                <a:latin typeface="+mn-lt"/>
+                <a:ea typeface="+mn-ea"/>
+                <a:cs typeface="+mn-cs"/>
+              </a:rPr>
+              <a:t>以上的选票，产生一个主节点）</a:t>
             </a:r>
             <a:endParaRPr lang="en-US" altLang="zh-CN" sz="1200" b="0" i="0" kern="1200" smtClean="0">
               <a:solidFill>
@@ -5214,54 +5709,6 @@
             </a:endParaRPr>
           </a:p>
           <a:p>
-            <a:r>
-              <a:rPr lang="en-US" altLang="zh-CN" sz="1200" b="0" i="0" kern="1200" smtClean="0">
-                <a:solidFill>
-                  <a:schemeClr val="tx1"/>
-                </a:solidFill>
-                <a:effectLst/>
-                <a:latin typeface="+mn-lt"/>
-                <a:ea typeface="+mn-ea"/>
-                <a:cs typeface="+mn-cs"/>
-              </a:rPr>
-              <a:t>1</a:t>
-            </a:r>
-            <a:r>
-              <a:rPr lang="zh-CN" altLang="en-US" sz="1200" b="0" i="0" kern="1200" smtClean="0">
-                <a:solidFill>
-                  <a:schemeClr val="tx1"/>
-                </a:solidFill>
-                <a:effectLst/>
-                <a:latin typeface="+mn-lt"/>
-                <a:ea typeface="+mn-ea"/>
-                <a:cs typeface="+mn-cs"/>
-              </a:rPr>
-              <a:t>、大致讲述一下</a:t>
-            </a:r>
-            <a:r>
-              <a:rPr lang="en-US" altLang="zh-CN" sz="1200" b="0" i="0" kern="1200" smtClean="0">
-                <a:solidFill>
-                  <a:schemeClr val="tx1"/>
-                </a:solidFill>
-                <a:effectLst/>
-                <a:latin typeface="+mn-lt"/>
-                <a:ea typeface="+mn-ea"/>
-                <a:cs typeface="+mn-cs"/>
-              </a:rPr>
-              <a:t>Leader</a:t>
-            </a:r>
-            <a:r>
-              <a:rPr lang="zh-CN" altLang="en-US" sz="1200" b="0" i="0" kern="1200" smtClean="0">
-                <a:solidFill>
-                  <a:schemeClr val="tx1"/>
-                </a:solidFill>
-                <a:effectLst/>
-                <a:latin typeface="+mn-lt"/>
-                <a:ea typeface="+mn-ea"/>
-                <a:cs typeface="+mn-cs"/>
-              </a:rPr>
-              <a:t>的选举流程：</a:t>
-            </a:r>
             <a:endParaRPr lang="en-US" altLang="zh-CN" sz="1200" b="0" i="0" kern="1200" smtClean="0">
               <a:solidFill>
                 <a:schemeClr val="tx1"/>
@@ -5274,7 +5721,7 @@
           </a:p>
           <a:p>
             <a:r>
-              <a:rPr lang="zh-CN" altLang="en-US" sz="1200" b="0" i="0" kern="1200" smtClean="0">
+              <a:rPr lang="zh-CN" altLang="en-US" sz="1200" b="1" i="0" kern="1200" smtClean="0">
                 <a:solidFill>
                   <a:schemeClr val="tx1"/>
                 </a:solidFill>
@@ -5286,7 +5733,7 @@
               <a:t>（</a:t>
             </a:r>
             <a:r>
-              <a:rPr lang="en-US" altLang="zh-CN" sz="1200" b="0" i="0" kern="1200" smtClean="0">
+              <a:rPr lang="en-US" altLang="zh-CN" sz="1200" b="1" i="0" kern="1200" smtClean="0">
                 <a:solidFill>
                   <a:schemeClr val="tx1"/>
                 </a:solidFill>
@@ -5295,10 +5742,10 @@
                 <a:ea typeface="+mn-ea"/>
                 <a:cs typeface="+mn-cs"/>
               </a:rPr>
-              <a:t>1</a:t>
-            </a:r>
-            <a:r>
-              <a:rPr lang="zh-CN" altLang="en-US" sz="1200" b="0" i="0" kern="1200" smtClean="0">
+              <a:t>2</a:t>
+            </a:r>
+            <a:r>
+              <a:rPr lang="zh-CN" altLang="en-US" sz="1200" b="1" i="0" kern="1200" smtClean="0">
                 <a:solidFill>
                   <a:schemeClr val="tx1"/>
                 </a:solidFill>
@@ -5307,10 +5754,10 @@
                 <a:ea typeface="+mn-ea"/>
                 <a:cs typeface="+mn-cs"/>
               </a:rPr>
-              <a:t>）</a:t>
-            </a:r>
-            <a:r>
-              <a:rPr lang="en-US" altLang="zh-CN" sz="1200" b="0" i="0" kern="1200" smtClean="0">
+              <a:t>）其次，就是</a:t>
+            </a:r>
+            <a:r>
+              <a:rPr lang="en-US" altLang="zh-CN" sz="1200" b="1" i="0" kern="1200" smtClean="0">
                 <a:solidFill>
                   <a:schemeClr val="tx1"/>
                 </a:solidFill>
@@ -5322,7 +5769,7 @@
               <a:t>ETCD</a:t>
             </a:r>
             <a:r>
-              <a:rPr lang="zh-CN" altLang="en-US" sz="1200" b="0" i="0" kern="1200" smtClean="0">
+              <a:rPr lang="zh-CN" altLang="en-US" sz="1200" b="1" i="0" kern="1200" smtClean="0">
                 <a:solidFill>
                   <a:schemeClr val="tx1"/>
                 </a:solidFill>
@@ -5331,10 +5778,10 @@
                 <a:ea typeface="+mn-ea"/>
                 <a:cs typeface="+mn-cs"/>
               </a:rPr>
-              <a:t>集群启动之后，会自动选举出一个</a:t>
-            </a:r>
-            <a:r>
-              <a:rPr lang="en-US" altLang="zh-CN" sz="1200" b="0" i="0" kern="1200" smtClean="0">
+              <a:t>集群的</a:t>
+            </a:r>
+            <a:r>
+              <a:rPr lang="en-US" altLang="zh-CN" sz="1200" b="1" i="0" kern="1200" smtClean="0">
                 <a:solidFill>
                   <a:schemeClr val="tx1"/>
                 </a:solidFill>
@@ -5346,7 +5793,7 @@
               <a:t>Leader</a:t>
             </a:r>
             <a:r>
-              <a:rPr lang="zh-CN" altLang="en-US" sz="1200" b="0" i="0" kern="1200" smtClean="0">
+              <a:rPr lang="zh-CN" altLang="en-US" sz="1200" b="1" i="0" kern="1200" smtClean="0">
                 <a:solidFill>
                   <a:schemeClr val="tx1"/>
                 </a:solidFill>
@@ -5355,10 +5802,10 @@
                 <a:ea typeface="+mn-ea"/>
                 <a:cs typeface="+mn-cs"/>
               </a:rPr>
-              <a:t>节点，这样才能使整个集群正常工作。若没有选举出</a:t>
-            </a:r>
-            <a:r>
-              <a:rPr lang="en-US" altLang="zh-CN" sz="1200" b="0" i="0" kern="1200" smtClean="0">
+              <a:t>节点宕机（开始选举新的</a:t>
+            </a:r>
+            <a:r>
+              <a:rPr lang="en-US" altLang="zh-CN" sz="1200" b="1" i="0" kern="1200" smtClean="0">
                 <a:solidFill>
                   <a:schemeClr val="tx1"/>
                 </a:solidFill>
@@ -5370,7 +5817,7 @@
               <a:t>Leader</a:t>
             </a:r>
             <a:r>
-              <a:rPr lang="zh-CN" altLang="en-US" sz="1200" b="0" i="0" kern="1200" smtClean="0">
+              <a:rPr lang="zh-CN" altLang="en-US" sz="1200" b="1" i="0" kern="1200" smtClean="0">
                 <a:solidFill>
                   <a:schemeClr val="tx1"/>
                 </a:solidFill>
@@ -5379,10 +5826,12 @@
                 <a:ea typeface="+mn-ea"/>
                 <a:cs typeface="+mn-cs"/>
               </a:rPr>
-              <a:t>，则会不断地重新进行</a:t>
-            </a:r>
-            <a:r>
-              <a:rPr lang="en-US" altLang="zh-CN" sz="1200" b="0" i="0" kern="1200" smtClean="0">
+              <a:t>节点）</a:t>
+            </a:r>
+          </a:p>
+          <a:p>
+            <a:r>
+              <a:rPr lang="zh-CN" altLang="en-US" sz="1200" b="0" i="0" kern="1200" smtClean="0">
                 <a:solidFill>
                   <a:schemeClr val="tx1"/>
                 </a:solidFill>
@@ -5391,10 +5840,10 @@
                 <a:ea typeface="+mn-ea"/>
                 <a:cs typeface="+mn-cs"/>
               </a:rPr>
-              <a:t>Leader</a:t>
-            </a:r>
-            <a:r>
-              <a:rPr lang="zh-CN" altLang="en-US" sz="1200" b="0" i="0" kern="1200" smtClean="0">
+              <a:t>心跳超时的从节点会转变为候选人，并发起投票，投票可能存在</a:t>
+            </a:r>
+            <a:r>
+              <a:rPr lang="en-US" altLang="zh-CN" sz="1200" b="0" i="0" kern="1200" smtClean="0">
                 <a:solidFill>
                   <a:schemeClr val="tx1"/>
                 </a:solidFill>
@@ -5403,10 +5852,10 @@
                 <a:ea typeface="+mn-ea"/>
                 <a:cs typeface="+mn-cs"/>
               </a:rPr>
-              <a:t>选举，直至选举出</a:t>
-            </a:r>
-            <a:r>
-              <a:rPr lang="en-US" altLang="zh-CN" sz="1200" b="0" i="0" kern="1200" smtClean="0">
+              <a:t>3</a:t>
+            </a:r>
+            <a:r>
+              <a:rPr lang="zh-CN" altLang="en-US" sz="1200" b="0" i="0" kern="1200" smtClean="0">
                 <a:solidFill>
                   <a:schemeClr val="tx1"/>
                 </a:solidFill>
@@ -5415,19 +5864,7 @@
                 <a:ea typeface="+mn-ea"/>
                 <a:cs typeface="+mn-cs"/>
               </a:rPr>
-              <a:t>Leader</a:t>
-            </a:r>
-            <a:r>
-              <a:rPr lang="zh-CN" altLang="en-US" sz="1200" b="0" i="0" kern="1200" smtClean="0">
-                <a:solidFill>
-                  <a:schemeClr val="tx1"/>
-                </a:solidFill>
-                <a:effectLst/>
-                <a:latin typeface="+mn-lt"/>
-                <a:ea typeface="+mn-ea"/>
-                <a:cs typeface="+mn-cs"/>
-              </a:rPr>
-              <a:t>，集群才会进入正常工作状态。</a:t>
+              <a:t>种结果：选举成功； 选举失败；选举超时</a:t>
             </a:r>
             <a:endParaRPr lang="en-US" altLang="zh-CN" sz="1200" b="0" i="0" kern="1200" smtClean="0">
               <a:solidFill>
@@ -5441,7 +5878,7 @@
           </a:p>
           <a:p>
             <a:r>
-              <a:rPr lang="zh-CN" altLang="en-US" sz="1200" b="0" i="0" kern="1200" smtClean="0">
+              <a:rPr lang="en-US" altLang="zh-CN" sz="1200" b="1" i="0" kern="1200" smtClean="0">
                 <a:solidFill>
                   <a:schemeClr val="tx1"/>
                 </a:solidFill>
@@ -5450,10 +5887,10 @@
                 <a:ea typeface="+mn-ea"/>
                 <a:cs typeface="+mn-cs"/>
               </a:rPr>
-              <a:t>（</a:t>
-            </a:r>
-            <a:r>
-              <a:rPr lang="en-US" altLang="zh-CN" sz="1200" b="0" i="0" kern="1200" smtClean="0">
+              <a:t>1</a:t>
+            </a:r>
+            <a:r>
+              <a:rPr lang="zh-CN" altLang="en-US" sz="1200" b="1" i="0" kern="1200" smtClean="0">
                 <a:solidFill>
                   <a:schemeClr val="tx1"/>
                 </a:solidFill>
@@ -5462,7 +5899,7 @@
                 <a:ea typeface="+mn-ea"/>
                 <a:cs typeface="+mn-cs"/>
               </a:rPr>
-              <a:t>2</a:t>
+              <a:t>）选举成功：</a:t>
             </a:r>
             <a:r>
               <a:rPr lang="zh-CN" altLang="en-US" sz="1200" b="0" i="0" kern="1200" smtClean="0">
@@ -5474,7 +5911,7 @@
                 <a:ea typeface="+mn-ea"/>
                 <a:cs typeface="+mn-cs"/>
               </a:rPr>
-              <a:t>）当从节点没有接收到</a:t>
+              <a:t>该候选节点获取了</a:t>
             </a:r>
             <a:r>
               <a:rPr lang="en-US" altLang="zh-CN" sz="1200" b="0" i="0" kern="1200" smtClean="0">
@@ -5486,7 +5923,7 @@
                 <a:ea typeface="+mn-ea"/>
                 <a:cs typeface="+mn-cs"/>
               </a:rPr>
-              <a:t>Leader</a:t>
+              <a:t>50%</a:t>
             </a:r>
             <a:r>
               <a:rPr lang="zh-CN" altLang="en-US" sz="1200" b="0" i="0" kern="1200" smtClean="0">
@@ -5498,10 +5935,21 @@
                 <a:ea typeface="+mn-ea"/>
                 <a:cs typeface="+mn-cs"/>
               </a:rPr>
-              <a:t>节点的心跳时，会导致从节点心跳超时，超时的从节点转为候选人。然后集群开始进入</a:t>
-            </a:r>
-            <a:r>
-              <a:rPr lang="en-US" altLang="zh-CN" sz="1200" b="0" i="0" kern="1200" smtClean="0">
+              <a:t>以上的从节点选票，成功转变为主节点，并且发送自己的心跳报包至其他从节点，以维持整个集群的正常运行。</a:t>
+            </a:r>
+            <a:endParaRPr lang="en-US" altLang="zh-CN" sz="1200" b="0" i="0" kern="1200" smtClean="0">
+              <a:solidFill>
+                <a:schemeClr val="tx1"/>
+              </a:solidFill>
+              <a:effectLst/>
+              <a:latin typeface="+mn-lt"/>
+              <a:ea typeface="+mn-ea"/>
+              <a:cs typeface="+mn-cs"/>
+            </a:endParaRPr>
+          </a:p>
+          <a:p>
+            <a:r>
+              <a:rPr lang="en-US" altLang="zh-CN" sz="1200" b="1" i="0" kern="1200" smtClean="0">
                 <a:solidFill>
                   <a:schemeClr val="tx1"/>
                 </a:solidFill>
@@ -5510,10 +5958,10 @@
                 <a:ea typeface="+mn-ea"/>
                 <a:cs typeface="+mn-cs"/>
               </a:rPr>
-              <a:t>Leader</a:t>
-            </a:r>
-            <a:r>
-              <a:rPr lang="zh-CN" altLang="en-US" sz="1200" b="0" i="0" kern="1200" smtClean="0">
+              <a:t>2</a:t>
+            </a:r>
+            <a:r>
+              <a:rPr lang="zh-CN" altLang="en-US" sz="1200" b="1" i="0" kern="1200" smtClean="0">
                 <a:solidFill>
                   <a:schemeClr val="tx1"/>
                 </a:solidFill>
@@ -5522,10 +5970,8 @@
                 <a:ea typeface="+mn-ea"/>
                 <a:cs typeface="+mn-cs"/>
               </a:rPr>
-              <a:t>选举流程。</a:t>
-            </a:r>
-          </a:p>
-          <a:p>
+              <a:t>）选举失败：</a:t>
+            </a:r>
             <a:r>
               <a:rPr lang="zh-CN" altLang="en-US" sz="1200" b="0" i="0" kern="1200" smtClean="0">
                 <a:solidFill>
@@ -5536,10 +5982,21 @@
                 <a:ea typeface="+mn-ea"/>
                 <a:cs typeface="+mn-cs"/>
               </a:rPr>
-              <a:t>（</a:t>
-            </a:r>
-            <a:r>
-              <a:rPr lang="en-US" altLang="zh-CN" sz="1200" b="0" i="0" kern="1200" smtClean="0">
+              <a:t>当候选人参与选举时，收到了某个主节点发送来的心跳包。此时需要判断该心跳包中的任期和候选人的任期大小。</a:t>
+            </a:r>
+            <a:endParaRPr lang="en-US" altLang="zh-CN" sz="1200" b="0" i="0" kern="1200" smtClean="0">
+              <a:solidFill>
+                <a:schemeClr val="tx1"/>
+              </a:solidFill>
+              <a:effectLst/>
+              <a:latin typeface="+mn-lt"/>
+              <a:ea typeface="+mn-ea"/>
+              <a:cs typeface="+mn-cs"/>
+            </a:endParaRPr>
+          </a:p>
+          <a:p>
+            <a:r>
+              <a:rPr lang="zh-CN" altLang="en-US" sz="1200" b="0" i="0" kern="1200" smtClean="0">
                 <a:solidFill>
                   <a:schemeClr val="tx1"/>
                 </a:solidFill>
@@ -5548,10 +6005,10 @@
                 <a:ea typeface="+mn-ea"/>
                 <a:cs typeface="+mn-cs"/>
               </a:rPr>
-              <a:t>3</a:t>
-            </a:r>
-            <a:r>
-              <a:rPr lang="zh-CN" altLang="en-US" sz="1200" b="0" i="0" kern="1200" smtClean="0">
+              <a:t>该心跳包中的任期</a:t>
+            </a:r>
+            <a:r>
+              <a:rPr lang="en-US" altLang="zh-CN" sz="1200" b="0" i="0" kern="1200" smtClean="0">
                 <a:solidFill>
                   <a:schemeClr val="tx1"/>
                 </a:solidFill>
@@ -5560,10 +6017,10 @@
                 <a:ea typeface="+mn-ea"/>
                 <a:cs typeface="+mn-cs"/>
               </a:rPr>
-              <a:t>）若，存在多个候选人，此时的投票结果可能会出现所有候选人得到的选票数量一致，就需要进入新一轮的选举，重新开始投票以选取</a:t>
-            </a:r>
-            <a:r>
-              <a:rPr lang="en-US" altLang="zh-CN" sz="1200" b="0" i="0" kern="1200" smtClean="0">
+              <a:t> ≥ </a:t>
+            </a:r>
+            <a:r>
+              <a:rPr lang="zh-CN" altLang="en-US" sz="1200" b="0" i="0" kern="1200" smtClean="0">
                 <a:solidFill>
                   <a:schemeClr val="tx1"/>
                 </a:solidFill>
@@ -5572,8 +6029,19 @@
                 <a:ea typeface="+mn-ea"/>
                 <a:cs typeface="+mn-cs"/>
               </a:rPr>
-              <a:t>Leader</a:t>
-            </a:r>
+              <a:t>候选人任期：说明集群中已经选举出新的主节点。候选人切换为从节点，结束选举流程。</a:t>
+            </a:r>
+            <a:endParaRPr lang="en-US" altLang="zh-CN" sz="1200" b="0" i="0" kern="1200" smtClean="0">
+              <a:solidFill>
+                <a:schemeClr val="tx1"/>
+              </a:solidFill>
+              <a:effectLst/>
+              <a:latin typeface="+mn-lt"/>
+              <a:ea typeface="+mn-ea"/>
+              <a:cs typeface="+mn-cs"/>
+            </a:endParaRPr>
+          </a:p>
+          <a:p>
             <a:r>
               <a:rPr lang="zh-CN" altLang="en-US" sz="1200" b="0" i="0" kern="1200" smtClean="0">
                 <a:solidFill>
@@ -5584,7 +6052,7 @@
                 <a:ea typeface="+mn-ea"/>
                 <a:cs typeface="+mn-cs"/>
               </a:rPr>
-              <a:t>节点。（这就是为什么</a:t>
+              <a:t>该心跳包中的任期</a:t>
             </a:r>
             <a:r>
               <a:rPr lang="en-US" altLang="zh-CN" sz="1200" b="0" i="0" kern="1200" smtClean="0">
@@ -5596,10 +6064,10 @@
                 <a:ea typeface="+mn-ea"/>
                 <a:cs typeface="+mn-cs"/>
               </a:rPr>
-              <a:t>ETCD</a:t>
-            </a:r>
-            <a:r>
-              <a:rPr lang="zh-CN" altLang="en-US" sz="1200" b="0" i="0" kern="1200" smtClean="0">
+              <a:t> </a:t>
+            </a:r>
+            <a:r>
+              <a:rPr lang="en-US" altLang="zh-CN" sz="1200" b="1" i="0" kern="1200" smtClean="0">
                 <a:solidFill>
                   <a:schemeClr val="tx1"/>
                 </a:solidFill>
@@ -5608,12 +6076,10 @@
                 <a:ea typeface="+mn-ea"/>
                 <a:cs typeface="+mn-cs"/>
               </a:rPr>
-              <a:t>集群的节点数量必须为奇数，若为偶数，则会增加选票瓜分情况出现的概率）</a:t>
-            </a:r>
-          </a:p>
-          <a:p>
-            <a:r>
-              <a:rPr lang="zh-CN" altLang="en-US" sz="1200" b="0" i="0" kern="1200" smtClean="0">
+              <a:t>&lt;</a:t>
+            </a:r>
+            <a:r>
+              <a:rPr lang="en-US" altLang="zh-CN" sz="1200" b="0" i="0" kern="1200" smtClean="0">
                 <a:solidFill>
                   <a:schemeClr val="tx1"/>
                 </a:solidFill>
@@ -5622,10 +6088,10 @@
                 <a:ea typeface="+mn-ea"/>
                 <a:cs typeface="+mn-cs"/>
               </a:rPr>
-              <a:t>（</a:t>
-            </a:r>
-            <a:r>
-              <a:rPr lang="en-US" altLang="zh-CN" sz="1200" b="0" i="0" kern="1200" smtClean="0">
+              <a:t> </a:t>
+            </a:r>
+            <a:r>
+              <a:rPr lang="zh-CN" altLang="en-US" sz="1200" b="0" i="0" kern="1200" smtClean="0">
                 <a:solidFill>
                   <a:schemeClr val="tx1"/>
                 </a:solidFill>
@@ -5634,10 +6100,21 @@
                 <a:ea typeface="+mn-ea"/>
                 <a:cs typeface="+mn-cs"/>
               </a:rPr>
-              <a:t>4</a:t>
-            </a:r>
-            <a:r>
-              <a:rPr lang="zh-CN" altLang="en-US" sz="1200" b="0" i="0" kern="1200" smtClean="0">
+              <a:t>候选人节点的任期：该候选人继续进行选举流程，直至集群中选举出新的主节点。</a:t>
+            </a:r>
+            <a:endParaRPr lang="en-US" altLang="zh-CN" sz="1200" b="0" i="0" kern="1200" smtClean="0">
+              <a:solidFill>
+                <a:schemeClr val="tx1"/>
+              </a:solidFill>
+              <a:effectLst/>
+              <a:latin typeface="+mn-lt"/>
+              <a:ea typeface="+mn-ea"/>
+              <a:cs typeface="+mn-cs"/>
+            </a:endParaRPr>
+          </a:p>
+          <a:p>
+            <a:r>
+              <a:rPr lang="en-US" altLang="zh-CN" sz="1200" b="1" i="0" kern="1200" smtClean="0">
                 <a:solidFill>
                   <a:schemeClr val="tx1"/>
                 </a:solidFill>
@@ -5646,10 +6123,10 @@
                 <a:ea typeface="+mn-ea"/>
                 <a:cs typeface="+mn-cs"/>
               </a:rPr>
-              <a:t>）若，某个候选人在选举过程中，处于循环等待从节点的投票结果，此时已经有一个候选人得票超过</a:t>
-            </a:r>
-            <a:r>
-              <a:rPr lang="en-US" altLang="zh-CN" sz="1200" b="0" i="0" kern="1200" smtClean="0">
+              <a:t>3</a:t>
+            </a:r>
+            <a:r>
+              <a:rPr lang="zh-CN" altLang="en-US" sz="1200" b="1" i="0" kern="1200" smtClean="0">
                 <a:solidFill>
                   <a:schemeClr val="tx1"/>
                 </a:solidFill>
@@ -5658,7 +6135,7 @@
                 <a:ea typeface="+mn-ea"/>
                 <a:cs typeface="+mn-cs"/>
               </a:rPr>
-              <a:t>50%</a:t>
+              <a:t>）选举超时：</a:t>
             </a:r>
             <a:r>
               <a:rPr lang="zh-CN" altLang="en-US" sz="1200" b="0" i="0" kern="1200" smtClean="0">
@@ -5670,10 +6147,32 @@
                 <a:ea typeface="+mn-ea"/>
                 <a:cs typeface="+mn-cs"/>
               </a:rPr>
-              <a:t>，并当选为</a:t>
-            </a:r>
-            <a:r>
-              <a:rPr lang="en-US" altLang="zh-CN" sz="1200" b="0" i="0" kern="1200" smtClean="0">
+              <a:t>（选票瓜分情况）集群中存在多个候选人参与选举。此时所有的候选人的得票一致，无法选举出新的主节点。就需要进行下一轮选举，直至集群中选举出新的主节点。</a:t>
+            </a:r>
+            <a:endParaRPr lang="en-US" altLang="zh-CN" sz="1200" b="0" i="0" kern="1200" smtClean="0">
+              <a:solidFill>
+                <a:schemeClr val="tx1"/>
+              </a:solidFill>
+              <a:effectLst/>
+              <a:latin typeface="+mn-lt"/>
+              <a:ea typeface="+mn-ea"/>
+              <a:cs typeface="+mn-cs"/>
+            </a:endParaRPr>
+          </a:p>
+          <a:p>
+            <a:endParaRPr lang="en-US" altLang="zh-CN" sz="1200" b="0" i="0" kern="1200" smtClean="0">
+              <a:solidFill>
+                <a:schemeClr val="tx1"/>
+              </a:solidFill>
+              <a:effectLst/>
+              <a:latin typeface="+mn-lt"/>
+              <a:ea typeface="+mn-ea"/>
+              <a:cs typeface="+mn-cs"/>
+            </a:endParaRPr>
+          </a:p>
+          <a:p>
+            <a:r>
+              <a:rPr lang="zh-CN" altLang="en-US" sz="1200" b="1" i="0" kern="1200" smtClean="0">
                 <a:solidFill>
                   <a:schemeClr val="tx1"/>
                 </a:solidFill>
@@ -5682,10 +6181,10 @@
                 <a:ea typeface="+mn-ea"/>
                 <a:cs typeface="+mn-cs"/>
               </a:rPr>
-              <a:t>Leader</a:t>
-            </a:r>
-            <a:r>
-              <a:rPr lang="zh-CN" altLang="en-US" sz="1200" b="0" i="0" kern="1200" smtClean="0">
+              <a:t>（</a:t>
+            </a:r>
+            <a:r>
+              <a:rPr lang="en-US" altLang="zh-CN" sz="1200" b="1" i="0" kern="1200" smtClean="0">
                 <a:solidFill>
                   <a:schemeClr val="tx1"/>
                 </a:solidFill>
@@ -5694,12 +6193,10 @@
                 <a:ea typeface="+mn-ea"/>
                 <a:cs typeface="+mn-cs"/>
               </a:rPr>
-              <a:t>节点。则剩余的候选人自动变为从节点。</a:t>
-            </a:r>
-          </a:p>
-          <a:p>
-            <a:r>
-              <a:rPr lang="zh-CN" altLang="en-US" sz="1200" b="0" i="0" kern="1200" smtClean="0">
+              <a:t>3</a:t>
+            </a:r>
+            <a:r>
+              <a:rPr lang="zh-CN" altLang="en-US" sz="1200" b="1" i="0" kern="1200" smtClean="0">
                 <a:solidFill>
                   <a:schemeClr val="tx1"/>
                 </a:solidFill>
@@ -5708,10 +6205,10 @@
                 <a:ea typeface="+mn-ea"/>
                 <a:cs typeface="+mn-cs"/>
               </a:rPr>
-              <a:t>（</a:t>
-            </a:r>
-            <a:r>
-              <a:rPr lang="en-US" altLang="zh-CN" sz="1200" b="0" i="0" kern="1200" smtClean="0">
+              <a:t>）最后，</a:t>
+            </a:r>
+            <a:r>
+              <a:rPr lang="en-US" altLang="zh-CN" sz="1200" b="1" i="0" kern="1200" smtClean="0">
                 <a:solidFill>
                   <a:schemeClr val="tx1"/>
                 </a:solidFill>
@@ -5720,10 +6217,10 @@
                 <a:ea typeface="+mn-ea"/>
                 <a:cs typeface="+mn-cs"/>
               </a:rPr>
-              <a:t>5</a:t>
-            </a:r>
-            <a:r>
-              <a:rPr lang="zh-CN" altLang="en-US" sz="1200" b="0" i="0" kern="1200" smtClean="0">
+              <a:t>ETCD</a:t>
+            </a:r>
+            <a:r>
+              <a:rPr lang="zh-CN" altLang="en-US" sz="1200" b="1" i="0" kern="1200" smtClean="0">
                 <a:solidFill>
                   <a:schemeClr val="tx1"/>
                 </a:solidFill>
@@ -5732,10 +6229,10 @@
                 <a:ea typeface="+mn-ea"/>
                 <a:cs typeface="+mn-cs"/>
               </a:rPr>
-              <a:t>）若，某个候选人已经成为</a:t>
-            </a:r>
-            <a:r>
-              <a:rPr lang="en-US" altLang="zh-CN" sz="1200" b="0" i="0" kern="1200" smtClean="0">
+              <a:t>集群的</a:t>
+            </a:r>
+            <a:r>
+              <a:rPr lang="en-US" altLang="zh-CN" sz="1200" b="1" i="0" kern="1200" smtClean="0">
                 <a:solidFill>
                   <a:schemeClr val="tx1"/>
                 </a:solidFill>
@@ -5747,7 +6244,7 @@
               <a:t>Leader</a:t>
             </a:r>
             <a:r>
-              <a:rPr lang="zh-CN" altLang="en-US" sz="1200" b="0" i="0" kern="1200" smtClean="0">
+              <a:rPr lang="zh-CN" altLang="en-US" sz="1200" b="1" i="0" kern="1200" smtClean="0">
                 <a:solidFill>
                   <a:schemeClr val="tx1"/>
                 </a:solidFill>
@@ -5756,10 +6253,21 @@
                 <a:ea typeface="+mn-ea"/>
                 <a:cs typeface="+mn-cs"/>
               </a:rPr>
-              <a:t>节点，但该节点宕机，退出集群。此时，</a:t>
-            </a:r>
-            <a:r>
-              <a:rPr lang="en-US" altLang="zh-CN" sz="1200" b="0" i="0" kern="1200" smtClean="0">
+              <a:t>节点宕机后，再次恢复后，加入集群的处理方式</a:t>
+            </a:r>
+            <a:endParaRPr lang="en-US" altLang="zh-CN" sz="1200" b="1" i="0" kern="1200" smtClean="0">
+              <a:solidFill>
+                <a:schemeClr val="tx1"/>
+              </a:solidFill>
+              <a:effectLst/>
+              <a:latin typeface="+mn-lt"/>
+              <a:ea typeface="+mn-ea"/>
+              <a:cs typeface="+mn-cs"/>
+            </a:endParaRPr>
+          </a:p>
+          <a:p>
+            <a:r>
+              <a:rPr lang="zh-CN" altLang="en-US" sz="1200" b="0" i="0" kern="1200" smtClean="0">
                 <a:solidFill>
                   <a:schemeClr val="tx1"/>
                 </a:solidFill>
@@ -5768,10 +6276,10 @@
                 <a:ea typeface="+mn-ea"/>
                 <a:cs typeface="+mn-cs"/>
               </a:rPr>
-              <a:t>ETCD</a:t>
-            </a:r>
-            <a:r>
-              <a:rPr lang="zh-CN" altLang="en-US" sz="1200" b="0" i="0" kern="1200" smtClean="0">
+              <a:t>当宕机的主节点恢复后并加入集群中，此时，集群中会出现一个过期的主节点。当过期的主节点接收到新的主节点发送的心跳包时，由于该过期主节点的任期</a:t>
+            </a:r>
+            <a:r>
+              <a:rPr lang="en-US" altLang="zh-CN" sz="1200" b="0" i="0" kern="1200" smtClean="0">
                 <a:solidFill>
                   <a:schemeClr val="tx1"/>
                 </a:solidFill>
@@ -5780,10 +6288,10 @@
                 <a:ea typeface="+mn-ea"/>
                 <a:cs typeface="+mn-cs"/>
               </a:rPr>
-              <a:t>集群需要从剩余的节点中选出新的</a:t>
-            </a:r>
-            <a:r>
-              <a:rPr lang="en-US" altLang="zh-CN" sz="1200" b="0" i="0" kern="1200" smtClean="0">
+              <a:t> </a:t>
+            </a:r>
+            <a:r>
+              <a:rPr lang="zh-CN" altLang="en-US" sz="1200" b="1" i="0" kern="1200" smtClean="0">
                 <a:solidFill>
                   <a:schemeClr val="tx1"/>
                 </a:solidFill>
@@ -5792,7 +6300,7 @@
                 <a:ea typeface="+mn-ea"/>
                 <a:cs typeface="+mn-cs"/>
               </a:rPr>
-              <a:t>Leader</a:t>
+              <a:t>小于</a:t>
             </a:r>
             <a:r>
               <a:rPr lang="zh-CN" altLang="en-US" sz="1200" b="0" i="0" kern="1200" smtClean="0">
@@ -5804,194 +6312,21 @@
                 <a:ea typeface="+mn-ea"/>
                 <a:cs typeface="+mn-cs"/>
               </a:rPr>
-              <a:t>节点。若此时旧的</a:t>
-            </a:r>
-            <a:r>
-              <a:rPr lang="en-US" altLang="zh-CN" sz="1200" b="0" i="0" kern="1200" smtClean="0">
-                <a:solidFill>
-                  <a:schemeClr val="tx1"/>
-                </a:solidFill>
-                <a:effectLst/>
-                <a:latin typeface="+mn-lt"/>
-                <a:ea typeface="+mn-ea"/>
-                <a:cs typeface="+mn-cs"/>
-              </a:rPr>
-              <a:t>Leader</a:t>
-            </a:r>
-            <a:r>
-              <a:rPr lang="zh-CN" altLang="en-US" sz="1200" b="0" i="0" kern="1200" smtClean="0">
-                <a:solidFill>
-                  <a:schemeClr val="tx1"/>
-                </a:solidFill>
-                <a:effectLst/>
-                <a:latin typeface="+mn-lt"/>
-                <a:ea typeface="+mn-ea"/>
-                <a:cs typeface="+mn-cs"/>
-              </a:rPr>
-              <a:t>恢复，并加入集群，则这个旧的</a:t>
-            </a:r>
-            <a:r>
-              <a:rPr lang="en-US" altLang="zh-CN" sz="1200" b="0" i="0" kern="1200" smtClean="0">
-                <a:solidFill>
-                  <a:schemeClr val="tx1"/>
-                </a:solidFill>
-                <a:effectLst/>
-                <a:latin typeface="+mn-lt"/>
-                <a:ea typeface="+mn-ea"/>
-                <a:cs typeface="+mn-cs"/>
-              </a:rPr>
-              <a:t>Leader</a:t>
-            </a:r>
-            <a:r>
-              <a:rPr lang="zh-CN" altLang="en-US" sz="1200" b="0" i="0" kern="1200" smtClean="0">
-                <a:solidFill>
-                  <a:schemeClr val="tx1"/>
-                </a:solidFill>
-                <a:effectLst/>
-                <a:latin typeface="+mn-lt"/>
-                <a:ea typeface="+mn-ea"/>
-                <a:cs typeface="+mn-cs"/>
-              </a:rPr>
-              <a:t>节点自动转为</a:t>
-            </a:r>
-            <a:r>
-              <a:rPr lang="en-US" altLang="zh-CN" sz="1200" b="0" i="0" kern="1200" smtClean="0">
-                <a:solidFill>
-                  <a:schemeClr val="tx1"/>
-                </a:solidFill>
-                <a:effectLst/>
-                <a:latin typeface="+mn-lt"/>
-                <a:ea typeface="+mn-ea"/>
-                <a:cs typeface="+mn-cs"/>
-              </a:rPr>
-              <a:t>Follower</a:t>
-            </a:r>
-            <a:r>
-              <a:rPr lang="zh-CN" altLang="en-US" sz="1200" b="0" i="0" kern="1200" smtClean="0">
-                <a:solidFill>
-                  <a:schemeClr val="tx1"/>
-                </a:solidFill>
-                <a:effectLst/>
-                <a:latin typeface="+mn-lt"/>
-                <a:ea typeface="+mn-ea"/>
-                <a:cs typeface="+mn-cs"/>
-              </a:rPr>
-              <a:t>。</a:t>
-            </a:r>
-          </a:p>
-          <a:p>
-            <a:endParaRPr lang="en-US" altLang="zh-CN" smtClean="0"/>
-          </a:p>
-          <a:p>
-            <a:r>
-              <a:rPr lang="en-US" altLang="zh-CN" smtClean="0"/>
-              <a:t>2</a:t>
-            </a:r>
-            <a:r>
-              <a:rPr lang="zh-CN" altLang="en-US" smtClean="0"/>
-              <a:t>、由此，可以看出</a:t>
-            </a:r>
-            <a:r>
-              <a:rPr lang="en-US" altLang="zh-CN" smtClean="0"/>
-              <a:t>Leader</a:t>
-            </a:r>
-            <a:r>
-              <a:rPr lang="zh-CN" altLang="en-US" smtClean="0"/>
-              <a:t>选举过程可分为</a:t>
-            </a:r>
-            <a:r>
-              <a:rPr lang="en-US" altLang="zh-CN" smtClean="0"/>
-              <a:t>3</a:t>
-            </a:r>
-            <a:r>
-              <a:rPr lang="zh-CN" altLang="en-US" smtClean="0"/>
-              <a:t>个阶段：</a:t>
-            </a:r>
-            <a:endParaRPr lang="en-US" altLang="zh-CN" smtClean="0"/>
-          </a:p>
-          <a:p>
-            <a:r>
-              <a:rPr lang="zh-CN" altLang="en-US" smtClean="0"/>
-              <a:t>（</a:t>
-            </a:r>
-            <a:r>
-              <a:rPr lang="en-US" altLang="zh-CN" smtClean="0"/>
-              <a:t>1</a:t>
-            </a:r>
-            <a:r>
-              <a:rPr lang="zh-CN" altLang="en-US" smtClean="0"/>
-              <a:t>）第一阶段：</a:t>
-            </a:r>
-            <a:r>
-              <a:rPr lang="en-US" altLang="zh-CN" smtClean="0"/>
-              <a:t>ETCD</a:t>
-            </a:r>
-            <a:r>
-              <a:rPr lang="zh-CN" altLang="en-US" smtClean="0"/>
-              <a:t>集群启动时，选举</a:t>
-            </a:r>
-            <a:r>
-              <a:rPr lang="en-US" altLang="zh-CN" smtClean="0"/>
-              <a:t>Leader</a:t>
-            </a:r>
-            <a:r>
-              <a:rPr lang="zh-CN" altLang="en-US" smtClean="0"/>
-              <a:t>过程</a:t>
-            </a:r>
-            <a:endParaRPr lang="en-US" altLang="zh-CN" smtClean="0"/>
-          </a:p>
-          <a:p>
-            <a:r>
-              <a:rPr lang="zh-CN" altLang="en-US" smtClean="0"/>
-              <a:t>（</a:t>
-            </a:r>
-            <a:r>
-              <a:rPr lang="en-US" altLang="zh-CN" smtClean="0"/>
-              <a:t>2</a:t>
-            </a:r>
-            <a:r>
-              <a:rPr lang="zh-CN" altLang="en-US" smtClean="0"/>
-              <a:t>）第二阶段：集群的</a:t>
-            </a:r>
-            <a:r>
-              <a:rPr lang="en-US" altLang="zh-CN" smtClean="0"/>
-              <a:t>Leader</a:t>
-            </a:r>
-            <a:r>
-              <a:rPr lang="zh-CN" altLang="en-US" smtClean="0"/>
-              <a:t>节点宕机时，选举</a:t>
-            </a:r>
-            <a:r>
-              <a:rPr lang="en-US" altLang="zh-CN" smtClean="0"/>
-              <a:t>Leader</a:t>
-            </a:r>
-            <a:r>
-              <a:rPr lang="zh-CN" altLang="en-US" smtClean="0"/>
-              <a:t>过程</a:t>
-            </a:r>
-            <a:endParaRPr lang="en-US" altLang="zh-CN" smtClean="0"/>
-          </a:p>
-          <a:p>
-            <a:r>
-              <a:rPr lang="zh-CN" altLang="en-US" smtClean="0"/>
-              <a:t>（</a:t>
-            </a:r>
-            <a:r>
-              <a:rPr lang="en-US" altLang="zh-CN" smtClean="0"/>
-              <a:t>3</a:t>
-            </a:r>
-            <a:r>
-              <a:rPr lang="zh-CN" altLang="en-US" smtClean="0"/>
-              <a:t>）第三阶段：集群中</a:t>
-            </a:r>
-            <a:r>
-              <a:rPr lang="en-US" altLang="zh-CN" smtClean="0"/>
-              <a:t>Leader</a:t>
-            </a:r>
-            <a:r>
-              <a:rPr lang="zh-CN" altLang="en-US" smtClean="0"/>
-              <a:t>宕机并恢复后，加入集群时的状态转换过程</a:t>
-            </a:r>
+              <a:t> 新主节点的任期， 则该过期的主节点会变为从节点。</a:t>
+            </a:r>
+          </a:p>
+          <a:p>
+            <a:endParaRPr lang="zh-CN" altLang="en-US" sz="1200" b="0" i="0" kern="1200" smtClean="0">
+              <a:solidFill>
+                <a:schemeClr val="tx1"/>
+              </a:solidFill>
+              <a:effectLst/>
+              <a:latin typeface="+mn-lt"/>
+              <a:ea typeface="+mn-ea"/>
+              <a:cs typeface="+mn-cs"/>
+            </a:endParaRPr>
+          </a:p>
+          <a:p>
             <a:endParaRPr lang="zh-CN" altLang="en-US"/>
           </a:p>
         </p:txBody>
@@ -6442,7 +6777,7 @@
           <a:p>
             <a:fld id="{D997B5FA-0921-464F-AAE1-844C04324D75}" type="datetimeFigureOut">
               <a:rPr lang="zh-CN" altLang="en-US" smtClean="0"/>
-              <a:t>2021/7/17</a:t>
+              <a:t>2021/7/18</a:t>
             </a:fld>
             <a:endParaRPr lang="zh-CN" altLang="en-US"/>
           </a:p>
@@ -6607,7 +6942,7 @@
           <a:p>
             <a:fld id="{D997B5FA-0921-464F-AAE1-844C04324D75}" type="datetimeFigureOut">
               <a:rPr lang="zh-CN" altLang="en-US" smtClean="0"/>
-              <a:t>2021/7/17</a:t>
+              <a:t>2021/7/18</a:t>
             </a:fld>
             <a:endParaRPr lang="zh-CN" altLang="en-US"/>
           </a:p>
@@ -6782,7 +7117,7 @@
           <a:p>
             <a:fld id="{D997B5FA-0921-464F-AAE1-844C04324D75}" type="datetimeFigureOut">
               <a:rPr lang="zh-CN" altLang="en-US" smtClean="0"/>
-              <a:t>2021/7/17</a:t>
+              <a:t>2021/7/18</a:t>
             </a:fld>
             <a:endParaRPr lang="zh-CN" altLang="en-US"/>
           </a:p>
@@ -6947,7 +7282,7 @@
           <a:p>
             <a:fld id="{D997B5FA-0921-464F-AAE1-844C04324D75}" type="datetimeFigureOut">
               <a:rPr lang="zh-CN" altLang="en-US" smtClean="0"/>
-              <a:t>2021/7/17</a:t>
+              <a:t>2021/7/18</a:t>
             </a:fld>
             <a:endParaRPr lang="zh-CN" altLang="en-US"/>
           </a:p>
@@ -7188,7 +7523,7 @@
           <a:p>
             <a:fld id="{D997B5FA-0921-464F-AAE1-844C04324D75}" type="datetimeFigureOut">
               <a:rPr lang="zh-CN" altLang="en-US" smtClean="0"/>
-              <a:t>2021/7/17</a:t>
+              <a:t>2021/7/18</a:t>
             </a:fld>
             <a:endParaRPr lang="zh-CN" altLang="en-US"/>
           </a:p>
@@ -7415,7 +7750,7 @@
           <a:p>
             <a:fld id="{D997B5FA-0921-464F-AAE1-844C04324D75}" type="datetimeFigureOut">
               <a:rPr lang="zh-CN" altLang="en-US" smtClean="0"/>
-              <a:t>2021/7/17</a:t>
+              <a:t>2021/7/18</a:t>
             </a:fld>
             <a:endParaRPr lang="zh-CN" altLang="en-US"/>
           </a:p>
@@ -7777,7 +8112,7 @@
           <a:p>
             <a:fld id="{D997B5FA-0921-464F-AAE1-844C04324D75}" type="datetimeFigureOut">
               <a:rPr lang="zh-CN" altLang="en-US" smtClean="0"/>
-              <a:t>2021/7/17</a:t>
+              <a:t>2021/7/18</a:t>
             </a:fld>
             <a:endParaRPr lang="zh-CN" altLang="en-US"/>
           </a:p>
@@ -7890,7 +8225,7 @@
           <a:p>
             <a:fld id="{D997B5FA-0921-464F-AAE1-844C04324D75}" type="datetimeFigureOut">
               <a:rPr lang="zh-CN" altLang="en-US" smtClean="0"/>
-              <a:t>2021/7/17</a:t>
+              <a:t>2021/7/18</a:t>
             </a:fld>
             <a:endParaRPr lang="zh-CN" altLang="en-US"/>
           </a:p>
@@ -7980,7 +8315,7 @@
           <a:p>
             <a:fld id="{D997B5FA-0921-464F-AAE1-844C04324D75}" type="datetimeFigureOut">
               <a:rPr lang="zh-CN" altLang="en-US" smtClean="0"/>
-              <a:t>2021/7/17</a:t>
+              <a:t>2021/7/18</a:t>
             </a:fld>
             <a:endParaRPr lang="zh-CN" altLang="en-US"/>
           </a:p>
@@ -8252,7 +8587,7 @@
           <a:p>
             <a:fld id="{D997B5FA-0921-464F-AAE1-844C04324D75}" type="datetimeFigureOut">
               <a:rPr lang="zh-CN" altLang="en-US" smtClean="0"/>
-              <a:t>2021/7/17</a:t>
+              <a:t>2021/7/18</a:t>
             </a:fld>
             <a:endParaRPr lang="zh-CN" altLang="en-US"/>
           </a:p>
@@ -8500,7 +8835,7 @@
           <a:p>
             <a:fld id="{D997B5FA-0921-464F-AAE1-844C04324D75}" type="datetimeFigureOut">
               <a:rPr lang="zh-CN" altLang="en-US" smtClean="0"/>
-              <a:t>2021/7/17</a:t>
+              <a:t>2021/7/18</a:t>
             </a:fld>
             <a:endParaRPr lang="zh-CN" altLang="en-US"/>
           </a:p>
@@ -8708,7 +9043,7 @@
           <a:p>
             <a:fld id="{D997B5FA-0921-464F-AAE1-844C04324D75}" type="datetimeFigureOut">
               <a:rPr lang="zh-CN" altLang="en-US" smtClean="0"/>
-              <a:t>2021/7/17</a:t>
+              <a:t>2021/7/18</a:t>
             </a:fld>
             <a:endParaRPr lang="zh-CN" altLang="en-US"/>
           </a:p>
@@ -10393,7 +10728,7 @@
       </p:sp>
       <p:pic>
         <p:nvPicPr>
-          <p:cNvPr id="3" name="图片 2"/>
+          <p:cNvPr id="5" name="图片 4"/>
           <p:cNvPicPr>
             <a:picLocks noChangeAspect="1"/>
           </p:cNvPicPr>
@@ -10407,8 +10742,8 @@
         </p:blipFill>
         <p:spPr>
           <a:xfrm>
-            <a:off x="2056840" y="2467709"/>
-            <a:ext cx="7907460" cy="4198417"/>
+            <a:off x="1966506" y="2286836"/>
+            <a:ext cx="8774005" cy="4329117"/>
           </a:xfrm>
           <a:prstGeom prst="rect">
             <a:avLst/>
